--- a/문서 관리/07. 유스케이스(수정본).pptx
+++ b/문서 관리/07. 유스케이스(수정본).pptx
@@ -245,7 +245,7 @@
           <a:p>
             <a:fld id="{19FDD50A-CFF0-4AD3-91EA-AE2AFF9D3E3A}" type="datetimeFigureOut">
               <a:rPr lang="ko-KR" altLang="en-US" smtClean="0"/>
-              <a:t>2023-06-20</a:t>
+              <a:t>2023-06-27</a:t>
             </a:fld>
             <a:endParaRPr lang="ko-KR" altLang="en-US"/>
           </a:p>
@@ -415,7 +415,7 @@
           <a:p>
             <a:fld id="{19FDD50A-CFF0-4AD3-91EA-AE2AFF9D3E3A}" type="datetimeFigureOut">
               <a:rPr lang="ko-KR" altLang="en-US" smtClean="0"/>
-              <a:t>2023-06-20</a:t>
+              <a:t>2023-06-27</a:t>
             </a:fld>
             <a:endParaRPr lang="ko-KR" altLang="en-US"/>
           </a:p>
@@ -595,7 +595,7 @@
           <a:p>
             <a:fld id="{19FDD50A-CFF0-4AD3-91EA-AE2AFF9D3E3A}" type="datetimeFigureOut">
               <a:rPr lang="ko-KR" altLang="en-US" smtClean="0"/>
-              <a:t>2023-06-20</a:t>
+              <a:t>2023-06-27</a:t>
             </a:fld>
             <a:endParaRPr lang="ko-KR" altLang="en-US"/>
           </a:p>
@@ -765,7 +765,7 @@
           <a:p>
             <a:fld id="{19FDD50A-CFF0-4AD3-91EA-AE2AFF9D3E3A}" type="datetimeFigureOut">
               <a:rPr lang="ko-KR" altLang="en-US" smtClean="0"/>
-              <a:t>2023-06-20</a:t>
+              <a:t>2023-06-27</a:t>
             </a:fld>
             <a:endParaRPr lang="ko-KR" altLang="en-US"/>
           </a:p>
@@ -1011,7 +1011,7 @@
           <a:p>
             <a:fld id="{19FDD50A-CFF0-4AD3-91EA-AE2AFF9D3E3A}" type="datetimeFigureOut">
               <a:rPr lang="ko-KR" altLang="en-US" smtClean="0"/>
-              <a:t>2023-06-20</a:t>
+              <a:t>2023-06-27</a:t>
             </a:fld>
             <a:endParaRPr lang="ko-KR" altLang="en-US"/>
           </a:p>
@@ -1243,7 +1243,7 @@
           <a:p>
             <a:fld id="{19FDD50A-CFF0-4AD3-91EA-AE2AFF9D3E3A}" type="datetimeFigureOut">
               <a:rPr lang="ko-KR" altLang="en-US" smtClean="0"/>
-              <a:t>2023-06-20</a:t>
+              <a:t>2023-06-27</a:t>
             </a:fld>
             <a:endParaRPr lang="ko-KR" altLang="en-US"/>
           </a:p>
@@ -1610,7 +1610,7 @@
           <a:p>
             <a:fld id="{19FDD50A-CFF0-4AD3-91EA-AE2AFF9D3E3A}" type="datetimeFigureOut">
               <a:rPr lang="ko-KR" altLang="en-US" smtClean="0"/>
-              <a:t>2023-06-20</a:t>
+              <a:t>2023-06-27</a:t>
             </a:fld>
             <a:endParaRPr lang="ko-KR" altLang="en-US"/>
           </a:p>
@@ -1728,7 +1728,7 @@
           <a:p>
             <a:fld id="{19FDD50A-CFF0-4AD3-91EA-AE2AFF9D3E3A}" type="datetimeFigureOut">
               <a:rPr lang="ko-KR" altLang="en-US" smtClean="0"/>
-              <a:t>2023-06-20</a:t>
+              <a:t>2023-06-27</a:t>
             </a:fld>
             <a:endParaRPr lang="ko-KR" altLang="en-US"/>
           </a:p>
@@ -1823,7 +1823,7 @@
           <a:p>
             <a:fld id="{19FDD50A-CFF0-4AD3-91EA-AE2AFF9D3E3A}" type="datetimeFigureOut">
               <a:rPr lang="ko-KR" altLang="en-US" smtClean="0"/>
-              <a:t>2023-06-20</a:t>
+              <a:t>2023-06-27</a:t>
             </a:fld>
             <a:endParaRPr lang="ko-KR" altLang="en-US"/>
           </a:p>
@@ -2100,7 +2100,7 @@
           <a:p>
             <a:fld id="{19FDD50A-CFF0-4AD3-91EA-AE2AFF9D3E3A}" type="datetimeFigureOut">
               <a:rPr lang="ko-KR" altLang="en-US" smtClean="0"/>
-              <a:t>2023-06-20</a:t>
+              <a:t>2023-06-27</a:t>
             </a:fld>
             <a:endParaRPr lang="ko-KR" altLang="en-US"/>
           </a:p>
@@ -2353,7 +2353,7 @@
           <a:p>
             <a:fld id="{19FDD50A-CFF0-4AD3-91EA-AE2AFF9D3E3A}" type="datetimeFigureOut">
               <a:rPr lang="ko-KR" altLang="en-US" smtClean="0"/>
-              <a:t>2023-06-20</a:t>
+              <a:t>2023-06-27</a:t>
             </a:fld>
             <a:endParaRPr lang="ko-KR" altLang="en-US"/>
           </a:p>
@@ -2566,7 +2566,7 @@
           <a:p>
             <a:fld id="{19FDD50A-CFF0-4AD3-91EA-AE2AFF9D3E3A}" type="datetimeFigureOut">
               <a:rPr lang="ko-KR" altLang="en-US" smtClean="0"/>
-              <a:t>2023-06-20</a:t>
+              <a:t>2023-06-27</a:t>
             </a:fld>
             <a:endParaRPr lang="ko-KR" altLang="en-US"/>
           </a:p>
@@ -3034,13 +3034,13 @@
           </a:ln>
         </p:spPr>
         <p:style>
-          <a:lnRef idx="3">
+          <a:lnRef idx="2">
             <a:schemeClr val="dk1"/>
           </a:lnRef>
           <a:fillRef idx="0">
             <a:schemeClr val="dk1"/>
           </a:fillRef>
-          <a:effectRef idx="2">
+          <a:effectRef idx="1">
             <a:schemeClr val="dk1"/>
           </a:effectRef>
           <a:fontRef idx="minor">
@@ -3256,90 +3256,6 @@
       </p:sp>
       <p:sp>
         <p:nvSpPr>
-          <p:cNvPr id="39" name="직사각형 38"/>
-          <p:cNvSpPr/>
-          <p:nvPr/>
-        </p:nvSpPr>
-        <p:spPr>
-          <a:xfrm>
-            <a:off x="350181" y="2588891"/>
-            <a:ext cx="2236133" cy="2071507"/>
-          </a:xfrm>
-          <a:prstGeom prst="rect">
-            <a:avLst/>
-          </a:prstGeom>
-        </p:spPr>
-        <p:style>
-          <a:lnRef idx="2">
-            <a:schemeClr val="dk1"/>
-          </a:lnRef>
-          <a:fillRef idx="1">
-            <a:schemeClr val="lt1"/>
-          </a:fillRef>
-          <a:effectRef idx="0">
-            <a:schemeClr val="dk1"/>
-          </a:effectRef>
-          <a:fontRef idx="minor">
-            <a:schemeClr val="dk1"/>
-          </a:fontRef>
-        </p:style>
-        <p:txBody>
-          <a:bodyPr rtlCol="0" anchor="t"/>
-          <a:lstStyle/>
-          <a:p>
-            <a:pPr algn="ctr"/>
-            <a:r>
-              <a:rPr lang="ko-KR" altLang="en-US" sz="1200" dirty="0" smtClean="0"/>
-              <a:t>마음건강검사</a:t>
-            </a:r>
-            <a:endParaRPr lang="ko-KR" altLang="en-US" sz="1200" dirty="0"/>
-          </a:p>
-        </p:txBody>
-      </p:sp>
-      <p:sp>
-        <p:nvSpPr>
-          <p:cNvPr id="40" name="직사각형 39"/>
-          <p:cNvSpPr/>
-          <p:nvPr/>
-        </p:nvSpPr>
-        <p:spPr>
-          <a:xfrm>
-            <a:off x="2824935" y="3957639"/>
-            <a:ext cx="2553223" cy="2268780"/>
-          </a:xfrm>
-          <a:prstGeom prst="rect">
-            <a:avLst/>
-          </a:prstGeom>
-        </p:spPr>
-        <p:style>
-          <a:lnRef idx="2">
-            <a:schemeClr val="dk1"/>
-          </a:lnRef>
-          <a:fillRef idx="1">
-            <a:schemeClr val="lt1"/>
-          </a:fillRef>
-          <a:effectRef idx="0">
-            <a:schemeClr val="dk1"/>
-          </a:effectRef>
-          <a:fontRef idx="minor">
-            <a:schemeClr val="dk1"/>
-          </a:fontRef>
-        </p:style>
-        <p:txBody>
-          <a:bodyPr rtlCol="0" anchor="t"/>
-          <a:lstStyle/>
-          <a:p>
-            <a:pPr algn="ctr"/>
-            <a:r>
-              <a:rPr lang="ko-KR" altLang="en-US" sz="1200" dirty="0" smtClean="0"/>
-              <a:t>마음건강정보</a:t>
-            </a:r>
-            <a:endParaRPr lang="ko-KR" altLang="en-US" sz="1200" dirty="0"/>
-          </a:p>
-        </p:txBody>
-      </p:sp>
-      <p:sp>
-        <p:nvSpPr>
           <p:cNvPr id="41" name="직사각형 40"/>
           <p:cNvSpPr/>
           <p:nvPr/>
@@ -3387,8 +3303,8 @@
         </p:nvSpPr>
         <p:spPr>
           <a:xfrm>
-            <a:off x="8940357" y="3414994"/>
-            <a:ext cx="2734887" cy="3069114"/>
+            <a:off x="8443303" y="4013407"/>
+            <a:ext cx="2734887" cy="2428467"/>
           </a:xfrm>
           <a:prstGeom prst="rect">
             <a:avLst/>
@@ -3444,13 +3360,13 @@
           </a:ln>
         </p:spPr>
         <p:style>
-          <a:lnRef idx="3">
+          <a:lnRef idx="2">
             <a:schemeClr val="dk1"/>
           </a:lnRef>
           <a:fillRef idx="0">
             <a:schemeClr val="dk1"/>
           </a:fillRef>
-          <a:effectRef idx="2">
+          <a:effectRef idx="1">
             <a:schemeClr val="dk1"/>
           </a:effectRef>
           <a:fontRef idx="minor">
@@ -3481,13 +3397,13 @@
           </a:ln>
         </p:spPr>
         <p:style>
-          <a:lnRef idx="3">
+          <a:lnRef idx="2">
             <a:schemeClr val="dk1"/>
           </a:lnRef>
           <a:fillRef idx="0">
             <a:schemeClr val="dk1"/>
           </a:fillRef>
-          <a:effectRef idx="2">
+          <a:effectRef idx="1">
             <a:schemeClr val="dk1"/>
           </a:effectRef>
           <a:fontRef idx="minor">
@@ -3516,13 +3432,13 @@
           </a:ln>
         </p:spPr>
         <p:style>
-          <a:lnRef idx="3">
+          <a:lnRef idx="2">
             <a:schemeClr val="dk1"/>
           </a:lnRef>
           <a:fillRef idx="0">
             <a:schemeClr val="dk1"/>
           </a:fillRef>
-          <a:effectRef idx="2">
+          <a:effectRef idx="1">
             <a:schemeClr val="dk1"/>
           </a:effectRef>
           <a:fontRef idx="minor">
@@ -3841,7 +3757,7 @@
         </p:nvSpPr>
         <p:spPr>
           <a:xfrm>
-            <a:off x="10398334" y="4835088"/>
+            <a:off x="9901280" y="4792855"/>
             <a:ext cx="1146174" cy="482295"/>
           </a:xfrm>
           <a:prstGeom prst="ellipse">
@@ -3870,56 +3786,6 @@
             <a:r>
               <a:rPr lang="ko-KR" altLang="en-US" sz="1100" dirty="0" smtClean="0"/>
               <a:t>신청 취소</a:t>
-            </a:r>
-            <a:endParaRPr lang="ko-KR" altLang="en-US" sz="1100" dirty="0"/>
-          </a:p>
-        </p:txBody>
-      </p:sp>
-      <p:sp>
-        <p:nvSpPr>
-          <p:cNvPr id="48" name="타원 47"/>
-          <p:cNvSpPr/>
-          <p:nvPr/>
-        </p:nvSpPr>
-        <p:spPr>
-          <a:xfrm>
-            <a:off x="10392056" y="4261129"/>
-            <a:ext cx="1146174" cy="482295"/>
-          </a:xfrm>
-          <a:prstGeom prst="ellipse">
-            <a:avLst/>
-          </a:prstGeom>
-        </p:spPr>
-        <p:style>
-          <a:lnRef idx="2">
-            <a:schemeClr val="dk1"/>
-          </a:lnRef>
-          <a:fillRef idx="1">
-            <a:schemeClr val="lt1"/>
-          </a:fillRef>
-          <a:effectRef idx="0">
-            <a:schemeClr val="dk1"/>
-          </a:effectRef>
-          <a:fontRef idx="minor">
-            <a:schemeClr val="dk1"/>
-          </a:fontRef>
-        </p:style>
-        <p:txBody>
-          <a:bodyPr rtlCol="0" anchor="ctr"/>
-          <a:lstStyle/>
-          <a:p>
-            <a:pPr algn="ctr"/>
-            <a:r>
-              <a:rPr lang="ko-KR" altLang="en-US" sz="1100" dirty="0" smtClean="0"/>
-              <a:t>신청 내역</a:t>
-            </a:r>
-            <a:endParaRPr lang="en-US" altLang="ko-KR" sz="1100" dirty="0" smtClean="0"/>
-          </a:p>
-          <a:p>
-            <a:pPr algn="ctr"/>
-            <a:r>
-              <a:rPr lang="ko-KR" altLang="en-US" sz="1100" dirty="0" smtClean="0"/>
-              <a:t>수정</a:t>
             </a:r>
             <a:endParaRPr lang="ko-KR" altLang="en-US" sz="1100" dirty="0"/>
           </a:p>
@@ -3933,7 +3799,7 @@
         </p:nvSpPr>
         <p:spPr>
           <a:xfrm>
-            <a:off x="9092283" y="4254274"/>
+            <a:off x="8595229" y="4212041"/>
             <a:ext cx="1146174" cy="482295"/>
           </a:xfrm>
           <a:prstGeom prst="ellipse">
@@ -3983,7 +3849,7 @@
         </p:nvSpPr>
         <p:spPr>
           <a:xfrm>
-            <a:off x="9091477" y="5363733"/>
+            <a:off x="8594423" y="5321500"/>
             <a:ext cx="1146174" cy="482295"/>
           </a:xfrm>
           <a:prstGeom prst="ellipse">
@@ -4033,7 +3899,7 @@
         </p:nvSpPr>
         <p:spPr>
           <a:xfrm>
-            <a:off x="9073294" y="3693043"/>
+            <a:off x="9923985" y="4178103"/>
             <a:ext cx="1146174" cy="482295"/>
           </a:xfrm>
           <a:prstGeom prst="ellipse">
@@ -4166,7 +4032,7 @@
         </p:nvSpPr>
         <p:spPr>
           <a:xfrm>
-            <a:off x="6624484" y="360159"/>
+            <a:off x="7366124" y="356609"/>
             <a:ext cx="1135680" cy="613415"/>
           </a:xfrm>
           <a:prstGeom prst="ellipse">
@@ -4208,75 +4074,6 @@
               <a:t>프로젝트</a:t>
             </a:r>
             <a:endParaRPr lang="en-US" altLang="ko-KR" sz="1100" dirty="0" smtClean="0"/>
-          </a:p>
-          <a:p>
-            <a:pPr algn="ctr"/>
-            <a:r>
-              <a:rPr lang="ko-KR" altLang="en-US" sz="1100" dirty="0" smtClean="0"/>
-              <a:t>소개</a:t>
-            </a:r>
-            <a:endParaRPr lang="ko-KR" altLang="en-US" sz="1100" dirty="0"/>
-          </a:p>
-        </p:txBody>
-      </p:sp>
-      <p:sp>
-        <p:nvSpPr>
-          <p:cNvPr id="66" name="타원 65"/>
-          <p:cNvSpPr/>
-          <p:nvPr/>
-        </p:nvSpPr>
-        <p:spPr>
-          <a:xfrm>
-            <a:off x="7950068" y="364469"/>
-            <a:ext cx="1135680" cy="613415"/>
-          </a:xfrm>
-          <a:prstGeom prst="ellipse">
-            <a:avLst/>
-          </a:prstGeom>
-        </p:spPr>
-        <p:style>
-          <a:lnRef idx="2">
-            <a:schemeClr val="dk1"/>
-          </a:lnRef>
-          <a:fillRef idx="1">
-            <a:schemeClr val="lt1"/>
-          </a:fillRef>
-          <a:effectRef idx="0">
-            <a:schemeClr val="dk1"/>
-          </a:effectRef>
-          <a:fontRef idx="minor">
-            <a:schemeClr val="dk1"/>
-          </a:fontRef>
-        </p:style>
-        <p:txBody>
-          <a:bodyPr rtlCol="0" anchor="ctr"/>
-          <a:lstStyle/>
-          <a:p>
-            <a:pPr algn="ctr"/>
-            <a:r>
-              <a:rPr lang="ko-KR" altLang="en-US" sz="1100" dirty="0" smtClean="0"/>
-              <a:t>서울</a:t>
-            </a:r>
-            <a:endParaRPr lang="en-US" altLang="ko-KR" sz="1100" dirty="0" smtClean="0"/>
-          </a:p>
-          <a:p>
-            <a:pPr algn="ctr"/>
-            <a:r>
-              <a:rPr lang="ko-KR" altLang="en-US" sz="1100" dirty="0" smtClean="0"/>
-              <a:t>위</a:t>
-            </a:r>
-            <a:r>
-              <a:rPr lang="en-US" altLang="ko-KR" sz="1100" dirty="0" smtClean="0"/>
-              <a:t>(Wee)</a:t>
-            </a:r>
-          </a:p>
-          <a:p>
-            <a:pPr algn="ctr"/>
-            <a:r>
-              <a:rPr lang="ko-KR" altLang="en-US" sz="1100" dirty="0" smtClean="0"/>
-              <a:t>센터 소개</a:t>
-            </a:r>
-            <a:endParaRPr lang="ko-KR" altLang="en-US" sz="1100" dirty="0"/>
           </a:p>
         </p:txBody>
       </p:sp>
@@ -4288,8 +4085,8 @@
         </p:nvSpPr>
         <p:spPr>
           <a:xfrm>
-            <a:off x="6633428" y="1076076"/>
-            <a:ext cx="1126736" cy="505083"/>
+            <a:off x="6564355" y="924667"/>
+            <a:ext cx="1126736" cy="501778"/>
           </a:xfrm>
           <a:prstGeom prst="ellipse">
             <a:avLst/>
@@ -4330,7 +4127,7 @@
         </p:nvSpPr>
         <p:spPr>
           <a:xfrm>
-            <a:off x="7850750" y="1025694"/>
+            <a:off x="7830950" y="960948"/>
             <a:ext cx="1438742" cy="613415"/>
           </a:xfrm>
           <a:prstGeom prst="ellipse">
@@ -4388,19 +4185,19 @@
           <p:cNvPr id="70" name="구부러진 연결선 69"/>
           <p:cNvCxnSpPr>
             <a:stCxn id="24" idx="7"/>
-            <a:endCxn id="44" idx="1"/>
+            <a:endCxn id="56" idx="2"/>
           </p:cNvCxnSpPr>
           <p:nvPr/>
         </p:nvCxnSpPr>
         <p:spPr>
           <a:xfrm rot="16200000" flipH="1">
-            <a:off x="6208044" y="2217238"/>
-            <a:ext cx="1933816" cy="3530810"/>
+            <a:off x="6283661" y="2141621"/>
+            <a:ext cx="1437454" cy="3185682"/>
           </a:xfrm>
           <a:prstGeom prst="curvedConnector4">
             <a:avLst>
-              <a:gd name="adj1" fmla="val -11821"/>
-              <a:gd name="adj2" fmla="val 52179"/>
+              <a:gd name="adj1" fmla="val -15903"/>
+              <a:gd name="adj2" fmla="val 52415"/>
             </a:avLst>
           </a:prstGeom>
           <a:ln>
@@ -4458,15 +4255,7 @@
             <a:pPr algn="ctr"/>
             <a:r>
               <a:rPr lang="ko-KR" altLang="en-US" sz="1100" dirty="0" smtClean="0"/>
-              <a:t>회원정보</a:t>
-            </a:r>
-            <a:endParaRPr lang="en-US" altLang="ko-KR" sz="1100" dirty="0" smtClean="0"/>
-          </a:p>
-          <a:p>
-            <a:pPr algn="ctr"/>
-            <a:r>
-              <a:rPr lang="ko-KR" altLang="en-US" sz="1100" dirty="0" smtClean="0"/>
-              <a:t>조회</a:t>
+              <a:t>비밀번호 수정</a:t>
             </a:r>
             <a:endParaRPr lang="ko-KR" altLang="en-US" sz="1100" dirty="0"/>
           </a:p>
@@ -4508,7 +4297,7 @@
             <a:pPr algn="ctr"/>
             <a:r>
               <a:rPr lang="ko-KR" altLang="en-US" sz="1100" dirty="0" smtClean="0"/>
-              <a:t>회원정보</a:t>
+              <a:t>개인정보</a:t>
             </a:r>
             <a:endParaRPr lang="en-US" altLang="ko-KR" sz="1100" dirty="0" smtClean="0"/>
           </a:p>
@@ -4517,56 +4306,6 @@
             <a:r>
               <a:rPr lang="ko-KR" altLang="en-US" sz="1100" dirty="0" smtClean="0"/>
               <a:t>수정</a:t>
-            </a:r>
-            <a:endParaRPr lang="ko-KR" altLang="en-US" sz="1100" dirty="0"/>
-          </a:p>
-        </p:txBody>
-      </p:sp>
-      <p:sp>
-        <p:nvSpPr>
-          <p:cNvPr id="86" name="타원 85"/>
-          <p:cNvSpPr/>
-          <p:nvPr/>
-        </p:nvSpPr>
-        <p:spPr>
-          <a:xfrm>
-            <a:off x="1492791" y="437950"/>
-            <a:ext cx="1127782" cy="615167"/>
-          </a:xfrm>
-          <a:prstGeom prst="ellipse">
-            <a:avLst/>
-          </a:prstGeom>
-        </p:spPr>
-        <p:style>
-          <a:lnRef idx="2">
-            <a:schemeClr val="dk1"/>
-          </a:lnRef>
-          <a:fillRef idx="1">
-            <a:schemeClr val="lt1"/>
-          </a:fillRef>
-          <a:effectRef idx="0">
-            <a:schemeClr val="dk1"/>
-          </a:effectRef>
-          <a:fontRef idx="minor">
-            <a:schemeClr val="dk1"/>
-          </a:fontRef>
-        </p:style>
-        <p:txBody>
-          <a:bodyPr rtlCol="0" anchor="ctr"/>
-          <a:lstStyle/>
-          <a:p>
-            <a:pPr algn="ctr"/>
-            <a:r>
-              <a:rPr lang="ko-KR" altLang="en-US" sz="1100" dirty="0" smtClean="0"/>
-              <a:t>상담 내역</a:t>
-            </a:r>
-            <a:endParaRPr lang="en-US" altLang="ko-KR" sz="1100" dirty="0" smtClean="0"/>
-          </a:p>
-          <a:p>
-            <a:pPr algn="ctr"/>
-            <a:r>
-              <a:rPr lang="ko-KR" altLang="en-US" sz="1100" dirty="0" smtClean="0"/>
-              <a:t>조회</a:t>
             </a:r>
             <a:endParaRPr lang="ko-KR" altLang="en-US" sz="1100" dirty="0"/>
           </a:p>
@@ -4608,17 +4347,9 @@
             <a:pPr algn="ctr"/>
             <a:r>
               <a:rPr lang="ko-KR" altLang="en-US" sz="1100" dirty="0" smtClean="0"/>
-              <a:t>상담 신청</a:t>
+              <a:t>상담 일정</a:t>
             </a:r>
             <a:endParaRPr lang="en-US" altLang="ko-KR" sz="1100" dirty="0" smtClean="0"/>
-          </a:p>
-          <a:p>
-            <a:pPr algn="ctr"/>
-            <a:r>
-              <a:rPr lang="ko-KR" altLang="en-US" sz="1100" dirty="0" smtClean="0"/>
-              <a:t>현황</a:t>
-            </a:r>
-            <a:endParaRPr lang="ko-KR" altLang="en-US" sz="1100" dirty="0"/>
           </a:p>
         </p:txBody>
       </p:sp>
@@ -4666,318 +4397,237 @@
             <a:pPr algn="ctr"/>
             <a:r>
               <a:rPr lang="ko-KR" altLang="en-US" sz="1100" dirty="0" smtClean="0"/>
-              <a:t>상담 확인</a:t>
+              <a:t>상담 내역</a:t>
             </a:r>
             <a:endParaRPr lang="ko-KR" altLang="en-US" sz="1100" dirty="0"/>
           </a:p>
         </p:txBody>
       </p:sp>
-      <p:sp>
-        <p:nvSpPr>
-          <p:cNvPr id="101" name="타원 100"/>
-          <p:cNvSpPr/>
+      <p:grpSp>
+        <p:nvGrpSpPr>
+          <p:cNvPr id="31" name="그룹 30"/>
+          <p:cNvGrpSpPr/>
           <p:nvPr/>
-        </p:nvSpPr>
-        <p:spPr>
+        </p:nvGrpSpPr>
+        <p:grpSpPr>
           <a:xfrm>
-            <a:off x="498240" y="3454504"/>
-            <a:ext cx="886684" cy="558904"/>
-          </a:xfrm>
-          <a:prstGeom prst="ellipse">
-            <a:avLst/>
-          </a:prstGeom>
-        </p:spPr>
-        <p:style>
-          <a:lnRef idx="2">
-            <a:schemeClr val="dk1"/>
-          </a:lnRef>
-          <a:fillRef idx="1">
-            <a:schemeClr val="lt1"/>
-          </a:fillRef>
-          <a:effectRef idx="0">
-            <a:schemeClr val="dk1"/>
-          </a:effectRef>
-          <a:fontRef idx="minor">
-            <a:schemeClr val="dk1"/>
-          </a:fontRef>
-        </p:style>
-        <p:txBody>
-          <a:bodyPr rtlCol="0" anchor="ctr"/>
-          <a:lstStyle/>
-          <a:p>
-            <a:pPr algn="ctr"/>
-            <a:r>
-              <a:rPr lang="ko-KR" altLang="en-US" sz="1100" dirty="0" smtClean="0"/>
-              <a:t>맞춤형</a:t>
-            </a:r>
-            <a:endParaRPr lang="en-US" altLang="ko-KR" sz="1100" dirty="0" smtClean="0"/>
-          </a:p>
-          <a:p>
-            <a:pPr algn="ctr"/>
-            <a:r>
-              <a:rPr lang="ko-KR" altLang="en-US" sz="1100" dirty="0" smtClean="0"/>
-              <a:t>검사</a:t>
-            </a:r>
-            <a:endParaRPr lang="ko-KR" altLang="en-US" sz="1100" dirty="0"/>
-          </a:p>
-        </p:txBody>
-      </p:sp>
-      <p:sp>
-        <p:nvSpPr>
-          <p:cNvPr id="103" name="타원 102"/>
-          <p:cNvSpPr/>
-          <p:nvPr/>
-        </p:nvSpPr>
-        <p:spPr>
-          <a:xfrm>
-            <a:off x="1541019" y="3454504"/>
-            <a:ext cx="864328" cy="565230"/>
-          </a:xfrm>
-          <a:prstGeom prst="ellipse">
-            <a:avLst/>
-          </a:prstGeom>
-        </p:spPr>
-        <p:style>
-          <a:lnRef idx="2">
-            <a:schemeClr val="dk1"/>
-          </a:lnRef>
-          <a:fillRef idx="1">
-            <a:schemeClr val="lt1"/>
-          </a:fillRef>
-          <a:effectRef idx="0">
-            <a:schemeClr val="dk1"/>
-          </a:effectRef>
-          <a:fontRef idx="minor">
-            <a:schemeClr val="dk1"/>
-          </a:fontRef>
-        </p:style>
-        <p:txBody>
-          <a:bodyPr rtlCol="0" anchor="ctr"/>
-          <a:lstStyle/>
-          <a:p>
-            <a:pPr algn="ctr"/>
-            <a:r>
-              <a:rPr lang="ko-KR" altLang="en-US" sz="1100" dirty="0" smtClean="0"/>
-              <a:t>상황별</a:t>
-            </a:r>
-            <a:endParaRPr lang="en-US" altLang="ko-KR" sz="1100" dirty="0" smtClean="0"/>
-          </a:p>
-          <a:p>
-            <a:pPr algn="ctr"/>
-            <a:r>
-              <a:rPr lang="ko-KR" altLang="en-US" sz="1100" dirty="0" smtClean="0"/>
-              <a:t>검사</a:t>
-            </a:r>
-            <a:endParaRPr lang="ko-KR" altLang="en-US" sz="1100" dirty="0"/>
-          </a:p>
-        </p:txBody>
-      </p:sp>
-      <p:sp>
-        <p:nvSpPr>
-          <p:cNvPr id="117" name="타원 116"/>
-          <p:cNvSpPr/>
-          <p:nvPr/>
-        </p:nvSpPr>
-        <p:spPr>
-          <a:xfrm>
-            <a:off x="3646819" y="4336659"/>
-            <a:ext cx="973369" cy="524200"/>
-          </a:xfrm>
-          <a:prstGeom prst="ellipse">
-            <a:avLst/>
-          </a:prstGeom>
-        </p:spPr>
-        <p:style>
-          <a:lnRef idx="2">
-            <a:schemeClr val="dk1"/>
-          </a:lnRef>
-          <a:fillRef idx="1">
-            <a:schemeClr val="lt1"/>
-          </a:fillRef>
-          <a:effectRef idx="0">
-            <a:schemeClr val="dk1"/>
-          </a:effectRef>
-          <a:fontRef idx="minor">
-            <a:schemeClr val="dk1"/>
-          </a:fontRef>
-        </p:style>
-        <p:txBody>
-          <a:bodyPr rtlCol="0" anchor="ctr"/>
-          <a:lstStyle/>
-          <a:p>
-            <a:pPr algn="ctr"/>
-            <a:r>
-              <a:rPr lang="ko-KR" altLang="en-US" sz="1100" dirty="0" smtClean="0"/>
-              <a:t>글 검색</a:t>
-            </a:r>
-            <a:endParaRPr lang="ko-KR" altLang="en-US" sz="1100" dirty="0"/>
-          </a:p>
-        </p:txBody>
-      </p:sp>
-      <p:cxnSp>
-        <p:nvCxnSpPr>
-          <p:cNvPr id="118" name="구부러진 연결선 117"/>
-          <p:cNvCxnSpPr>
-            <a:stCxn id="24" idx="2"/>
-            <a:endCxn id="39" idx="3"/>
-          </p:cNvCxnSpPr>
-          <p:nvPr/>
-        </p:nvCxnSpPr>
-        <p:spPr>
-          <a:xfrm rot="10800000" flipV="1">
-            <a:off x="2586314" y="3160125"/>
-            <a:ext cx="1926544" cy="464520"/>
-          </a:xfrm>
-          <a:prstGeom prst="curvedConnector3">
-            <a:avLst>
-              <a:gd name="adj1" fmla="val 50000"/>
-            </a:avLst>
-          </a:prstGeom>
-          <a:ln>
-            <a:tailEnd type="triangle"/>
-          </a:ln>
-        </p:spPr>
-        <p:style>
-          <a:lnRef idx="3">
-            <a:schemeClr val="dk1"/>
-          </a:lnRef>
-          <a:fillRef idx="0">
-            <a:schemeClr val="dk1"/>
-          </a:fillRef>
-          <a:effectRef idx="2">
-            <a:schemeClr val="dk1"/>
-          </a:effectRef>
-          <a:fontRef idx="minor">
-            <a:schemeClr val="tx1"/>
-          </a:fontRef>
-        </p:style>
-      </p:cxnSp>
-      <p:sp>
-        <p:nvSpPr>
-          <p:cNvPr id="122" name="타원 121"/>
-          <p:cNvSpPr/>
-          <p:nvPr/>
-        </p:nvSpPr>
-        <p:spPr>
-          <a:xfrm>
-            <a:off x="2957586" y="4949551"/>
-            <a:ext cx="1132954" cy="524200"/>
-          </a:xfrm>
-          <a:prstGeom prst="ellipse">
-            <a:avLst/>
-          </a:prstGeom>
-        </p:spPr>
-        <p:style>
-          <a:lnRef idx="2">
-            <a:schemeClr val="dk1"/>
-          </a:lnRef>
-          <a:fillRef idx="1">
-            <a:schemeClr val="lt1"/>
-          </a:fillRef>
-          <a:effectRef idx="0">
-            <a:schemeClr val="dk1"/>
-          </a:effectRef>
-          <a:fontRef idx="minor">
-            <a:schemeClr val="dk1"/>
-          </a:fontRef>
-        </p:style>
-        <p:txBody>
-          <a:bodyPr rtlCol="0" anchor="ctr"/>
-          <a:lstStyle/>
-          <a:p>
-            <a:pPr algn="ctr"/>
-            <a:r>
-              <a:rPr lang="ko-KR" altLang="en-US" sz="1100" smtClean="0"/>
-              <a:t>대인관계</a:t>
-            </a:r>
-            <a:endParaRPr lang="ko-KR" altLang="en-US" sz="1100" dirty="0"/>
-          </a:p>
-        </p:txBody>
-      </p:sp>
-      <p:sp>
-        <p:nvSpPr>
-          <p:cNvPr id="123" name="타원 122"/>
-          <p:cNvSpPr/>
-          <p:nvPr/>
-        </p:nvSpPr>
-        <p:spPr>
-          <a:xfrm>
-            <a:off x="4178399" y="4958413"/>
-            <a:ext cx="1091116" cy="524200"/>
-          </a:xfrm>
-          <a:prstGeom prst="ellipse">
-            <a:avLst/>
-          </a:prstGeom>
-        </p:spPr>
-        <p:style>
-          <a:lnRef idx="2">
-            <a:schemeClr val="dk1"/>
-          </a:lnRef>
-          <a:fillRef idx="1">
-            <a:schemeClr val="lt1"/>
-          </a:fillRef>
-          <a:effectRef idx="0">
-            <a:schemeClr val="dk1"/>
-          </a:effectRef>
-          <a:fontRef idx="minor">
-            <a:schemeClr val="dk1"/>
-          </a:fontRef>
-        </p:style>
-        <p:txBody>
-          <a:bodyPr rtlCol="0" anchor="ctr"/>
-          <a:lstStyle/>
-          <a:p>
-            <a:pPr algn="ctr"/>
-            <a:r>
-              <a:rPr lang="ko-KR" altLang="en-US" sz="1100" smtClean="0"/>
-              <a:t>학교생활</a:t>
-            </a:r>
-            <a:endParaRPr lang="ko-KR" altLang="en-US" sz="1100" dirty="0"/>
-          </a:p>
-        </p:txBody>
-      </p:sp>
-      <p:sp>
-        <p:nvSpPr>
-          <p:cNvPr id="129" name="타원 128"/>
-          <p:cNvSpPr/>
-          <p:nvPr/>
-        </p:nvSpPr>
-        <p:spPr>
-          <a:xfrm>
-            <a:off x="3577331" y="5562443"/>
-            <a:ext cx="1132954" cy="524200"/>
-          </a:xfrm>
-          <a:prstGeom prst="ellipse">
-            <a:avLst/>
-          </a:prstGeom>
-        </p:spPr>
-        <p:style>
-          <a:lnRef idx="2">
-            <a:schemeClr val="dk1"/>
-          </a:lnRef>
-          <a:fillRef idx="1">
-            <a:schemeClr val="lt1"/>
-          </a:fillRef>
-          <a:effectRef idx="0">
-            <a:schemeClr val="dk1"/>
-          </a:effectRef>
-          <a:fontRef idx="minor">
-            <a:schemeClr val="dk1"/>
-          </a:fontRef>
-        </p:style>
-        <p:txBody>
-          <a:bodyPr rtlCol="0" anchor="ctr"/>
-          <a:lstStyle/>
-          <a:p>
-            <a:pPr algn="ctr"/>
-            <a:r>
-              <a:rPr lang="ko-KR" altLang="en-US" sz="1100" dirty="0" smtClean="0"/>
-              <a:t>마음 건강</a:t>
-            </a:r>
-            <a:endParaRPr lang="ko-KR" altLang="en-US" sz="1100" dirty="0"/>
-          </a:p>
-        </p:txBody>
-      </p:sp>
+            <a:off x="3091286" y="4313142"/>
+            <a:ext cx="2553223" cy="2268780"/>
+            <a:chOff x="2813505" y="4033142"/>
+            <a:chExt cx="2553223" cy="2268780"/>
+          </a:xfrm>
+        </p:grpSpPr>
+        <p:sp>
+          <p:nvSpPr>
+            <p:cNvPr id="40" name="직사각형 39"/>
+            <p:cNvSpPr/>
+            <p:nvPr/>
+          </p:nvSpPr>
+          <p:spPr>
+            <a:xfrm>
+              <a:off x="2813505" y="4033142"/>
+              <a:ext cx="2553223" cy="2268780"/>
+            </a:xfrm>
+            <a:prstGeom prst="rect">
+              <a:avLst/>
+            </a:prstGeom>
+          </p:spPr>
+          <p:style>
+            <a:lnRef idx="2">
+              <a:schemeClr val="dk1"/>
+            </a:lnRef>
+            <a:fillRef idx="1">
+              <a:schemeClr val="lt1"/>
+            </a:fillRef>
+            <a:effectRef idx="0">
+              <a:schemeClr val="dk1"/>
+            </a:effectRef>
+            <a:fontRef idx="minor">
+              <a:schemeClr val="dk1"/>
+            </a:fontRef>
+          </p:style>
+          <p:txBody>
+            <a:bodyPr rtlCol="0" anchor="t"/>
+            <a:lstStyle/>
+            <a:p>
+              <a:pPr algn="ctr"/>
+              <a:r>
+                <a:rPr lang="ko-KR" altLang="en-US" sz="1200" dirty="0" smtClean="0"/>
+                <a:t>마음건강정보</a:t>
+              </a:r>
+              <a:endParaRPr lang="ko-KR" altLang="en-US" sz="1200" dirty="0"/>
+            </a:p>
+          </p:txBody>
+        </p:sp>
+        <p:sp>
+          <p:nvSpPr>
+            <p:cNvPr id="117" name="타원 116"/>
+            <p:cNvSpPr/>
+            <p:nvPr/>
+          </p:nvSpPr>
+          <p:spPr>
+            <a:xfrm>
+              <a:off x="3646819" y="4336659"/>
+              <a:ext cx="973369" cy="524200"/>
+            </a:xfrm>
+            <a:prstGeom prst="ellipse">
+              <a:avLst/>
+            </a:prstGeom>
+          </p:spPr>
+          <p:style>
+            <a:lnRef idx="2">
+              <a:schemeClr val="dk1"/>
+            </a:lnRef>
+            <a:fillRef idx="1">
+              <a:schemeClr val="lt1"/>
+            </a:fillRef>
+            <a:effectRef idx="0">
+              <a:schemeClr val="dk1"/>
+            </a:effectRef>
+            <a:fontRef idx="minor">
+              <a:schemeClr val="dk1"/>
+            </a:fontRef>
+          </p:style>
+          <p:txBody>
+            <a:bodyPr rtlCol="0" anchor="ctr"/>
+            <a:lstStyle/>
+            <a:p>
+              <a:pPr algn="ctr"/>
+              <a:r>
+                <a:rPr lang="ko-KR" altLang="en-US" sz="1100" dirty="0" smtClean="0"/>
+                <a:t>글 검색</a:t>
+              </a:r>
+              <a:endParaRPr lang="ko-KR" altLang="en-US" sz="1100" dirty="0"/>
+            </a:p>
+          </p:txBody>
+        </p:sp>
+        <p:sp>
+          <p:nvSpPr>
+            <p:cNvPr id="122" name="타원 121"/>
+            <p:cNvSpPr/>
+            <p:nvPr/>
+          </p:nvSpPr>
+          <p:spPr>
+            <a:xfrm>
+              <a:off x="2957586" y="4949551"/>
+              <a:ext cx="1132954" cy="524200"/>
+            </a:xfrm>
+            <a:prstGeom prst="ellipse">
+              <a:avLst/>
+            </a:prstGeom>
+          </p:spPr>
+          <p:style>
+            <a:lnRef idx="2">
+              <a:schemeClr val="dk1"/>
+            </a:lnRef>
+            <a:fillRef idx="1">
+              <a:schemeClr val="lt1"/>
+            </a:fillRef>
+            <a:effectRef idx="0">
+              <a:schemeClr val="dk1"/>
+            </a:effectRef>
+            <a:fontRef idx="minor">
+              <a:schemeClr val="dk1"/>
+            </a:fontRef>
+          </p:style>
+          <p:txBody>
+            <a:bodyPr rtlCol="0" anchor="ctr"/>
+            <a:lstStyle/>
+            <a:p>
+              <a:pPr algn="ctr"/>
+              <a:r>
+                <a:rPr lang="ko-KR" altLang="en-US" sz="1100" smtClean="0"/>
+                <a:t>대인관계</a:t>
+              </a:r>
+              <a:endParaRPr lang="ko-KR" altLang="en-US" sz="1100" dirty="0"/>
+            </a:p>
+          </p:txBody>
+        </p:sp>
+        <p:sp>
+          <p:nvSpPr>
+            <p:cNvPr id="123" name="타원 122"/>
+            <p:cNvSpPr/>
+            <p:nvPr/>
+          </p:nvSpPr>
+          <p:spPr>
+            <a:xfrm>
+              <a:off x="4178399" y="4958413"/>
+              <a:ext cx="1091116" cy="524200"/>
+            </a:xfrm>
+            <a:prstGeom prst="ellipse">
+              <a:avLst/>
+            </a:prstGeom>
+          </p:spPr>
+          <p:style>
+            <a:lnRef idx="2">
+              <a:schemeClr val="dk1"/>
+            </a:lnRef>
+            <a:fillRef idx="1">
+              <a:schemeClr val="lt1"/>
+            </a:fillRef>
+            <a:effectRef idx="0">
+              <a:schemeClr val="dk1"/>
+            </a:effectRef>
+            <a:fontRef idx="minor">
+              <a:schemeClr val="dk1"/>
+            </a:fontRef>
+          </p:style>
+          <p:txBody>
+            <a:bodyPr rtlCol="0" anchor="ctr"/>
+            <a:lstStyle/>
+            <a:p>
+              <a:pPr algn="ctr"/>
+              <a:r>
+                <a:rPr lang="ko-KR" altLang="en-US" sz="1100" smtClean="0"/>
+                <a:t>학교생활</a:t>
+              </a:r>
+              <a:endParaRPr lang="ko-KR" altLang="en-US" sz="1100" dirty="0"/>
+            </a:p>
+          </p:txBody>
+        </p:sp>
+        <p:sp>
+          <p:nvSpPr>
+            <p:cNvPr id="129" name="타원 128"/>
+            <p:cNvSpPr/>
+            <p:nvPr/>
+          </p:nvSpPr>
+          <p:spPr>
+            <a:xfrm>
+              <a:off x="3577331" y="5562443"/>
+              <a:ext cx="1132954" cy="524200"/>
+            </a:xfrm>
+            <a:prstGeom prst="ellipse">
+              <a:avLst/>
+            </a:prstGeom>
+          </p:spPr>
+          <p:style>
+            <a:lnRef idx="2">
+              <a:schemeClr val="dk1"/>
+            </a:lnRef>
+            <a:fillRef idx="1">
+              <a:schemeClr val="lt1"/>
+            </a:fillRef>
+            <a:effectRef idx="0">
+              <a:schemeClr val="dk1"/>
+            </a:effectRef>
+            <a:fontRef idx="minor">
+              <a:schemeClr val="dk1"/>
+            </a:fontRef>
+          </p:style>
+          <p:txBody>
+            <a:bodyPr rtlCol="0" anchor="ctr"/>
+            <a:lstStyle/>
+            <a:p>
+              <a:pPr algn="ctr"/>
+              <a:r>
+                <a:rPr lang="ko-KR" altLang="en-US" sz="1100" dirty="0" smtClean="0"/>
+                <a:t>마음 건강</a:t>
+              </a:r>
+              <a:endParaRPr lang="ko-KR" altLang="en-US" sz="1100" dirty="0"/>
+            </a:p>
+          </p:txBody>
+        </p:sp>
+      </p:grpSp>
       <p:cxnSp>
         <p:nvCxnSpPr>
           <p:cNvPr id="132" name="구부러진 연결선 131"/>
@@ -4988,8 +4638,8 @@
         </p:nvCxnSpPr>
         <p:spPr>
           <a:xfrm rot="10800000" flipV="1">
-            <a:off x="4101548" y="3508713"/>
-            <a:ext cx="1850651" cy="448926"/>
+            <a:off x="4367898" y="3646794"/>
+            <a:ext cx="1562118" cy="666347"/>
           </a:xfrm>
           <a:prstGeom prst="curvedConnector2">
             <a:avLst/>
@@ -4999,13 +4649,13 @@
           </a:ln>
         </p:spPr>
         <p:style>
-          <a:lnRef idx="3">
+          <a:lnRef idx="2">
             <a:schemeClr val="dk1"/>
           </a:lnRef>
           <a:fillRef idx="0">
             <a:schemeClr val="dk1"/>
           </a:fillRef>
-          <a:effectRef idx="2">
+          <a:effectRef idx="1">
             <a:schemeClr val="dk1"/>
           </a:effectRef>
           <a:fontRef idx="minor">
@@ -5021,7 +4671,7 @@
         </p:nvSpPr>
         <p:spPr>
           <a:xfrm>
-            <a:off x="9081402" y="5925828"/>
+            <a:off x="8584348" y="5883595"/>
             <a:ext cx="1148742" cy="500536"/>
           </a:xfrm>
           <a:prstGeom prst="ellipse">
@@ -5071,7 +4721,7 @@
         </p:nvSpPr>
         <p:spPr>
           <a:xfrm>
-            <a:off x="10398334" y="5369223"/>
+            <a:off x="9901280" y="5326990"/>
             <a:ext cx="1145283" cy="500536"/>
           </a:xfrm>
           <a:prstGeom prst="ellipse">
@@ -5107,7 +4757,7 @@
             <a:pPr algn="ctr"/>
             <a:r>
               <a:rPr lang="ko-KR" altLang="en-US" sz="1100" dirty="0" smtClean="0"/>
-              <a:t>상담 예약</a:t>
+              <a:t>상담 </a:t>
             </a:r>
             <a:endParaRPr lang="ko-KR" altLang="en-US" sz="1100" dirty="0"/>
           </a:p>
@@ -5121,7 +4771,7 @@
         </p:nvSpPr>
         <p:spPr>
           <a:xfrm>
-            <a:off x="1541175" y="1116473"/>
+            <a:off x="1488136" y="753718"/>
             <a:ext cx="1127782" cy="615167"/>
           </a:xfrm>
           <a:prstGeom prst="ellipse">
@@ -5163,7 +4813,7 @@
         </p:nvSpPr>
         <p:spPr>
           <a:xfrm>
-            <a:off x="9092283" y="4835087"/>
+            <a:off x="8595229" y="4792854"/>
             <a:ext cx="1146174" cy="482295"/>
           </a:xfrm>
           <a:prstGeom prst="ellipse">
@@ -5197,198 +4847,163 @@
           </a:p>
         </p:txBody>
       </p:sp>
-      <p:sp>
-        <p:nvSpPr>
-          <p:cNvPr id="262" name="타원 261"/>
-          <p:cNvSpPr/>
+      <p:grpSp>
+        <p:nvGrpSpPr>
+          <p:cNvPr id="19" name="그룹 18"/>
+          <p:cNvGrpSpPr/>
           <p:nvPr/>
-        </p:nvSpPr>
-        <p:spPr>
+        </p:nvGrpSpPr>
+        <p:grpSpPr>
           <a:xfrm>
-            <a:off x="10392056" y="3714863"/>
-            <a:ext cx="1146174" cy="482295"/>
-          </a:xfrm>
-          <a:prstGeom prst="ellipse">
-            <a:avLst/>
-          </a:prstGeom>
-        </p:spPr>
-        <p:style>
-          <a:lnRef idx="2">
-            <a:schemeClr val="dk1"/>
-          </a:lnRef>
-          <a:fillRef idx="1">
-            <a:schemeClr val="lt1"/>
-          </a:fillRef>
-          <a:effectRef idx="0">
-            <a:schemeClr val="dk1"/>
-          </a:effectRef>
-          <a:fontRef idx="minor">
-            <a:schemeClr val="dk1"/>
-          </a:fontRef>
-        </p:style>
-        <p:txBody>
-          <a:bodyPr rtlCol="0" anchor="ctr"/>
-          <a:lstStyle/>
-          <a:p>
-            <a:pPr algn="ctr"/>
-            <a:r>
-              <a:rPr lang="ko-KR" altLang="en-US" sz="1100" dirty="0" smtClean="0"/>
-              <a:t>신청 내역</a:t>
-            </a:r>
-            <a:endParaRPr lang="en-US" altLang="ko-KR" sz="1100" dirty="0" smtClean="0"/>
-          </a:p>
-          <a:p>
-            <a:pPr algn="ctr"/>
-            <a:r>
-              <a:rPr lang="ko-KR" altLang="en-US" sz="1100" dirty="0" smtClean="0"/>
-              <a:t>조회</a:t>
-            </a:r>
-            <a:endParaRPr lang="ko-KR" altLang="en-US" sz="1100" dirty="0"/>
-          </a:p>
-        </p:txBody>
-      </p:sp>
-      <p:sp>
-        <p:nvSpPr>
-          <p:cNvPr id="263" name="직사각형 262"/>
-          <p:cNvSpPr/>
-          <p:nvPr/>
-        </p:nvSpPr>
-        <p:spPr>
-          <a:xfrm>
-            <a:off x="9537712" y="1680870"/>
+            <a:off x="10096254" y="2348466"/>
             <a:ext cx="1484619" cy="1334535"/>
-          </a:xfrm>
-          <a:prstGeom prst="rect">
-            <a:avLst/>
-          </a:prstGeom>
-        </p:spPr>
-        <p:style>
-          <a:lnRef idx="2">
-            <a:schemeClr val="dk1"/>
-          </a:lnRef>
-          <a:fillRef idx="1">
-            <a:schemeClr val="lt1"/>
-          </a:fillRef>
-          <a:effectRef idx="0">
-            <a:schemeClr val="dk1"/>
-          </a:effectRef>
-          <a:fontRef idx="minor">
-            <a:schemeClr val="dk1"/>
-          </a:fontRef>
-        </p:style>
-        <p:txBody>
-          <a:bodyPr rtlCol="0" anchor="t"/>
-          <a:lstStyle/>
-          <a:p>
-            <a:pPr algn="ctr"/>
-            <a:r>
-              <a:rPr lang="ko-KR" altLang="en-US" sz="1200" smtClean="0"/>
-              <a:t>게시판 상담</a:t>
-            </a:r>
-            <a:endParaRPr lang="ko-KR" altLang="en-US" sz="1200" dirty="0"/>
-          </a:p>
-        </p:txBody>
-      </p:sp>
-      <p:sp>
-        <p:nvSpPr>
-          <p:cNvPr id="298" name="타원 297"/>
-          <p:cNvSpPr/>
-          <p:nvPr/>
-        </p:nvSpPr>
-        <p:spPr>
-          <a:xfrm>
-            <a:off x="9848484" y="2428056"/>
-            <a:ext cx="853183" cy="514775"/>
-          </a:xfrm>
-          <a:prstGeom prst="ellipse">
-            <a:avLst/>
-          </a:prstGeom>
-        </p:spPr>
-        <p:style>
-          <a:lnRef idx="2">
-            <a:schemeClr val="dk1"/>
-          </a:lnRef>
-          <a:fillRef idx="1">
-            <a:schemeClr val="lt1"/>
-          </a:fillRef>
-          <a:effectRef idx="0">
-            <a:schemeClr val="dk1"/>
-          </a:effectRef>
-          <a:fontRef idx="minor">
-            <a:schemeClr val="dk1"/>
-          </a:fontRef>
-        </p:style>
-        <p:txBody>
-          <a:bodyPr rtlCol="0" anchor="ctr"/>
-          <a:lstStyle/>
-          <a:p>
-            <a:pPr algn="ctr"/>
-            <a:r>
-              <a:rPr lang="ko-KR" altLang="en-US" sz="1100" dirty="0" smtClean="0"/>
-              <a:t>게시글</a:t>
-            </a:r>
-            <a:endParaRPr lang="en-US" altLang="ko-KR" sz="1100" dirty="0"/>
-          </a:p>
-          <a:p>
-            <a:pPr algn="ctr"/>
-            <a:r>
-              <a:rPr lang="ko-KR" altLang="en-US" sz="1100" dirty="0" smtClean="0"/>
-              <a:t>조회</a:t>
-            </a:r>
-            <a:endParaRPr lang="ko-KR" altLang="en-US" sz="1100" dirty="0"/>
-          </a:p>
-        </p:txBody>
-      </p:sp>
-      <p:sp>
-        <p:nvSpPr>
-          <p:cNvPr id="299" name="타원 298"/>
-          <p:cNvSpPr/>
-          <p:nvPr/>
-        </p:nvSpPr>
-        <p:spPr>
-          <a:xfrm>
-            <a:off x="9842741" y="1879871"/>
-            <a:ext cx="853183" cy="477748"/>
-          </a:xfrm>
-          <a:prstGeom prst="ellipse">
-            <a:avLst/>
-          </a:prstGeom>
-        </p:spPr>
-        <p:style>
-          <a:lnRef idx="2">
-            <a:schemeClr val="dk1"/>
-          </a:lnRef>
-          <a:fillRef idx="1">
-            <a:schemeClr val="lt1"/>
-          </a:fillRef>
-          <a:effectRef idx="0">
-            <a:schemeClr val="dk1"/>
-          </a:effectRef>
-          <a:fontRef idx="minor">
-            <a:schemeClr val="dk1"/>
-          </a:fontRef>
-        </p:style>
-        <p:txBody>
-          <a:bodyPr rtlCol="0" anchor="ctr"/>
-          <a:lstStyle/>
-          <a:p>
-            <a:pPr algn="ctr"/>
-            <a:r>
-              <a:rPr lang="ko-KR" altLang="en-US" sz="1100" dirty="0" smtClean="0"/>
-              <a:t>게시글</a:t>
-            </a:r>
-            <a:endParaRPr lang="en-US" altLang="ko-KR" sz="1100" dirty="0" smtClean="0"/>
-          </a:p>
-          <a:p>
-            <a:pPr algn="ctr"/>
-            <a:r>
-              <a:rPr lang="ko-KR" altLang="en-US" sz="1100" dirty="0" smtClean="0"/>
-              <a:t>작성</a:t>
-            </a:r>
-            <a:endParaRPr lang="ko-KR" altLang="en-US" sz="1100" dirty="0"/>
-          </a:p>
-        </p:txBody>
-      </p:sp>
+            <a:chOff x="9527022" y="1638937"/>
+            <a:chExt cx="1484619" cy="1334535"/>
+          </a:xfrm>
+        </p:grpSpPr>
+        <p:sp>
+          <p:nvSpPr>
+            <p:cNvPr id="263" name="직사각형 262"/>
+            <p:cNvSpPr/>
+            <p:nvPr/>
+          </p:nvSpPr>
+          <p:spPr>
+            <a:xfrm>
+              <a:off x="9527022" y="1638937"/>
+              <a:ext cx="1484619" cy="1334535"/>
+            </a:xfrm>
+            <a:prstGeom prst="rect">
+              <a:avLst/>
+            </a:prstGeom>
+          </p:spPr>
+          <p:style>
+            <a:lnRef idx="2">
+              <a:schemeClr val="dk1"/>
+            </a:lnRef>
+            <a:fillRef idx="1">
+              <a:schemeClr val="lt1"/>
+            </a:fillRef>
+            <a:effectRef idx="0">
+              <a:schemeClr val="dk1"/>
+            </a:effectRef>
+            <a:fontRef idx="minor">
+              <a:schemeClr val="dk1"/>
+            </a:fontRef>
+          </p:style>
+          <p:txBody>
+            <a:bodyPr rtlCol="0" anchor="t"/>
+            <a:lstStyle/>
+            <a:p>
+              <a:pPr algn="ctr"/>
+              <a:r>
+                <a:rPr lang="ko-KR" altLang="en-US" sz="1200" dirty="0" smtClean="0"/>
+                <a:t>게시판 상담</a:t>
+              </a:r>
+              <a:endParaRPr lang="ko-KR" altLang="en-US" sz="1200" dirty="0"/>
+            </a:p>
+          </p:txBody>
+        </p:sp>
+        <p:sp>
+          <p:nvSpPr>
+            <p:cNvPr id="298" name="타원 297"/>
+            <p:cNvSpPr/>
+            <p:nvPr/>
+          </p:nvSpPr>
+          <p:spPr>
+            <a:xfrm>
+              <a:off x="9848484" y="2428056"/>
+              <a:ext cx="853183" cy="514775"/>
+            </a:xfrm>
+            <a:prstGeom prst="ellipse">
+              <a:avLst/>
+            </a:prstGeom>
+          </p:spPr>
+          <p:style>
+            <a:lnRef idx="2">
+              <a:schemeClr val="dk1"/>
+            </a:lnRef>
+            <a:fillRef idx="1">
+              <a:schemeClr val="lt1"/>
+            </a:fillRef>
+            <a:effectRef idx="0">
+              <a:schemeClr val="dk1"/>
+            </a:effectRef>
+            <a:fontRef idx="minor">
+              <a:schemeClr val="dk1"/>
+            </a:fontRef>
+          </p:style>
+          <p:txBody>
+            <a:bodyPr rtlCol="0" anchor="ctr"/>
+            <a:lstStyle/>
+            <a:p>
+              <a:pPr algn="ctr"/>
+              <a:r>
+                <a:rPr lang="ko-KR" altLang="en-US" sz="1100" dirty="0" smtClean="0"/>
+                <a:t>게시글</a:t>
+              </a:r>
+              <a:endParaRPr lang="en-US" altLang="ko-KR" sz="1100" dirty="0"/>
+            </a:p>
+            <a:p>
+              <a:pPr algn="ctr"/>
+              <a:r>
+                <a:rPr lang="ko-KR" altLang="en-US" sz="1100" dirty="0" smtClean="0"/>
+                <a:t>조회</a:t>
+              </a:r>
+              <a:endParaRPr lang="ko-KR" altLang="en-US" sz="1100" dirty="0"/>
+            </a:p>
+          </p:txBody>
+        </p:sp>
+        <p:sp>
+          <p:nvSpPr>
+            <p:cNvPr id="299" name="타원 298"/>
+            <p:cNvSpPr/>
+            <p:nvPr/>
+          </p:nvSpPr>
+          <p:spPr>
+            <a:xfrm>
+              <a:off x="9842741" y="1879871"/>
+              <a:ext cx="853183" cy="477748"/>
+            </a:xfrm>
+            <a:prstGeom prst="ellipse">
+              <a:avLst/>
+            </a:prstGeom>
+          </p:spPr>
+          <p:style>
+            <a:lnRef idx="2">
+              <a:schemeClr val="dk1"/>
+            </a:lnRef>
+            <a:fillRef idx="1">
+              <a:schemeClr val="lt1"/>
+            </a:fillRef>
+            <a:effectRef idx="0">
+              <a:schemeClr val="dk1"/>
+            </a:effectRef>
+            <a:fontRef idx="minor">
+              <a:schemeClr val="dk1"/>
+            </a:fontRef>
+          </p:style>
+          <p:txBody>
+            <a:bodyPr rtlCol="0" anchor="ctr"/>
+            <a:lstStyle/>
+            <a:p>
+              <a:pPr algn="ctr"/>
+              <a:r>
+                <a:rPr lang="ko-KR" altLang="en-US" sz="1100" dirty="0" smtClean="0"/>
+                <a:t>게시글</a:t>
+              </a:r>
+              <a:endParaRPr lang="en-US" altLang="ko-KR" sz="1100" dirty="0" smtClean="0"/>
+            </a:p>
+            <a:p>
+              <a:pPr algn="ctr"/>
+              <a:r>
+                <a:rPr lang="ko-KR" altLang="en-US" sz="1100" dirty="0" smtClean="0"/>
+                <a:t>작성</a:t>
+              </a:r>
+              <a:endParaRPr lang="ko-KR" altLang="en-US" sz="1100" dirty="0"/>
+            </a:p>
+          </p:txBody>
+        </p:sp>
+      </p:grpSp>
       <p:cxnSp>
         <p:nvCxnSpPr>
           <p:cNvPr id="300" name="구부러진 연결선 299"/>
@@ -5399,13 +5014,13 @@
           <p:nvPr/>
         </p:nvCxnSpPr>
         <p:spPr>
-          <a:xfrm flipH="1" flipV="1">
-            <a:off x="11022331" y="2348138"/>
-            <a:ext cx="521286" cy="3271353"/>
+          <a:xfrm flipV="1">
+            <a:off x="11046563" y="3015734"/>
+            <a:ext cx="534310" cy="2561524"/>
           </a:xfrm>
           <a:prstGeom prst="curvedConnector3">
             <a:avLst>
-              <a:gd name="adj1" fmla="val -43853"/>
+              <a:gd name="adj1" fmla="val 142784"/>
             </a:avLst>
           </a:prstGeom>
           <a:ln>
@@ -5427,56 +5042,6 @@
           </a:fontRef>
         </p:style>
       </p:cxnSp>
-      <p:sp>
-        <p:nvSpPr>
-          <p:cNvPr id="320" name="타원 319"/>
-          <p:cNvSpPr/>
-          <p:nvPr/>
-        </p:nvSpPr>
-        <p:spPr>
-          <a:xfrm>
-            <a:off x="918162" y="4089806"/>
-            <a:ext cx="1075417" cy="509392"/>
-          </a:xfrm>
-          <a:prstGeom prst="ellipse">
-            <a:avLst/>
-          </a:prstGeom>
-        </p:spPr>
-        <p:style>
-          <a:lnRef idx="2">
-            <a:schemeClr val="dk1"/>
-          </a:lnRef>
-          <a:fillRef idx="1">
-            <a:schemeClr val="lt1"/>
-          </a:fillRef>
-          <a:effectRef idx="0">
-            <a:schemeClr val="dk1"/>
-          </a:effectRef>
-          <a:fontRef idx="minor">
-            <a:schemeClr val="dk1"/>
-          </a:fontRef>
-        </p:style>
-        <p:txBody>
-          <a:bodyPr rtlCol="0" anchor="ctr"/>
-          <a:lstStyle/>
-          <a:p>
-            <a:pPr algn="ctr"/>
-            <a:r>
-              <a:rPr lang="ko-KR" altLang="en-US" sz="1100" dirty="0" smtClean="0"/>
-              <a:t>검사결과</a:t>
-            </a:r>
-            <a:endParaRPr lang="en-US" altLang="ko-KR" sz="1100" dirty="0" smtClean="0"/>
-          </a:p>
-          <a:p>
-            <a:pPr algn="ctr"/>
-            <a:r>
-              <a:rPr lang="ko-KR" altLang="en-US" sz="1100" dirty="0" smtClean="0"/>
-              <a:t>확인</a:t>
-            </a:r>
-            <a:endParaRPr lang="ko-KR" altLang="en-US" sz="1100" dirty="0"/>
-          </a:p>
-        </p:txBody>
-      </p:sp>
       <p:cxnSp>
         <p:nvCxnSpPr>
           <p:cNvPr id="324" name="구부러진 연결선 323"/>
@@ -5488,8 +5053,8 @@
         </p:nvCxnSpPr>
         <p:spPr>
           <a:xfrm rot="16200000" flipH="1">
-            <a:off x="1893988" y="4161081"/>
-            <a:ext cx="492831" cy="1369064"/>
+            <a:off x="1504876" y="3861122"/>
+            <a:ext cx="837798" cy="2335022"/>
           </a:xfrm>
           <a:prstGeom prst="curvedConnector2">
             <a:avLst/>
@@ -5521,14 +5086,14 @@
       </p:cxnSp>
       <p:sp>
         <p:nvSpPr>
-          <p:cNvPr id="115" name="타원 114"/>
+          <p:cNvPr id="106" name="타원 105"/>
           <p:cNvSpPr/>
           <p:nvPr/>
         </p:nvSpPr>
         <p:spPr>
           <a:xfrm>
-            <a:off x="693449" y="2879655"/>
-            <a:ext cx="1466242" cy="558904"/>
+            <a:off x="9782968" y="5891908"/>
+            <a:ext cx="1330062" cy="482295"/>
           </a:xfrm>
           <a:prstGeom prst="ellipse">
             <a:avLst/>
@@ -5555,7 +5120,11 @@
             <a:pPr algn="ctr"/>
             <a:r>
               <a:rPr lang="ko-KR" altLang="en-US" sz="1100" dirty="0" smtClean="0"/>
-              <a:t>마음건강검사</a:t>
+              <a:t>상담</a:t>
+            </a:r>
+            <a:r>
+              <a:rPr lang="en-US" altLang="ko-KR" sz="1100" dirty="0"/>
+              <a:t> </a:t>
             </a:r>
             <a:endParaRPr lang="en-US" altLang="ko-KR" sz="1100" dirty="0" smtClean="0"/>
           </a:p>
@@ -5563,110 +5132,12 @@
             <a:pPr algn="ctr"/>
             <a:r>
               <a:rPr lang="ko-KR" altLang="en-US" sz="1100" dirty="0" smtClean="0"/>
-              <a:t>실시</a:t>
+              <a:t>페이지 이동</a:t>
             </a:r>
             <a:endParaRPr lang="ko-KR" altLang="en-US" sz="1100" dirty="0"/>
           </a:p>
         </p:txBody>
       </p:sp>
-      <p:sp>
-        <p:nvSpPr>
-          <p:cNvPr id="106" name="타원 105"/>
-          <p:cNvSpPr/>
-          <p:nvPr/>
-        </p:nvSpPr>
-        <p:spPr>
-          <a:xfrm>
-            <a:off x="10280022" y="5934141"/>
-            <a:ext cx="1330062" cy="482295"/>
-          </a:xfrm>
-          <a:prstGeom prst="ellipse">
-            <a:avLst/>
-          </a:prstGeom>
-        </p:spPr>
-        <p:style>
-          <a:lnRef idx="2">
-            <a:schemeClr val="dk1"/>
-          </a:lnRef>
-          <a:fillRef idx="1">
-            <a:schemeClr val="lt1"/>
-          </a:fillRef>
-          <a:effectRef idx="0">
-            <a:schemeClr val="dk1"/>
-          </a:effectRef>
-          <a:fontRef idx="minor">
-            <a:schemeClr val="dk1"/>
-          </a:fontRef>
-        </p:style>
-        <p:txBody>
-          <a:bodyPr rtlCol="0" anchor="ctr"/>
-          <a:lstStyle/>
-          <a:p>
-            <a:pPr algn="ctr"/>
-            <a:r>
-              <a:rPr lang="ko-KR" altLang="en-US" sz="1100" dirty="0" smtClean="0"/>
-              <a:t>상담</a:t>
-            </a:r>
-            <a:r>
-              <a:rPr lang="en-US" altLang="ko-KR" sz="1100" dirty="0"/>
-              <a:t> </a:t>
-            </a:r>
-            <a:endParaRPr lang="en-US" altLang="ko-KR" sz="1100" dirty="0" smtClean="0"/>
-          </a:p>
-          <a:p>
-            <a:pPr algn="ctr"/>
-            <a:r>
-              <a:rPr lang="ko-KR" altLang="en-US" sz="1100" dirty="0" smtClean="0"/>
-              <a:t>페이지 이동</a:t>
-            </a:r>
-            <a:endParaRPr lang="ko-KR" altLang="en-US" sz="1100" dirty="0"/>
-          </a:p>
-        </p:txBody>
-      </p:sp>
-      <p:cxnSp>
-        <p:nvCxnSpPr>
-          <p:cNvPr id="100" name="구부러진 연결선 99"/>
-          <p:cNvCxnSpPr>
-            <a:stCxn id="91" idx="6"/>
-            <a:endCxn id="298" idx="2"/>
-          </p:cNvCxnSpPr>
-          <p:nvPr/>
-        </p:nvCxnSpPr>
-        <p:spPr>
-          <a:xfrm>
-            <a:off x="3890013" y="1418419"/>
-            <a:ext cx="5958471" cy="1267025"/>
-          </a:xfrm>
-          <a:prstGeom prst="curvedConnector3">
-            <a:avLst>
-              <a:gd name="adj1" fmla="val 52093"/>
-            </a:avLst>
-          </a:prstGeom>
-          <a:ln w="12700" cap="flat" cmpd="sng" algn="ctr">
-            <a:solidFill>
-              <a:schemeClr val="dk1"/>
-            </a:solidFill>
-            <a:prstDash val="dash"/>
-            <a:round/>
-            <a:headEnd type="none" w="med" len="med"/>
-            <a:tailEnd type="triangle" w="med" len="med"/>
-          </a:ln>
-        </p:spPr>
-        <p:style>
-          <a:lnRef idx="0">
-            <a:scrgbClr r="0" g="0" b="0"/>
-          </a:lnRef>
-          <a:fillRef idx="0">
-            <a:scrgbClr r="0" g="0" b="0"/>
-          </a:fillRef>
-          <a:effectRef idx="0">
-            <a:scrgbClr r="0" g="0" b="0"/>
-          </a:effectRef>
-          <a:fontRef idx="minor">
-            <a:schemeClr val="tx1"/>
-          </a:fontRef>
-        </p:style>
-      </p:cxnSp>
       <p:sp>
         <p:nvSpPr>
           <p:cNvPr id="69" name="직사각형 68"/>
@@ -5848,6 +5319,640 @@
             <a:schemeClr val="dk1"/>
           </a:fillRef>
           <a:effectRef idx="1">
+            <a:schemeClr val="dk1"/>
+          </a:effectRef>
+          <a:fontRef idx="minor">
+            <a:schemeClr val="tx1"/>
+          </a:fontRef>
+        </p:style>
+      </p:cxnSp>
+      <p:cxnSp>
+        <p:nvCxnSpPr>
+          <p:cNvPr id="17" name="구부러진 연결선 16"/>
+          <p:cNvCxnSpPr>
+            <a:endCxn id="44" idx="0"/>
+          </p:cNvCxnSpPr>
+          <p:nvPr/>
+        </p:nvCxnSpPr>
+        <p:spPr>
+          <a:xfrm>
+            <a:off x="6564355" y="3407172"/>
+            <a:ext cx="3246392" cy="606235"/>
+          </a:xfrm>
+          <a:prstGeom prst="curvedConnector2">
+            <a:avLst/>
+          </a:prstGeom>
+          <a:ln>
+            <a:tailEnd type="triangle"/>
+          </a:ln>
+        </p:spPr>
+        <p:style>
+          <a:lnRef idx="2">
+            <a:schemeClr val="dk1"/>
+          </a:lnRef>
+          <a:fillRef idx="0">
+            <a:schemeClr val="dk1"/>
+          </a:fillRef>
+          <a:effectRef idx="1">
+            <a:schemeClr val="dk1"/>
+          </a:effectRef>
+          <a:fontRef idx="minor">
+            <a:schemeClr val="tx1"/>
+          </a:fontRef>
+        </p:style>
+      </p:cxnSp>
+      <p:cxnSp>
+        <p:nvCxnSpPr>
+          <p:cNvPr id="22" name="구부러진 연결선 21"/>
+          <p:cNvCxnSpPr>
+            <a:stCxn id="88" idx="6"/>
+            <a:endCxn id="23" idx="1"/>
+          </p:cNvCxnSpPr>
+          <p:nvPr/>
+        </p:nvCxnSpPr>
+        <p:spPr>
+          <a:xfrm>
+            <a:off x="3890013" y="649754"/>
+            <a:ext cx="6245648" cy="559616"/>
+          </a:xfrm>
+          <a:prstGeom prst="curvedConnector3">
+            <a:avLst/>
+          </a:prstGeom>
+          <a:ln>
+            <a:tailEnd type="triangle"/>
+          </a:ln>
+        </p:spPr>
+        <p:style>
+          <a:lnRef idx="1">
+            <a:schemeClr val="dk1"/>
+          </a:lnRef>
+          <a:fillRef idx="0">
+            <a:schemeClr val="dk1"/>
+          </a:fillRef>
+          <a:effectRef idx="0">
+            <a:schemeClr val="dk1"/>
+          </a:effectRef>
+          <a:fontRef idx="minor">
+            <a:schemeClr val="tx1"/>
+          </a:fontRef>
+        </p:style>
+      </p:cxnSp>
+      <p:grpSp>
+        <p:nvGrpSpPr>
+          <p:cNvPr id="30" name="그룹 29"/>
+          <p:cNvGrpSpPr/>
+          <p:nvPr/>
+        </p:nvGrpSpPr>
+        <p:grpSpPr>
+          <a:xfrm>
+            <a:off x="10135661" y="403907"/>
+            <a:ext cx="1334583" cy="1610925"/>
+            <a:chOff x="10246290" y="403048"/>
+            <a:chExt cx="1334583" cy="1610925"/>
+          </a:xfrm>
+        </p:grpSpPr>
+        <p:sp>
+          <p:nvSpPr>
+            <p:cNvPr id="23" name="직사각형 22"/>
+            <p:cNvSpPr/>
+            <p:nvPr/>
+          </p:nvSpPr>
+          <p:spPr>
+            <a:xfrm>
+              <a:off x="10246290" y="403048"/>
+              <a:ext cx="1334583" cy="1610925"/>
+            </a:xfrm>
+            <a:prstGeom prst="rect">
+              <a:avLst/>
+            </a:prstGeom>
+          </p:spPr>
+          <p:style>
+            <a:lnRef idx="2">
+              <a:schemeClr val="dk1"/>
+            </a:lnRef>
+            <a:fillRef idx="1">
+              <a:schemeClr val="lt1"/>
+            </a:fillRef>
+            <a:effectRef idx="0">
+              <a:schemeClr val="dk1"/>
+            </a:effectRef>
+            <a:fontRef idx="minor">
+              <a:schemeClr val="dk1"/>
+            </a:fontRef>
+          </p:style>
+          <p:txBody>
+            <a:bodyPr rtlCol="0" anchor="ctr"/>
+            <a:lstStyle/>
+            <a:p>
+              <a:pPr algn="ctr"/>
+              <a:endParaRPr lang="ko-KR" altLang="en-US"/>
+            </a:p>
+          </p:txBody>
+        </p:sp>
+        <p:sp>
+          <p:nvSpPr>
+            <p:cNvPr id="25" name="TextBox 24"/>
+            <p:cNvSpPr txBox="1"/>
+            <p:nvPr/>
+          </p:nvSpPr>
+          <p:spPr>
+            <a:xfrm>
+              <a:off x="10402523" y="480379"/>
+              <a:ext cx="1034795" cy="276999"/>
+            </a:xfrm>
+            <a:prstGeom prst="rect">
+              <a:avLst/>
+            </a:prstGeom>
+            <a:noFill/>
+          </p:spPr>
+          <p:txBody>
+            <a:bodyPr wrap="square" rtlCol="0">
+              <a:spAutoFit/>
+            </a:bodyPr>
+            <a:lstStyle/>
+            <a:p>
+              <a:r>
+                <a:rPr lang="ko-KR" altLang="en-US" sz="1200" dirty="0" smtClean="0"/>
+                <a:t>비대면 상담</a:t>
+              </a:r>
+              <a:endParaRPr lang="ko-KR" altLang="en-US" sz="1200" dirty="0"/>
+            </a:p>
+          </p:txBody>
+        </p:sp>
+        <p:sp>
+          <p:nvSpPr>
+            <p:cNvPr id="29" name="타원 28"/>
+            <p:cNvSpPr/>
+            <p:nvPr/>
+          </p:nvSpPr>
+          <p:spPr>
+            <a:xfrm>
+              <a:off x="10327776" y="796143"/>
+              <a:ext cx="1150602" cy="500349"/>
+            </a:xfrm>
+            <a:prstGeom prst="ellipse">
+              <a:avLst/>
+            </a:prstGeom>
+          </p:spPr>
+          <p:style>
+            <a:lnRef idx="2">
+              <a:schemeClr val="dk1"/>
+            </a:lnRef>
+            <a:fillRef idx="1">
+              <a:schemeClr val="lt1"/>
+            </a:fillRef>
+            <a:effectRef idx="0">
+              <a:schemeClr val="dk1"/>
+            </a:effectRef>
+            <a:fontRef idx="minor">
+              <a:schemeClr val="dk1"/>
+            </a:fontRef>
+          </p:style>
+          <p:txBody>
+            <a:bodyPr rtlCol="0" anchor="ctr"/>
+            <a:lstStyle/>
+            <a:p>
+              <a:pPr algn="ctr"/>
+              <a:r>
+                <a:rPr lang="ko-KR" altLang="en-US" sz="1200" dirty="0" smtClean="0"/>
+                <a:t>상담내용</a:t>
+              </a:r>
+              <a:r>
+                <a:rPr lang="en-US" altLang="ko-KR" sz="1200" dirty="0" smtClean="0"/>
+                <a:t> </a:t>
+              </a:r>
+              <a:r>
+                <a:rPr lang="ko-KR" altLang="en-US" sz="1200" dirty="0" smtClean="0"/>
+                <a:t>수정</a:t>
+              </a:r>
+              <a:endParaRPr lang="ko-KR" altLang="en-US" sz="1200" dirty="0"/>
+            </a:p>
+          </p:txBody>
+        </p:sp>
+        <p:sp>
+          <p:nvSpPr>
+            <p:cNvPr id="82" name="타원 81"/>
+            <p:cNvSpPr/>
+            <p:nvPr/>
+          </p:nvSpPr>
+          <p:spPr>
+            <a:xfrm>
+              <a:off x="10331938" y="1412901"/>
+              <a:ext cx="1150602" cy="500349"/>
+            </a:xfrm>
+            <a:prstGeom prst="ellipse">
+              <a:avLst/>
+            </a:prstGeom>
+          </p:spPr>
+          <p:style>
+            <a:lnRef idx="2">
+              <a:schemeClr val="dk1"/>
+            </a:lnRef>
+            <a:fillRef idx="1">
+              <a:schemeClr val="lt1"/>
+            </a:fillRef>
+            <a:effectRef idx="0">
+              <a:schemeClr val="dk1"/>
+            </a:effectRef>
+            <a:fontRef idx="minor">
+              <a:schemeClr val="dk1"/>
+            </a:fontRef>
+          </p:style>
+          <p:txBody>
+            <a:bodyPr rtlCol="0" anchor="ctr"/>
+            <a:lstStyle/>
+            <a:p>
+              <a:pPr algn="ctr"/>
+              <a:r>
+                <a:rPr lang="ko-KR" altLang="en-US" sz="1200" dirty="0" smtClean="0"/>
+                <a:t>예약 </a:t>
+              </a:r>
+              <a:endParaRPr lang="en-US" altLang="ko-KR" sz="1200" dirty="0" smtClean="0"/>
+            </a:p>
+            <a:p>
+              <a:pPr algn="ctr"/>
+              <a:r>
+                <a:rPr lang="ko-KR" altLang="en-US" sz="1200" dirty="0" smtClean="0"/>
+                <a:t>취소</a:t>
+              </a:r>
+              <a:endParaRPr lang="ko-KR" altLang="en-US" sz="1200" dirty="0"/>
+            </a:p>
+          </p:txBody>
+        </p:sp>
+      </p:grpSp>
+      <p:grpSp>
+        <p:nvGrpSpPr>
+          <p:cNvPr id="51" name="그룹 50"/>
+          <p:cNvGrpSpPr/>
+          <p:nvPr/>
+        </p:nvGrpSpPr>
+        <p:grpSpPr>
+          <a:xfrm>
+            <a:off x="128137" y="2599866"/>
+            <a:ext cx="2434312" cy="2071507"/>
+            <a:chOff x="152003" y="2588891"/>
+            <a:chExt cx="2434312" cy="2071507"/>
+          </a:xfrm>
+        </p:grpSpPr>
+        <p:sp>
+          <p:nvSpPr>
+            <p:cNvPr id="39" name="직사각형 38"/>
+            <p:cNvSpPr/>
+            <p:nvPr/>
+          </p:nvSpPr>
+          <p:spPr>
+            <a:xfrm>
+              <a:off x="152003" y="2588891"/>
+              <a:ext cx="2434312" cy="2071507"/>
+            </a:xfrm>
+            <a:prstGeom prst="rect">
+              <a:avLst/>
+            </a:prstGeom>
+          </p:spPr>
+          <p:style>
+            <a:lnRef idx="2">
+              <a:schemeClr val="dk1"/>
+            </a:lnRef>
+            <a:fillRef idx="1">
+              <a:schemeClr val="lt1"/>
+            </a:fillRef>
+            <a:effectRef idx="0">
+              <a:schemeClr val="dk1"/>
+            </a:effectRef>
+            <a:fontRef idx="minor">
+              <a:schemeClr val="dk1"/>
+            </a:fontRef>
+          </p:style>
+          <p:txBody>
+            <a:bodyPr rtlCol="0" anchor="t"/>
+            <a:lstStyle/>
+            <a:p>
+              <a:pPr algn="ctr"/>
+              <a:r>
+                <a:rPr lang="ko-KR" altLang="en-US" sz="1200" dirty="0" smtClean="0"/>
+                <a:t>마음건강검사</a:t>
+              </a:r>
+              <a:endParaRPr lang="ko-KR" altLang="en-US" sz="1200" dirty="0"/>
+            </a:p>
+          </p:txBody>
+        </p:sp>
+        <p:sp>
+          <p:nvSpPr>
+            <p:cNvPr id="101" name="타원 100"/>
+            <p:cNvSpPr/>
+            <p:nvPr/>
+          </p:nvSpPr>
+          <p:spPr>
+            <a:xfrm>
+              <a:off x="335392" y="3454504"/>
+              <a:ext cx="886684" cy="558904"/>
+            </a:xfrm>
+            <a:prstGeom prst="ellipse">
+              <a:avLst/>
+            </a:prstGeom>
+          </p:spPr>
+          <p:style>
+            <a:lnRef idx="2">
+              <a:schemeClr val="dk1"/>
+            </a:lnRef>
+            <a:fillRef idx="1">
+              <a:schemeClr val="lt1"/>
+            </a:fillRef>
+            <a:effectRef idx="0">
+              <a:schemeClr val="dk1"/>
+            </a:effectRef>
+            <a:fontRef idx="minor">
+              <a:schemeClr val="dk1"/>
+            </a:fontRef>
+          </p:style>
+          <p:txBody>
+            <a:bodyPr rtlCol="0" anchor="ctr"/>
+            <a:lstStyle/>
+            <a:p>
+              <a:pPr algn="ctr"/>
+              <a:r>
+                <a:rPr lang="ko-KR" altLang="en-US" sz="1100" dirty="0" smtClean="0"/>
+                <a:t>맞춤형</a:t>
+              </a:r>
+              <a:endParaRPr lang="en-US" altLang="ko-KR" sz="1100" dirty="0" smtClean="0"/>
+            </a:p>
+            <a:p>
+              <a:pPr algn="ctr"/>
+              <a:r>
+                <a:rPr lang="ko-KR" altLang="en-US" sz="1100" dirty="0" smtClean="0"/>
+                <a:t>검사</a:t>
+              </a:r>
+              <a:endParaRPr lang="ko-KR" altLang="en-US" sz="1100" dirty="0"/>
+            </a:p>
+          </p:txBody>
+        </p:sp>
+        <p:sp>
+          <p:nvSpPr>
+            <p:cNvPr id="103" name="타원 102"/>
+            <p:cNvSpPr/>
+            <p:nvPr/>
+          </p:nvSpPr>
+          <p:spPr>
+            <a:xfrm>
+              <a:off x="1503228" y="3454504"/>
+              <a:ext cx="864328" cy="565230"/>
+            </a:xfrm>
+            <a:prstGeom prst="ellipse">
+              <a:avLst/>
+            </a:prstGeom>
+          </p:spPr>
+          <p:style>
+            <a:lnRef idx="2">
+              <a:schemeClr val="dk1"/>
+            </a:lnRef>
+            <a:fillRef idx="1">
+              <a:schemeClr val="lt1"/>
+            </a:fillRef>
+            <a:effectRef idx="0">
+              <a:schemeClr val="dk1"/>
+            </a:effectRef>
+            <a:fontRef idx="minor">
+              <a:schemeClr val="dk1"/>
+            </a:fontRef>
+          </p:style>
+          <p:txBody>
+            <a:bodyPr rtlCol="0" anchor="ctr"/>
+            <a:lstStyle/>
+            <a:p>
+              <a:pPr algn="ctr"/>
+              <a:r>
+                <a:rPr lang="ko-KR" altLang="en-US" sz="1100" dirty="0" smtClean="0"/>
+                <a:t>상황별</a:t>
+              </a:r>
+              <a:endParaRPr lang="en-US" altLang="ko-KR" sz="1100" dirty="0" smtClean="0"/>
+            </a:p>
+            <a:p>
+              <a:pPr algn="ctr"/>
+              <a:r>
+                <a:rPr lang="ko-KR" altLang="en-US" sz="1100" dirty="0" smtClean="0"/>
+                <a:t>검사</a:t>
+              </a:r>
+              <a:endParaRPr lang="ko-KR" altLang="en-US" sz="1100" dirty="0"/>
+            </a:p>
+          </p:txBody>
+        </p:sp>
+        <p:sp>
+          <p:nvSpPr>
+            <p:cNvPr id="320" name="타원 319"/>
+            <p:cNvSpPr/>
+            <p:nvPr/>
+          </p:nvSpPr>
+          <p:spPr>
+            <a:xfrm>
+              <a:off x="254376" y="4089367"/>
+              <a:ext cx="1051507" cy="509392"/>
+            </a:xfrm>
+            <a:prstGeom prst="ellipse">
+              <a:avLst/>
+            </a:prstGeom>
+          </p:spPr>
+          <p:style>
+            <a:lnRef idx="2">
+              <a:schemeClr val="dk1"/>
+            </a:lnRef>
+            <a:fillRef idx="1">
+              <a:schemeClr val="lt1"/>
+            </a:fillRef>
+            <a:effectRef idx="0">
+              <a:schemeClr val="dk1"/>
+            </a:effectRef>
+            <a:fontRef idx="minor">
+              <a:schemeClr val="dk1"/>
+            </a:fontRef>
+          </p:style>
+          <p:txBody>
+            <a:bodyPr rtlCol="0" anchor="ctr"/>
+            <a:lstStyle/>
+            <a:p>
+              <a:pPr algn="ctr"/>
+              <a:r>
+                <a:rPr lang="ko-KR" altLang="en-US" sz="1100" dirty="0" smtClean="0"/>
+                <a:t>검사결과</a:t>
+              </a:r>
+              <a:endParaRPr lang="en-US" altLang="ko-KR" sz="1100" dirty="0" smtClean="0"/>
+            </a:p>
+            <a:p>
+              <a:pPr algn="ctr"/>
+              <a:r>
+                <a:rPr lang="ko-KR" altLang="en-US" sz="1100" dirty="0" smtClean="0"/>
+                <a:t>확인</a:t>
+              </a:r>
+              <a:endParaRPr lang="ko-KR" altLang="en-US" sz="1100" dirty="0"/>
+            </a:p>
+          </p:txBody>
+        </p:sp>
+        <p:sp>
+          <p:nvSpPr>
+            <p:cNvPr id="115" name="타원 114"/>
+            <p:cNvSpPr/>
+            <p:nvPr/>
+          </p:nvSpPr>
+          <p:spPr>
+            <a:xfrm>
+              <a:off x="644872" y="2880673"/>
+              <a:ext cx="1466242" cy="558904"/>
+            </a:xfrm>
+            <a:prstGeom prst="ellipse">
+              <a:avLst/>
+            </a:prstGeom>
+          </p:spPr>
+          <p:style>
+            <a:lnRef idx="2">
+              <a:schemeClr val="dk1"/>
+            </a:lnRef>
+            <a:fillRef idx="1">
+              <a:schemeClr val="lt1"/>
+            </a:fillRef>
+            <a:effectRef idx="0">
+              <a:schemeClr val="dk1"/>
+            </a:effectRef>
+            <a:fontRef idx="minor">
+              <a:schemeClr val="dk1"/>
+            </a:fontRef>
+          </p:style>
+          <p:txBody>
+            <a:bodyPr rtlCol="0" anchor="ctr"/>
+            <a:lstStyle/>
+            <a:p>
+              <a:pPr algn="ctr"/>
+              <a:r>
+                <a:rPr lang="ko-KR" altLang="en-US" sz="1100" dirty="0" smtClean="0"/>
+                <a:t>마음건강검사</a:t>
+              </a:r>
+              <a:endParaRPr lang="en-US" altLang="ko-KR" sz="1100" dirty="0" smtClean="0"/>
+            </a:p>
+            <a:p>
+              <a:pPr algn="ctr"/>
+              <a:r>
+                <a:rPr lang="ko-KR" altLang="en-US" sz="1100" dirty="0" smtClean="0"/>
+                <a:t>실시</a:t>
+              </a:r>
+              <a:endParaRPr lang="ko-KR" altLang="en-US" sz="1100" dirty="0"/>
+            </a:p>
+          </p:txBody>
+        </p:sp>
+        <p:sp>
+          <p:nvSpPr>
+            <p:cNvPr id="73" name="타원 72"/>
+            <p:cNvSpPr/>
+            <p:nvPr/>
+          </p:nvSpPr>
+          <p:spPr>
+            <a:xfrm>
+              <a:off x="1405396" y="4077537"/>
+              <a:ext cx="1075417" cy="509392"/>
+            </a:xfrm>
+            <a:prstGeom prst="ellipse">
+              <a:avLst/>
+            </a:prstGeom>
+          </p:spPr>
+          <p:style>
+            <a:lnRef idx="2">
+              <a:schemeClr val="dk1"/>
+            </a:lnRef>
+            <a:fillRef idx="1">
+              <a:schemeClr val="lt1"/>
+            </a:fillRef>
+            <a:effectRef idx="0">
+              <a:schemeClr val="dk1"/>
+            </a:effectRef>
+            <a:fontRef idx="minor">
+              <a:schemeClr val="dk1"/>
+            </a:fontRef>
+          </p:style>
+          <p:txBody>
+            <a:bodyPr rtlCol="0" anchor="ctr"/>
+            <a:lstStyle/>
+            <a:p>
+              <a:pPr algn="ctr"/>
+              <a:r>
+                <a:rPr lang="ko-KR" altLang="en-US" sz="1100" dirty="0" smtClean="0"/>
+                <a:t>검사결과</a:t>
+              </a:r>
+              <a:endParaRPr lang="en-US" altLang="ko-KR" sz="1100" dirty="0" smtClean="0"/>
+            </a:p>
+            <a:p>
+              <a:pPr algn="ctr"/>
+              <a:r>
+                <a:rPr lang="ko-KR" altLang="en-US" sz="1100" dirty="0" smtClean="0"/>
+                <a:t>저장</a:t>
+              </a:r>
+              <a:endParaRPr lang="ko-KR" altLang="en-US" sz="1100" dirty="0"/>
+            </a:p>
+          </p:txBody>
+        </p:sp>
+      </p:grpSp>
+      <p:cxnSp>
+        <p:nvCxnSpPr>
+          <p:cNvPr id="37" name="구부러진 연결선 36"/>
+          <p:cNvCxnSpPr>
+            <a:endCxn id="39" idx="3"/>
+          </p:cNvCxnSpPr>
+          <p:nvPr/>
+        </p:nvCxnSpPr>
+        <p:spPr>
+          <a:xfrm rot="10800000" flipV="1">
+            <a:off x="2562450" y="3532764"/>
+            <a:ext cx="3396955" cy="102855"/>
+          </a:xfrm>
+          <a:prstGeom prst="curvedConnector3">
+            <a:avLst>
+              <a:gd name="adj1" fmla="val 50000"/>
+            </a:avLst>
+          </a:prstGeom>
+          <a:ln>
+            <a:tailEnd type="triangle"/>
+          </a:ln>
+        </p:spPr>
+        <p:style>
+          <a:lnRef idx="2">
+            <a:schemeClr val="dk1"/>
+          </a:lnRef>
+          <a:fillRef idx="0">
+            <a:schemeClr val="dk1"/>
+          </a:fillRef>
+          <a:effectRef idx="1">
+            <a:schemeClr val="dk1"/>
+          </a:effectRef>
+          <a:fontRef idx="minor">
+            <a:schemeClr val="tx1"/>
+          </a:fontRef>
+        </p:style>
+      </p:cxnSp>
+      <p:cxnSp>
+        <p:nvCxnSpPr>
+          <p:cNvPr id="53" name="구부러진 연결선 52"/>
+          <p:cNvCxnSpPr>
+            <a:stCxn id="24" idx="2"/>
+            <a:endCxn id="73" idx="6"/>
+          </p:cNvCxnSpPr>
+          <p:nvPr/>
+        </p:nvCxnSpPr>
+        <p:spPr>
+          <a:xfrm rot="10800000" flipV="1">
+            <a:off x="2456948" y="3160124"/>
+            <a:ext cx="2055911" cy="1183083"/>
+          </a:xfrm>
+          <a:prstGeom prst="curvedConnector3">
+            <a:avLst/>
+          </a:prstGeom>
+          <a:ln>
+            <a:tailEnd type="triangle"/>
+          </a:ln>
+        </p:spPr>
+        <p:style>
+          <a:lnRef idx="3">
+            <a:schemeClr val="dk1"/>
+          </a:lnRef>
+          <a:fillRef idx="0">
+            <a:schemeClr val="dk1"/>
+          </a:fillRef>
+          <a:effectRef idx="2">
             <a:schemeClr val="dk1"/>
           </a:effectRef>
           <a:fontRef idx="minor">
@@ -5955,13 +6060,13 @@
           </a:ln>
         </p:spPr>
         <p:style>
-          <a:lnRef idx="3">
+          <a:lnRef idx="2">
             <a:schemeClr val="dk1"/>
           </a:lnRef>
           <a:fillRef idx="0">
             <a:schemeClr val="dk1"/>
           </a:fillRef>
-          <a:effectRef idx="2">
+          <a:effectRef idx="1">
             <a:schemeClr val="dk1"/>
           </a:effectRef>
           <a:fontRef idx="minor">
@@ -6049,48 +6154,6 @@
           </a:fontRef>
         </p:style>
       </p:cxnSp>
-      <p:sp>
-        <p:nvSpPr>
-          <p:cNvPr id="34" name="직사각형 33"/>
-          <p:cNvSpPr/>
-          <p:nvPr/>
-        </p:nvSpPr>
-        <p:spPr>
-          <a:xfrm>
-            <a:off x="192757" y="145194"/>
-            <a:ext cx="3790753" cy="2258271"/>
-          </a:xfrm>
-          <a:prstGeom prst="rect">
-            <a:avLst/>
-          </a:prstGeom>
-        </p:spPr>
-        <p:style>
-          <a:lnRef idx="2">
-            <a:schemeClr val="dk1"/>
-          </a:lnRef>
-          <a:fillRef idx="1">
-            <a:schemeClr val="lt1"/>
-          </a:fillRef>
-          <a:effectRef idx="0">
-            <a:schemeClr val="dk1"/>
-          </a:effectRef>
-          <a:fontRef idx="minor">
-            <a:schemeClr val="dk1"/>
-          </a:fontRef>
-        </p:style>
-        <p:txBody>
-          <a:bodyPr rtlCol="0" anchor="t"/>
-          <a:lstStyle/>
-          <a:p>
-            <a:pPr algn="ctr"/>
-            <a:r>
-              <a:rPr lang="ko-KR" altLang="en-US" sz="1200" smtClean="0"/>
-              <a:t>마이페이지</a:t>
-            </a:r>
-            <a:endParaRPr lang="ko-KR" altLang="en-US" sz="1200" dirty="0"/>
-          </a:p>
-        </p:txBody>
-      </p:sp>
       <p:cxnSp>
         <p:nvCxnSpPr>
           <p:cNvPr id="35" name="구부러진 연결선 34"/>
@@ -6102,12 +6165,12 @@
         </p:nvCxnSpPr>
         <p:spPr>
           <a:xfrm rot="16200000" flipV="1">
-            <a:off x="3071285" y="1420314"/>
-            <a:ext cx="612270" cy="2578571"/>
+            <a:off x="2874485" y="1223515"/>
+            <a:ext cx="1042060" cy="2542380"/>
           </a:xfrm>
           <a:prstGeom prst="curvedConnector3">
             <a:avLst>
-              <a:gd name="adj1" fmla="val 75796"/>
+              <a:gd name="adj1" fmla="val 50000"/>
             </a:avLst>
           </a:prstGeom>
           <a:ln>
@@ -6137,8 +6200,8 @@
         </p:nvSpPr>
         <p:spPr>
           <a:xfrm>
-            <a:off x="6480279" y="127266"/>
-            <a:ext cx="2908177" cy="1885339"/>
+            <a:off x="6480279" y="127267"/>
+            <a:ext cx="2908177" cy="1662982"/>
           </a:xfrm>
           <a:prstGeom prst="rect">
             <a:avLst/>
@@ -6170,136 +6233,6 @@
             <a:r>
               <a:rPr lang="en-US" altLang="ko-KR" sz="1200" dirty="0" smtClean="0"/>
               <a:t>(Wee)</a:t>
-            </a:r>
-            <a:endParaRPr lang="ko-KR" altLang="en-US" sz="1200" dirty="0"/>
-          </a:p>
-        </p:txBody>
-      </p:sp>
-      <p:sp>
-        <p:nvSpPr>
-          <p:cNvPr id="39" name="직사각형 38"/>
-          <p:cNvSpPr/>
-          <p:nvPr/>
-        </p:nvSpPr>
-        <p:spPr>
-          <a:xfrm>
-            <a:off x="468216" y="2888929"/>
-            <a:ext cx="2236133" cy="2071507"/>
-          </a:xfrm>
-          <a:prstGeom prst="rect">
-            <a:avLst/>
-          </a:prstGeom>
-        </p:spPr>
-        <p:style>
-          <a:lnRef idx="2">
-            <a:schemeClr val="dk1"/>
-          </a:lnRef>
-          <a:fillRef idx="1">
-            <a:schemeClr val="lt1"/>
-          </a:fillRef>
-          <a:effectRef idx="0">
-            <a:schemeClr val="dk1"/>
-          </a:effectRef>
-          <a:fontRef idx="minor">
-            <a:schemeClr val="dk1"/>
-          </a:fontRef>
-        </p:style>
-        <p:txBody>
-          <a:bodyPr rtlCol="0" anchor="t"/>
-          <a:lstStyle/>
-          <a:p>
-            <a:pPr algn="ctr"/>
-            <a:r>
-              <a:rPr lang="ko-KR" altLang="en-US" sz="1200" dirty="0" smtClean="0"/>
-              <a:t>마음건강검사</a:t>
-            </a:r>
-            <a:endParaRPr lang="ko-KR" altLang="en-US" sz="1200" dirty="0"/>
-          </a:p>
-        </p:txBody>
-      </p:sp>
-      <p:sp>
-        <p:nvSpPr>
-          <p:cNvPr id="40" name="직사각형 39"/>
-          <p:cNvSpPr/>
-          <p:nvPr/>
-        </p:nvSpPr>
-        <p:spPr>
-          <a:xfrm>
-            <a:off x="3133791" y="4275019"/>
-            <a:ext cx="2553223" cy="2276175"/>
-          </a:xfrm>
-          <a:prstGeom prst="rect">
-            <a:avLst/>
-          </a:prstGeom>
-        </p:spPr>
-        <p:style>
-          <a:lnRef idx="2">
-            <a:schemeClr val="dk1"/>
-          </a:lnRef>
-          <a:fillRef idx="1">
-            <a:schemeClr val="lt1"/>
-          </a:fillRef>
-          <a:effectRef idx="0">
-            <a:schemeClr val="dk1"/>
-          </a:effectRef>
-          <a:fontRef idx="minor">
-            <a:schemeClr val="dk1"/>
-          </a:fontRef>
-        </p:style>
-        <p:txBody>
-          <a:bodyPr rtlCol="0" anchor="t"/>
-          <a:lstStyle/>
-          <a:p>
-            <a:pPr algn="ctr"/>
-            <a:r>
-              <a:rPr lang="ko-KR" altLang="en-US" sz="1200" dirty="0" smtClean="0"/>
-              <a:t>마음건강정보</a:t>
-            </a:r>
-            <a:endParaRPr lang="ko-KR" altLang="en-US" sz="1200" dirty="0"/>
-          </a:p>
-        </p:txBody>
-      </p:sp>
-      <p:sp>
-        <p:nvSpPr>
-          <p:cNvPr id="44" name="직사각형 43"/>
-          <p:cNvSpPr/>
-          <p:nvPr/>
-        </p:nvSpPr>
-        <p:spPr>
-          <a:xfrm>
-            <a:off x="8931773" y="2540216"/>
-            <a:ext cx="2734887" cy="3069114"/>
-          </a:xfrm>
-          <a:prstGeom prst="rect">
-            <a:avLst/>
-          </a:prstGeom>
-        </p:spPr>
-        <p:style>
-          <a:lnRef idx="2">
-            <a:schemeClr val="dk1"/>
-          </a:lnRef>
-          <a:fillRef idx="1">
-            <a:schemeClr val="lt1"/>
-          </a:fillRef>
-          <a:effectRef idx="0">
-            <a:schemeClr val="dk1"/>
-          </a:effectRef>
-          <a:fontRef idx="minor">
-            <a:schemeClr val="dk1"/>
-          </a:fontRef>
-        </p:style>
-        <p:txBody>
-          <a:bodyPr rtlCol="0" anchor="t"/>
-          <a:lstStyle/>
-          <a:p>
-            <a:pPr algn="ctr"/>
-            <a:r>
-              <a:rPr lang="ko-KR" altLang="en-US" sz="1200" dirty="0" smtClean="0"/>
-              <a:t>스윗</a:t>
-            </a:r>
-            <a:r>
-              <a:rPr lang="en-US" altLang="ko-KR" sz="1200" dirty="0" smtClean="0"/>
-              <a:t>(SWeeT)</a:t>
             </a:r>
             <a:endParaRPr lang="ko-KR" altLang="en-US" sz="1200" dirty="0"/>
           </a:p>
@@ -6315,7 +6248,7 @@
         </p:nvCxnSpPr>
         <p:spPr>
           <a:xfrm flipV="1">
-            <a:off x="6553054" y="2599297"/>
+            <a:off x="6500909" y="2759497"/>
             <a:ext cx="1094759" cy="536796"/>
           </a:xfrm>
           <a:prstGeom prst="curvedConnector3">
@@ -6328,13 +6261,13 @@
           </a:ln>
         </p:spPr>
         <p:style>
-          <a:lnRef idx="3">
+          <a:lnRef idx="2">
             <a:schemeClr val="dk1"/>
           </a:lnRef>
           <a:fillRef idx="0">
             <a:schemeClr val="dk1"/>
           </a:fillRef>
-          <a:effectRef idx="2">
+          <a:effectRef idx="1">
             <a:schemeClr val="dk1"/>
           </a:effectRef>
           <a:fontRef idx="minor">
@@ -6365,13 +6298,13 @@
           </a:ln>
         </p:spPr>
         <p:style>
-          <a:lnRef idx="3">
+          <a:lnRef idx="2">
             <a:schemeClr val="dk1"/>
           </a:lnRef>
           <a:fillRef idx="0">
             <a:schemeClr val="dk1"/>
           </a:fillRef>
-          <a:effectRef idx="2">
+          <a:effectRef idx="1">
             <a:schemeClr val="dk1"/>
           </a:effectRef>
           <a:fontRef idx="minor">
@@ -6400,13 +6333,13 @@
           </a:ln>
         </p:spPr>
         <p:style>
-          <a:lnRef idx="3">
+          <a:lnRef idx="2">
             <a:schemeClr val="dk1"/>
           </a:lnRef>
           <a:fillRef idx="0">
             <a:schemeClr val="dk1"/>
           </a:fillRef>
-          <a:effectRef idx="2">
+          <a:effectRef idx="1">
             <a:schemeClr val="dk1"/>
           </a:effectRef>
           <a:fontRef idx="minor">
@@ -6699,7 +6632,7 @@
         </p:nvSpPr>
         <p:spPr>
           <a:xfrm>
-            <a:off x="7647813" y="2360049"/>
+            <a:off x="7595668" y="2520249"/>
             <a:ext cx="1074832" cy="478496"/>
           </a:xfrm>
           <a:prstGeom prst="ellipse">
@@ -6728,56 +6661,6 @@
             <a:r>
               <a:rPr lang="ko-KR" altLang="en-US" sz="1100" dirty="0" smtClean="0"/>
               <a:t>회원가입</a:t>
-            </a:r>
-            <a:endParaRPr lang="ko-KR" altLang="en-US" sz="1100" dirty="0"/>
-          </a:p>
-        </p:txBody>
-      </p:sp>
-      <p:sp>
-        <p:nvSpPr>
-          <p:cNvPr id="59" name="타원 58"/>
-          <p:cNvSpPr/>
-          <p:nvPr/>
-        </p:nvSpPr>
-        <p:spPr>
-          <a:xfrm>
-            <a:off x="9016962" y="2828097"/>
-            <a:ext cx="1428549" cy="587123"/>
-          </a:xfrm>
-          <a:prstGeom prst="ellipse">
-            <a:avLst/>
-          </a:prstGeom>
-        </p:spPr>
-        <p:style>
-          <a:lnRef idx="2">
-            <a:schemeClr val="dk1"/>
-          </a:lnRef>
-          <a:fillRef idx="1">
-            <a:schemeClr val="lt1"/>
-          </a:fillRef>
-          <a:effectRef idx="0">
-            <a:schemeClr val="dk1"/>
-          </a:effectRef>
-          <a:fontRef idx="minor">
-            <a:schemeClr val="dk1"/>
-          </a:fontRef>
-        </p:style>
-        <p:txBody>
-          <a:bodyPr rtlCol="0" anchor="ctr"/>
-          <a:lstStyle/>
-          <a:p>
-            <a:pPr algn="ctr"/>
-            <a:r>
-              <a:rPr lang="ko-KR" altLang="en-US" sz="1100" dirty="0" smtClean="0"/>
-              <a:t>학교 업무</a:t>
-            </a:r>
-            <a:endParaRPr lang="en-US" altLang="ko-KR" sz="1100" dirty="0"/>
-          </a:p>
-          <a:p>
-            <a:pPr algn="ctr"/>
-            <a:r>
-              <a:rPr lang="ko-KR" altLang="en-US" sz="1100" dirty="0" smtClean="0"/>
-              <a:t>공유 게시판</a:t>
             </a:r>
             <a:endParaRPr lang="ko-KR" altLang="en-US" sz="1100" dirty="0"/>
           </a:p>
@@ -6791,7 +6674,7 @@
         </p:nvSpPr>
         <p:spPr>
           <a:xfrm>
-            <a:off x="6651220" y="446111"/>
+            <a:off x="7243854" y="424140"/>
             <a:ext cx="1135680" cy="613415"/>
           </a:xfrm>
           <a:prstGeom prst="ellipse">
@@ -6833,75 +6716,6 @@
               <a:t>프로젝트</a:t>
             </a:r>
             <a:endParaRPr lang="en-US" altLang="ko-KR" sz="1100" dirty="0" smtClean="0"/>
-          </a:p>
-          <a:p>
-            <a:pPr algn="ctr"/>
-            <a:r>
-              <a:rPr lang="ko-KR" altLang="en-US" sz="1100" dirty="0" smtClean="0"/>
-              <a:t>소개</a:t>
-            </a:r>
-            <a:endParaRPr lang="ko-KR" altLang="en-US" sz="1100" dirty="0"/>
-          </a:p>
-        </p:txBody>
-      </p:sp>
-      <p:sp>
-        <p:nvSpPr>
-          <p:cNvPr id="66" name="타원 65"/>
-          <p:cNvSpPr/>
-          <p:nvPr/>
-        </p:nvSpPr>
-        <p:spPr>
-          <a:xfrm>
-            <a:off x="7976804" y="450421"/>
-            <a:ext cx="1135680" cy="613415"/>
-          </a:xfrm>
-          <a:prstGeom prst="ellipse">
-            <a:avLst/>
-          </a:prstGeom>
-        </p:spPr>
-        <p:style>
-          <a:lnRef idx="2">
-            <a:schemeClr val="dk1"/>
-          </a:lnRef>
-          <a:fillRef idx="1">
-            <a:schemeClr val="lt1"/>
-          </a:fillRef>
-          <a:effectRef idx="0">
-            <a:schemeClr val="dk1"/>
-          </a:effectRef>
-          <a:fontRef idx="minor">
-            <a:schemeClr val="dk1"/>
-          </a:fontRef>
-        </p:style>
-        <p:txBody>
-          <a:bodyPr rtlCol="0" anchor="ctr"/>
-          <a:lstStyle/>
-          <a:p>
-            <a:pPr algn="ctr"/>
-            <a:r>
-              <a:rPr lang="ko-KR" altLang="en-US" sz="1100" dirty="0" smtClean="0"/>
-              <a:t>서울</a:t>
-            </a:r>
-            <a:endParaRPr lang="en-US" altLang="ko-KR" sz="1100" dirty="0" smtClean="0"/>
-          </a:p>
-          <a:p>
-            <a:pPr algn="ctr"/>
-            <a:r>
-              <a:rPr lang="ko-KR" altLang="en-US" sz="1100" dirty="0" smtClean="0"/>
-              <a:t>위</a:t>
-            </a:r>
-            <a:r>
-              <a:rPr lang="en-US" altLang="ko-KR" sz="1100" dirty="0" smtClean="0"/>
-              <a:t>(Wee)</a:t>
-            </a:r>
-          </a:p>
-          <a:p>
-            <a:pPr algn="ctr"/>
-            <a:r>
-              <a:rPr lang="ko-KR" altLang="en-US" sz="1100" dirty="0" smtClean="0"/>
-              <a:t>센터 소개</a:t>
-            </a:r>
-            <a:endParaRPr lang="ko-KR" altLang="en-US" sz="1100" dirty="0"/>
           </a:p>
         </p:txBody>
       </p:sp>
@@ -6913,7 +6727,7 @@
         </p:nvSpPr>
         <p:spPr>
           <a:xfrm>
-            <a:off x="6629212" y="1214717"/>
+            <a:off x="6627729" y="1106980"/>
             <a:ext cx="1126736" cy="505083"/>
           </a:xfrm>
           <a:prstGeom prst="ellipse">
@@ -6955,7 +6769,7 @@
         </p:nvSpPr>
         <p:spPr>
           <a:xfrm>
-            <a:off x="7846534" y="1164335"/>
+            <a:off x="7859275" y="1076043"/>
             <a:ext cx="1438742" cy="613415"/>
           </a:xfrm>
           <a:prstGeom prst="ellipse">
@@ -7019,14 +6833,14 @@
         </p:nvCxnSpPr>
         <p:spPr>
           <a:xfrm rot="16200000" flipH="1">
-            <a:off x="6557584" y="1867697"/>
-            <a:ext cx="2593595" cy="4889670"/>
+            <a:off x="6874723" y="1550558"/>
+            <a:ext cx="2042719" cy="4973072"/>
           </a:xfrm>
           <a:prstGeom prst="curvedConnector5">
             <a:avLst>
-              <a:gd name="adj1" fmla="val -8814"/>
-              <a:gd name="adj2" fmla="val 59691"/>
-              <a:gd name="adj3" fmla="val 108814"/>
+              <a:gd name="adj1" fmla="val -11191"/>
+              <a:gd name="adj2" fmla="val 35997"/>
+              <a:gd name="adj3" fmla="val 111191"/>
             </a:avLst>
           </a:prstGeom>
           <a:ln>
@@ -7048,670 +6862,231 @@
           </a:fontRef>
         </p:style>
       </p:cxnSp>
-      <p:sp>
-        <p:nvSpPr>
-          <p:cNvPr id="83" name="타원 82"/>
-          <p:cNvSpPr/>
+      <p:grpSp>
+        <p:nvGrpSpPr>
+          <p:cNvPr id="33" name="그룹 32"/>
+          <p:cNvGrpSpPr/>
           <p:nvPr/>
-        </p:nvSpPr>
-        <p:spPr>
+        </p:nvGrpSpPr>
+        <p:grpSpPr>
           <a:xfrm>
-            <a:off x="287142" y="437950"/>
-            <a:ext cx="1127782" cy="615167"/>
-          </a:xfrm>
-          <a:prstGeom prst="ellipse">
-            <a:avLst/>
-          </a:prstGeom>
-        </p:spPr>
-        <p:style>
-          <a:lnRef idx="2">
-            <a:schemeClr val="dk1"/>
-          </a:lnRef>
-          <a:fillRef idx="1">
-            <a:schemeClr val="lt1"/>
-          </a:fillRef>
-          <a:effectRef idx="0">
-            <a:schemeClr val="dk1"/>
-          </a:effectRef>
-          <a:fontRef idx="minor">
-            <a:schemeClr val="dk1"/>
-          </a:fontRef>
-        </p:style>
-        <p:txBody>
-          <a:bodyPr rtlCol="0" anchor="ctr"/>
-          <a:lstStyle/>
-          <a:p>
-            <a:pPr algn="ctr"/>
-            <a:r>
-              <a:rPr lang="ko-KR" altLang="en-US" sz="1100" dirty="0" smtClean="0"/>
-              <a:t>회원정보</a:t>
-            </a:r>
-            <a:endParaRPr lang="en-US" altLang="ko-KR" sz="1100" dirty="0" smtClean="0"/>
-          </a:p>
-          <a:p>
-            <a:pPr algn="ctr"/>
-            <a:r>
-              <a:rPr lang="ko-KR" altLang="en-US" sz="1100" dirty="0" smtClean="0"/>
-              <a:t>조회</a:t>
-            </a:r>
-            <a:endParaRPr lang="ko-KR" altLang="en-US" sz="1100" dirty="0"/>
-          </a:p>
-        </p:txBody>
-      </p:sp>
-      <p:sp>
-        <p:nvSpPr>
-          <p:cNvPr id="84" name="타원 83"/>
-          <p:cNvSpPr/>
-          <p:nvPr/>
-        </p:nvSpPr>
-        <p:spPr>
-          <a:xfrm>
-            <a:off x="275944" y="1111807"/>
-            <a:ext cx="1127782" cy="615167"/>
-          </a:xfrm>
-          <a:prstGeom prst="ellipse">
-            <a:avLst/>
-          </a:prstGeom>
-        </p:spPr>
-        <p:style>
-          <a:lnRef idx="2">
-            <a:schemeClr val="dk1"/>
-          </a:lnRef>
-          <a:fillRef idx="1">
-            <a:schemeClr val="lt1"/>
-          </a:fillRef>
-          <a:effectRef idx="0">
-            <a:schemeClr val="dk1"/>
-          </a:effectRef>
-          <a:fontRef idx="minor">
-            <a:schemeClr val="dk1"/>
-          </a:fontRef>
-        </p:style>
-        <p:txBody>
-          <a:bodyPr rtlCol="0" anchor="ctr"/>
-          <a:lstStyle/>
-          <a:p>
-            <a:pPr algn="ctr"/>
-            <a:r>
-              <a:rPr lang="ko-KR" altLang="en-US" sz="1100" dirty="0" smtClean="0"/>
-              <a:t>회원정보</a:t>
-            </a:r>
-            <a:endParaRPr lang="en-US" altLang="ko-KR" sz="1100" dirty="0" smtClean="0"/>
-          </a:p>
-          <a:p>
-            <a:pPr algn="ctr"/>
-            <a:r>
-              <a:rPr lang="ko-KR" altLang="en-US" sz="1100" dirty="0" smtClean="0"/>
-              <a:t>수정</a:t>
-            </a:r>
-            <a:endParaRPr lang="ko-KR" altLang="en-US" sz="1100" dirty="0"/>
-          </a:p>
-        </p:txBody>
-      </p:sp>
-      <p:sp>
-        <p:nvSpPr>
-          <p:cNvPr id="86" name="타원 85"/>
-          <p:cNvSpPr/>
-          <p:nvPr/>
-        </p:nvSpPr>
-        <p:spPr>
-          <a:xfrm>
-            <a:off x="1492791" y="437950"/>
-            <a:ext cx="1127782" cy="615167"/>
-          </a:xfrm>
-          <a:prstGeom prst="ellipse">
-            <a:avLst/>
-          </a:prstGeom>
-        </p:spPr>
-        <p:style>
-          <a:lnRef idx="2">
-            <a:schemeClr val="dk1"/>
-          </a:lnRef>
-          <a:fillRef idx="1">
-            <a:schemeClr val="lt1"/>
-          </a:fillRef>
-          <a:effectRef idx="0">
-            <a:schemeClr val="dk1"/>
-          </a:effectRef>
-          <a:fontRef idx="minor">
-            <a:schemeClr val="dk1"/>
-          </a:fontRef>
-        </p:style>
-        <p:txBody>
-          <a:bodyPr rtlCol="0" anchor="ctr"/>
-          <a:lstStyle/>
-          <a:p>
-            <a:pPr algn="ctr"/>
-            <a:r>
-              <a:rPr lang="ko-KR" altLang="en-US" sz="1100" dirty="0"/>
-              <a:t>내담자</a:t>
-            </a:r>
-            <a:endParaRPr lang="en-US" altLang="ko-KR" sz="1100" dirty="0"/>
-          </a:p>
-          <a:p>
-            <a:pPr algn="ctr"/>
-            <a:r>
-              <a:rPr lang="ko-KR" altLang="en-US" sz="1100" dirty="0"/>
-              <a:t>상담 정보</a:t>
-            </a:r>
-            <a:endParaRPr lang="en-US" altLang="ko-KR" sz="1100" dirty="0"/>
-          </a:p>
-          <a:p>
-            <a:pPr algn="ctr"/>
-            <a:r>
-              <a:rPr lang="ko-KR" altLang="en-US" sz="1100" dirty="0"/>
-              <a:t>조회</a:t>
-            </a:r>
-          </a:p>
-        </p:txBody>
-      </p:sp>
-      <p:sp>
-        <p:nvSpPr>
-          <p:cNvPr id="88" name="타원 87"/>
-          <p:cNvSpPr/>
-          <p:nvPr/>
-        </p:nvSpPr>
-        <p:spPr>
-          <a:xfrm>
-            <a:off x="2739069" y="442634"/>
-            <a:ext cx="1130540" cy="615167"/>
-          </a:xfrm>
-          <a:prstGeom prst="ellipse">
-            <a:avLst/>
-          </a:prstGeom>
-        </p:spPr>
-        <p:style>
-          <a:lnRef idx="2">
-            <a:schemeClr val="dk1"/>
-          </a:lnRef>
-          <a:fillRef idx="1">
-            <a:schemeClr val="lt1"/>
-          </a:fillRef>
-          <a:effectRef idx="0">
-            <a:schemeClr val="dk1"/>
-          </a:effectRef>
-          <a:fontRef idx="minor">
-            <a:schemeClr val="dk1"/>
-          </a:fontRef>
-        </p:style>
-        <p:txBody>
-          <a:bodyPr rtlCol="0" anchor="ctr"/>
-          <a:lstStyle/>
-          <a:p>
-            <a:pPr algn="ctr"/>
-            <a:r>
-              <a:rPr lang="ko-KR" altLang="en-US" sz="1100" dirty="0"/>
-              <a:t>게시판</a:t>
-            </a:r>
-            <a:endParaRPr lang="en-US" altLang="ko-KR" sz="1100" dirty="0"/>
-          </a:p>
-          <a:p>
-            <a:pPr algn="ctr"/>
-            <a:r>
-              <a:rPr lang="ko-KR" altLang="en-US" sz="1100" dirty="0"/>
-              <a:t>상담 확인</a:t>
-            </a:r>
-          </a:p>
-        </p:txBody>
-      </p:sp>
-      <p:sp>
-        <p:nvSpPr>
-          <p:cNvPr id="91" name="타원 90"/>
-          <p:cNvSpPr/>
-          <p:nvPr/>
-        </p:nvSpPr>
-        <p:spPr>
-          <a:xfrm>
-            <a:off x="2759473" y="1112722"/>
-            <a:ext cx="1130540" cy="611394"/>
-          </a:xfrm>
-          <a:prstGeom prst="ellipse">
-            <a:avLst/>
-          </a:prstGeom>
-        </p:spPr>
-        <p:style>
-          <a:lnRef idx="2">
-            <a:schemeClr val="dk1"/>
-          </a:lnRef>
-          <a:fillRef idx="1">
-            <a:schemeClr val="lt1"/>
-          </a:fillRef>
-          <a:effectRef idx="0">
-            <a:schemeClr val="dk1"/>
-          </a:effectRef>
-          <a:fontRef idx="minor">
-            <a:schemeClr val="dk1"/>
-          </a:fontRef>
-        </p:style>
-        <p:txBody>
-          <a:bodyPr rtlCol="0" anchor="ctr"/>
-          <a:lstStyle/>
-          <a:p>
-            <a:pPr algn="ctr"/>
-            <a:r>
-              <a:rPr lang="ko-KR" altLang="en-US" sz="1100" dirty="0" smtClean="0"/>
-              <a:t>스윗</a:t>
-            </a:r>
-            <a:r>
-              <a:rPr lang="en-US" altLang="ko-KR" sz="1100" dirty="0" smtClean="0"/>
-              <a:t>(SWeeT)</a:t>
-            </a:r>
-          </a:p>
-          <a:p>
-            <a:pPr algn="ctr"/>
-            <a:r>
-              <a:rPr lang="ko-KR" altLang="en-US" sz="1100" dirty="0" smtClean="0"/>
-              <a:t>확인</a:t>
-            </a:r>
-            <a:endParaRPr lang="ko-KR" altLang="en-US" sz="1100" dirty="0"/>
-          </a:p>
-        </p:txBody>
-      </p:sp>
-      <p:sp>
-        <p:nvSpPr>
-          <p:cNvPr id="92" name="타원 91"/>
-          <p:cNvSpPr/>
-          <p:nvPr/>
-        </p:nvSpPr>
-        <p:spPr>
-          <a:xfrm>
-            <a:off x="2150487" y="1760286"/>
-            <a:ext cx="1630666" cy="563658"/>
-          </a:xfrm>
-          <a:prstGeom prst="ellipse">
-            <a:avLst/>
-          </a:prstGeom>
-        </p:spPr>
-        <p:style>
-          <a:lnRef idx="2">
-            <a:schemeClr val="dk1"/>
-          </a:lnRef>
-          <a:fillRef idx="1">
-            <a:schemeClr val="lt1"/>
-          </a:fillRef>
-          <a:effectRef idx="0">
-            <a:schemeClr val="dk1"/>
-          </a:effectRef>
-          <a:fontRef idx="minor">
-            <a:schemeClr val="dk1"/>
-          </a:fontRef>
-        </p:style>
-        <p:txBody>
-          <a:bodyPr rtlCol="0" anchor="ctr"/>
-          <a:lstStyle/>
-          <a:p>
-            <a:pPr algn="ctr"/>
-            <a:r>
-              <a:rPr lang="ko-KR" altLang="en-US" sz="1100" dirty="0" smtClean="0"/>
-              <a:t>상담 만족도</a:t>
-            </a:r>
-            <a:endParaRPr lang="en-US" altLang="ko-KR" sz="1100" dirty="0" smtClean="0"/>
-          </a:p>
-          <a:p>
-            <a:pPr algn="ctr"/>
-            <a:r>
-              <a:rPr lang="ko-KR" altLang="en-US" sz="1100" dirty="0" smtClean="0"/>
-              <a:t>검사 결과 조회</a:t>
-            </a:r>
-            <a:endParaRPr lang="ko-KR" altLang="en-US" sz="1100" dirty="0"/>
-          </a:p>
-        </p:txBody>
-      </p:sp>
-      <p:sp>
-        <p:nvSpPr>
-          <p:cNvPr id="95" name="타원 94"/>
-          <p:cNvSpPr/>
-          <p:nvPr/>
-        </p:nvSpPr>
-        <p:spPr>
-          <a:xfrm>
-            <a:off x="607424" y="1765433"/>
-            <a:ext cx="1476337" cy="567926"/>
-          </a:xfrm>
-          <a:prstGeom prst="ellipse">
-            <a:avLst/>
-          </a:prstGeom>
-        </p:spPr>
-        <p:style>
-          <a:lnRef idx="2">
-            <a:schemeClr val="dk1"/>
-          </a:lnRef>
-          <a:fillRef idx="1">
-            <a:schemeClr val="lt1"/>
-          </a:fillRef>
-          <a:effectRef idx="0">
-            <a:schemeClr val="dk1"/>
-          </a:effectRef>
-          <a:fontRef idx="minor">
-            <a:schemeClr val="dk1"/>
-          </a:fontRef>
-        </p:style>
-        <p:txBody>
-          <a:bodyPr rtlCol="0" anchor="ctr"/>
-          <a:lstStyle/>
-          <a:p>
-            <a:pPr algn="ctr"/>
-            <a:r>
-              <a:rPr lang="ko-KR" altLang="en-US" sz="1100" dirty="0"/>
-              <a:t>마음건강검사</a:t>
-            </a:r>
-            <a:endParaRPr lang="en-US" altLang="ko-KR" sz="1100" dirty="0"/>
-          </a:p>
-          <a:p>
-            <a:pPr algn="ctr"/>
-            <a:r>
-              <a:rPr lang="ko-KR" altLang="en-US" sz="1100" dirty="0"/>
-              <a:t>결과 조회</a:t>
-            </a:r>
-          </a:p>
-        </p:txBody>
-      </p:sp>
-      <p:sp>
-        <p:nvSpPr>
-          <p:cNvPr id="101" name="타원 100"/>
-          <p:cNvSpPr/>
-          <p:nvPr/>
-        </p:nvSpPr>
-        <p:spPr>
-          <a:xfrm>
-            <a:off x="557545" y="3723000"/>
-            <a:ext cx="886684" cy="558904"/>
-          </a:xfrm>
-          <a:prstGeom prst="ellipse">
-            <a:avLst/>
-          </a:prstGeom>
-        </p:spPr>
-        <p:style>
-          <a:lnRef idx="2">
-            <a:schemeClr val="dk1"/>
-          </a:lnRef>
-          <a:fillRef idx="1">
-            <a:schemeClr val="lt1"/>
-          </a:fillRef>
-          <a:effectRef idx="0">
-            <a:schemeClr val="dk1"/>
-          </a:effectRef>
-          <a:fontRef idx="minor">
-            <a:schemeClr val="dk1"/>
-          </a:fontRef>
-        </p:style>
-        <p:txBody>
-          <a:bodyPr rtlCol="0" anchor="ctr"/>
-          <a:lstStyle/>
-          <a:p>
-            <a:pPr algn="ctr"/>
-            <a:r>
-              <a:rPr lang="ko-KR" altLang="en-US" sz="1100" dirty="0" smtClean="0"/>
-              <a:t>맞춤형</a:t>
-            </a:r>
-            <a:endParaRPr lang="en-US" altLang="ko-KR" sz="1100" dirty="0" smtClean="0"/>
-          </a:p>
-          <a:p>
-            <a:pPr algn="ctr"/>
-            <a:r>
-              <a:rPr lang="ko-KR" altLang="en-US" sz="1100" dirty="0" smtClean="0"/>
-              <a:t>검사</a:t>
-            </a:r>
-            <a:endParaRPr lang="ko-KR" altLang="en-US" sz="1100" dirty="0"/>
-          </a:p>
-        </p:txBody>
-      </p:sp>
-      <p:sp>
-        <p:nvSpPr>
-          <p:cNvPr id="103" name="타원 102"/>
-          <p:cNvSpPr/>
-          <p:nvPr/>
-        </p:nvSpPr>
-        <p:spPr>
-          <a:xfrm>
-            <a:off x="1600324" y="3723000"/>
-            <a:ext cx="864328" cy="565230"/>
-          </a:xfrm>
-          <a:prstGeom prst="ellipse">
-            <a:avLst/>
-          </a:prstGeom>
-        </p:spPr>
-        <p:style>
-          <a:lnRef idx="2">
-            <a:schemeClr val="dk1"/>
-          </a:lnRef>
-          <a:fillRef idx="1">
-            <a:schemeClr val="lt1"/>
-          </a:fillRef>
-          <a:effectRef idx="0">
-            <a:schemeClr val="dk1"/>
-          </a:effectRef>
-          <a:fontRef idx="minor">
-            <a:schemeClr val="dk1"/>
-          </a:fontRef>
-        </p:style>
-        <p:txBody>
-          <a:bodyPr rtlCol="0" anchor="ctr"/>
-          <a:lstStyle/>
-          <a:p>
-            <a:pPr algn="ctr"/>
-            <a:r>
-              <a:rPr lang="ko-KR" altLang="en-US" sz="1100" dirty="0" smtClean="0"/>
-              <a:t>상황별</a:t>
-            </a:r>
-            <a:endParaRPr lang="en-US" altLang="ko-KR" sz="1100" dirty="0" smtClean="0"/>
-          </a:p>
-          <a:p>
-            <a:pPr algn="ctr"/>
-            <a:r>
-              <a:rPr lang="ko-KR" altLang="en-US" sz="1100" dirty="0" smtClean="0"/>
-              <a:t>검사</a:t>
-            </a:r>
-            <a:endParaRPr lang="ko-KR" altLang="en-US" sz="1100" dirty="0"/>
-          </a:p>
-        </p:txBody>
-      </p:sp>
-      <p:sp>
-        <p:nvSpPr>
-          <p:cNvPr id="117" name="타원 116"/>
-          <p:cNvSpPr/>
-          <p:nvPr/>
-        </p:nvSpPr>
-        <p:spPr>
-          <a:xfrm>
-            <a:off x="3868584" y="4543273"/>
-            <a:ext cx="973369" cy="524200"/>
-          </a:xfrm>
-          <a:prstGeom prst="ellipse">
-            <a:avLst/>
-          </a:prstGeom>
-        </p:spPr>
-        <p:style>
-          <a:lnRef idx="2">
-            <a:schemeClr val="dk1"/>
-          </a:lnRef>
-          <a:fillRef idx="1">
-            <a:schemeClr val="lt1"/>
-          </a:fillRef>
-          <a:effectRef idx="0">
-            <a:schemeClr val="dk1"/>
-          </a:effectRef>
-          <a:fontRef idx="minor">
-            <a:schemeClr val="dk1"/>
-          </a:fontRef>
-        </p:style>
-        <p:txBody>
-          <a:bodyPr rtlCol="0" anchor="ctr"/>
-          <a:lstStyle/>
-          <a:p>
-            <a:pPr algn="ctr"/>
-            <a:r>
-              <a:rPr lang="ko-KR" altLang="en-US" sz="1100" dirty="0" smtClean="0"/>
-              <a:t>글 검색</a:t>
-            </a:r>
-            <a:endParaRPr lang="ko-KR" altLang="en-US" sz="1100" dirty="0"/>
-          </a:p>
-        </p:txBody>
-      </p:sp>
-      <p:cxnSp>
-        <p:nvCxnSpPr>
-          <p:cNvPr id="118" name="구부러진 연결선 117"/>
-          <p:cNvCxnSpPr>
-            <a:stCxn id="24" idx="2"/>
-            <a:endCxn id="39" idx="3"/>
-          </p:cNvCxnSpPr>
-          <p:nvPr/>
-        </p:nvCxnSpPr>
-        <p:spPr>
-          <a:xfrm rot="10800000" flipV="1">
-            <a:off x="2704350" y="3160125"/>
-            <a:ext cx="1808509" cy="764558"/>
-          </a:xfrm>
-          <a:prstGeom prst="curvedConnector3">
-            <a:avLst>
-              <a:gd name="adj1" fmla="val 50000"/>
-            </a:avLst>
-          </a:prstGeom>
-          <a:ln>
-            <a:tailEnd type="triangle"/>
-          </a:ln>
-        </p:spPr>
-        <p:style>
-          <a:lnRef idx="3">
-            <a:schemeClr val="dk1"/>
-          </a:lnRef>
-          <a:fillRef idx="0">
-            <a:schemeClr val="dk1"/>
-          </a:fillRef>
-          <a:effectRef idx="2">
-            <a:schemeClr val="dk1"/>
-          </a:effectRef>
-          <a:fontRef idx="minor">
-            <a:schemeClr val="tx1"/>
-          </a:fontRef>
-        </p:style>
-      </p:cxnSp>
-      <p:sp>
-        <p:nvSpPr>
-          <p:cNvPr id="122" name="타원 121"/>
-          <p:cNvSpPr/>
-          <p:nvPr/>
-        </p:nvSpPr>
-        <p:spPr>
-          <a:xfrm>
-            <a:off x="3236231" y="5204841"/>
-            <a:ext cx="1132954" cy="524200"/>
-          </a:xfrm>
-          <a:prstGeom prst="ellipse">
-            <a:avLst/>
-          </a:prstGeom>
-        </p:spPr>
-        <p:style>
-          <a:lnRef idx="2">
-            <a:schemeClr val="dk1"/>
-          </a:lnRef>
-          <a:fillRef idx="1">
-            <a:schemeClr val="lt1"/>
-          </a:fillRef>
-          <a:effectRef idx="0">
-            <a:schemeClr val="dk1"/>
-          </a:effectRef>
-          <a:fontRef idx="minor">
-            <a:schemeClr val="dk1"/>
-          </a:fontRef>
-        </p:style>
-        <p:txBody>
-          <a:bodyPr rtlCol="0" anchor="ctr"/>
-          <a:lstStyle/>
-          <a:p>
-            <a:pPr algn="ctr"/>
-            <a:r>
-              <a:rPr lang="ko-KR" altLang="en-US" sz="1100" smtClean="0"/>
-              <a:t>대인관계</a:t>
-            </a:r>
-            <a:endParaRPr lang="ko-KR" altLang="en-US" sz="1100" dirty="0"/>
-          </a:p>
-        </p:txBody>
-      </p:sp>
-      <p:sp>
-        <p:nvSpPr>
-          <p:cNvPr id="123" name="타원 122"/>
-          <p:cNvSpPr/>
-          <p:nvPr/>
-        </p:nvSpPr>
-        <p:spPr>
-          <a:xfrm>
-            <a:off x="4457044" y="5213703"/>
-            <a:ext cx="1091116" cy="524200"/>
-          </a:xfrm>
-          <a:prstGeom prst="ellipse">
-            <a:avLst/>
-          </a:prstGeom>
-        </p:spPr>
-        <p:style>
-          <a:lnRef idx="2">
-            <a:schemeClr val="dk1"/>
-          </a:lnRef>
-          <a:fillRef idx="1">
-            <a:schemeClr val="lt1"/>
-          </a:fillRef>
-          <a:effectRef idx="0">
-            <a:schemeClr val="dk1"/>
-          </a:effectRef>
-          <a:fontRef idx="minor">
-            <a:schemeClr val="dk1"/>
-          </a:fontRef>
-        </p:style>
-        <p:txBody>
-          <a:bodyPr rtlCol="0" anchor="ctr"/>
-          <a:lstStyle/>
-          <a:p>
-            <a:pPr algn="ctr"/>
-            <a:r>
-              <a:rPr lang="ko-KR" altLang="en-US" sz="1100" smtClean="0"/>
-              <a:t>학교생활</a:t>
-            </a:r>
-            <a:endParaRPr lang="ko-KR" altLang="en-US" sz="1100" dirty="0"/>
-          </a:p>
-        </p:txBody>
-      </p:sp>
-      <p:sp>
-        <p:nvSpPr>
-          <p:cNvPr id="129" name="타원 128"/>
-          <p:cNvSpPr/>
-          <p:nvPr/>
-        </p:nvSpPr>
-        <p:spPr>
-          <a:xfrm>
-            <a:off x="3855976" y="5817733"/>
-            <a:ext cx="1132954" cy="524200"/>
-          </a:xfrm>
-          <a:prstGeom prst="ellipse">
-            <a:avLst/>
-          </a:prstGeom>
-        </p:spPr>
-        <p:style>
-          <a:lnRef idx="2">
-            <a:schemeClr val="dk1"/>
-          </a:lnRef>
-          <a:fillRef idx="1">
-            <a:schemeClr val="lt1"/>
-          </a:fillRef>
-          <a:effectRef idx="0">
-            <a:schemeClr val="dk1"/>
-          </a:effectRef>
-          <a:fontRef idx="minor">
-            <a:schemeClr val="dk1"/>
-          </a:fontRef>
-        </p:style>
-        <p:txBody>
-          <a:bodyPr rtlCol="0" anchor="ctr"/>
-          <a:lstStyle/>
-          <a:p>
-            <a:pPr algn="ctr"/>
-            <a:r>
-              <a:rPr lang="ko-KR" altLang="en-US" sz="1100" dirty="0" smtClean="0"/>
-              <a:t>마음 건강</a:t>
-            </a:r>
-            <a:endParaRPr lang="ko-KR" altLang="en-US" sz="1100" dirty="0"/>
-          </a:p>
-        </p:txBody>
-      </p:sp>
+            <a:off x="3133791" y="4275019"/>
+            <a:ext cx="2553223" cy="2276175"/>
+            <a:chOff x="3133791" y="4275019"/>
+            <a:chExt cx="2553223" cy="2276175"/>
+          </a:xfrm>
+        </p:grpSpPr>
+        <p:sp>
+          <p:nvSpPr>
+            <p:cNvPr id="40" name="직사각형 39"/>
+            <p:cNvSpPr/>
+            <p:nvPr/>
+          </p:nvSpPr>
+          <p:spPr>
+            <a:xfrm>
+              <a:off x="3133791" y="4275019"/>
+              <a:ext cx="2553223" cy="2276175"/>
+            </a:xfrm>
+            <a:prstGeom prst="rect">
+              <a:avLst/>
+            </a:prstGeom>
+          </p:spPr>
+          <p:style>
+            <a:lnRef idx="2">
+              <a:schemeClr val="dk1"/>
+            </a:lnRef>
+            <a:fillRef idx="1">
+              <a:schemeClr val="lt1"/>
+            </a:fillRef>
+            <a:effectRef idx="0">
+              <a:schemeClr val="dk1"/>
+            </a:effectRef>
+            <a:fontRef idx="minor">
+              <a:schemeClr val="dk1"/>
+            </a:fontRef>
+          </p:style>
+          <p:txBody>
+            <a:bodyPr rtlCol="0" anchor="t"/>
+            <a:lstStyle/>
+            <a:p>
+              <a:pPr algn="ctr"/>
+              <a:r>
+                <a:rPr lang="ko-KR" altLang="en-US" sz="1200" dirty="0" smtClean="0"/>
+                <a:t>마음건강정보</a:t>
+              </a:r>
+              <a:endParaRPr lang="ko-KR" altLang="en-US" sz="1200" dirty="0"/>
+            </a:p>
+          </p:txBody>
+        </p:sp>
+        <p:sp>
+          <p:nvSpPr>
+            <p:cNvPr id="117" name="타원 116"/>
+            <p:cNvSpPr/>
+            <p:nvPr/>
+          </p:nvSpPr>
+          <p:spPr>
+            <a:xfrm>
+              <a:off x="3868584" y="4543273"/>
+              <a:ext cx="973369" cy="524200"/>
+            </a:xfrm>
+            <a:prstGeom prst="ellipse">
+              <a:avLst/>
+            </a:prstGeom>
+          </p:spPr>
+          <p:style>
+            <a:lnRef idx="2">
+              <a:schemeClr val="dk1"/>
+            </a:lnRef>
+            <a:fillRef idx="1">
+              <a:schemeClr val="lt1"/>
+            </a:fillRef>
+            <a:effectRef idx="0">
+              <a:schemeClr val="dk1"/>
+            </a:effectRef>
+            <a:fontRef idx="minor">
+              <a:schemeClr val="dk1"/>
+            </a:fontRef>
+          </p:style>
+          <p:txBody>
+            <a:bodyPr rtlCol="0" anchor="ctr"/>
+            <a:lstStyle/>
+            <a:p>
+              <a:pPr algn="ctr"/>
+              <a:r>
+                <a:rPr lang="ko-KR" altLang="en-US" sz="1100" dirty="0" smtClean="0"/>
+                <a:t>글 검색</a:t>
+              </a:r>
+              <a:endParaRPr lang="ko-KR" altLang="en-US" sz="1100" dirty="0"/>
+            </a:p>
+          </p:txBody>
+        </p:sp>
+        <p:sp>
+          <p:nvSpPr>
+            <p:cNvPr id="122" name="타원 121"/>
+            <p:cNvSpPr/>
+            <p:nvPr/>
+          </p:nvSpPr>
+          <p:spPr>
+            <a:xfrm>
+              <a:off x="3236231" y="5204841"/>
+              <a:ext cx="1132954" cy="524200"/>
+            </a:xfrm>
+            <a:prstGeom prst="ellipse">
+              <a:avLst/>
+            </a:prstGeom>
+          </p:spPr>
+          <p:style>
+            <a:lnRef idx="2">
+              <a:schemeClr val="dk1"/>
+            </a:lnRef>
+            <a:fillRef idx="1">
+              <a:schemeClr val="lt1"/>
+            </a:fillRef>
+            <a:effectRef idx="0">
+              <a:schemeClr val="dk1"/>
+            </a:effectRef>
+            <a:fontRef idx="minor">
+              <a:schemeClr val="dk1"/>
+            </a:fontRef>
+          </p:style>
+          <p:txBody>
+            <a:bodyPr rtlCol="0" anchor="ctr"/>
+            <a:lstStyle/>
+            <a:p>
+              <a:pPr algn="ctr"/>
+              <a:r>
+                <a:rPr lang="ko-KR" altLang="en-US" sz="1100" smtClean="0"/>
+                <a:t>대인관계</a:t>
+              </a:r>
+              <a:endParaRPr lang="ko-KR" altLang="en-US" sz="1100" dirty="0"/>
+            </a:p>
+          </p:txBody>
+        </p:sp>
+        <p:sp>
+          <p:nvSpPr>
+            <p:cNvPr id="123" name="타원 122"/>
+            <p:cNvSpPr/>
+            <p:nvPr/>
+          </p:nvSpPr>
+          <p:spPr>
+            <a:xfrm>
+              <a:off x="4457044" y="5213703"/>
+              <a:ext cx="1091116" cy="524200"/>
+            </a:xfrm>
+            <a:prstGeom prst="ellipse">
+              <a:avLst/>
+            </a:prstGeom>
+          </p:spPr>
+          <p:style>
+            <a:lnRef idx="2">
+              <a:schemeClr val="dk1"/>
+            </a:lnRef>
+            <a:fillRef idx="1">
+              <a:schemeClr val="lt1"/>
+            </a:fillRef>
+            <a:effectRef idx="0">
+              <a:schemeClr val="dk1"/>
+            </a:effectRef>
+            <a:fontRef idx="minor">
+              <a:schemeClr val="dk1"/>
+            </a:fontRef>
+          </p:style>
+          <p:txBody>
+            <a:bodyPr rtlCol="0" anchor="ctr"/>
+            <a:lstStyle/>
+            <a:p>
+              <a:pPr algn="ctr"/>
+              <a:r>
+                <a:rPr lang="ko-KR" altLang="en-US" sz="1100" smtClean="0"/>
+                <a:t>학교생활</a:t>
+              </a:r>
+              <a:endParaRPr lang="ko-KR" altLang="en-US" sz="1100" dirty="0"/>
+            </a:p>
+          </p:txBody>
+        </p:sp>
+        <p:sp>
+          <p:nvSpPr>
+            <p:cNvPr id="129" name="타원 128"/>
+            <p:cNvSpPr/>
+            <p:nvPr/>
+          </p:nvSpPr>
+          <p:spPr>
+            <a:xfrm>
+              <a:off x="3855976" y="5817733"/>
+              <a:ext cx="1132954" cy="524200"/>
+            </a:xfrm>
+            <a:prstGeom prst="ellipse">
+              <a:avLst/>
+            </a:prstGeom>
+          </p:spPr>
+          <p:style>
+            <a:lnRef idx="2">
+              <a:schemeClr val="dk1"/>
+            </a:lnRef>
+            <a:fillRef idx="1">
+              <a:schemeClr val="lt1"/>
+            </a:fillRef>
+            <a:effectRef idx="0">
+              <a:schemeClr val="dk1"/>
+            </a:effectRef>
+            <a:fontRef idx="minor">
+              <a:schemeClr val="dk1"/>
+            </a:fontRef>
+          </p:style>
+          <p:txBody>
+            <a:bodyPr rtlCol="0" anchor="ctr"/>
+            <a:lstStyle/>
+            <a:p>
+              <a:pPr algn="ctr"/>
+              <a:r>
+                <a:rPr lang="ko-KR" altLang="en-US" sz="1100" dirty="0" smtClean="0"/>
+                <a:t>마음 건강</a:t>
+              </a:r>
+              <a:endParaRPr lang="ko-KR" altLang="en-US" sz="1100" dirty="0"/>
+            </a:p>
+          </p:txBody>
+        </p:sp>
+      </p:grpSp>
       <p:cxnSp>
         <p:nvCxnSpPr>
           <p:cNvPr id="132" name="구부러진 연결선 131"/>
@@ -7733,13 +7108,13 @@
           </a:ln>
         </p:spPr>
         <p:style>
-          <a:lnRef idx="3">
+          <a:lnRef idx="2">
             <a:schemeClr val="dk1"/>
           </a:lnRef>
           <a:fillRef idx="0">
             <a:schemeClr val="dk1"/>
           </a:fillRef>
-          <a:effectRef idx="2">
+          <a:effectRef idx="1">
             <a:schemeClr val="dk1"/>
           </a:effectRef>
           <a:fontRef idx="minor">
@@ -7747,98 +7122,6 @@
           </a:fontRef>
         </p:style>
       </p:cxnSp>
-      <p:sp>
-        <p:nvSpPr>
-          <p:cNvPr id="169" name="타원 168"/>
-          <p:cNvSpPr/>
-          <p:nvPr/>
-        </p:nvSpPr>
-        <p:spPr>
-          <a:xfrm>
-            <a:off x="1541175" y="1116473"/>
-            <a:ext cx="1127782" cy="615167"/>
-          </a:xfrm>
-          <a:prstGeom prst="ellipse">
-            <a:avLst/>
-          </a:prstGeom>
-        </p:spPr>
-        <p:style>
-          <a:lnRef idx="2">
-            <a:schemeClr val="dk1"/>
-          </a:lnRef>
-          <a:fillRef idx="1">
-            <a:schemeClr val="lt1"/>
-          </a:fillRef>
-          <a:effectRef idx="0">
-            <a:schemeClr val="dk1"/>
-          </a:effectRef>
-          <a:fontRef idx="minor">
-            <a:schemeClr val="dk1"/>
-          </a:fontRef>
-        </p:style>
-        <p:txBody>
-          <a:bodyPr rtlCol="0" anchor="ctr"/>
-          <a:lstStyle/>
-          <a:p>
-            <a:pPr algn="ctr"/>
-            <a:r>
-              <a:rPr lang="ko-KR" altLang="en-US" sz="1100" dirty="0" smtClean="0"/>
-              <a:t>회원탈퇴</a:t>
-            </a:r>
-            <a:endParaRPr lang="ko-KR" altLang="en-US" sz="1100" dirty="0"/>
-          </a:p>
-        </p:txBody>
-      </p:sp>
-      <p:sp>
-        <p:nvSpPr>
-          <p:cNvPr id="320" name="타원 319"/>
-          <p:cNvSpPr/>
-          <p:nvPr/>
-        </p:nvSpPr>
-        <p:spPr>
-          <a:xfrm>
-            <a:off x="978182" y="4330548"/>
-            <a:ext cx="1075417" cy="509392"/>
-          </a:xfrm>
-          <a:prstGeom prst="ellipse">
-            <a:avLst/>
-          </a:prstGeom>
-        </p:spPr>
-        <p:style>
-          <a:lnRef idx="2">
-            <a:schemeClr val="dk1"/>
-          </a:lnRef>
-          <a:fillRef idx="1">
-            <a:schemeClr val="lt1"/>
-          </a:fillRef>
-          <a:effectRef idx="0">
-            <a:schemeClr val="dk1"/>
-          </a:effectRef>
-          <a:fontRef idx="minor">
-            <a:schemeClr val="dk1"/>
-          </a:fontRef>
-        </p:style>
-        <p:txBody>
-          <a:bodyPr rtlCol="0" anchor="ctr"/>
-          <a:lstStyle/>
-          <a:p>
-            <a:pPr algn="ctr"/>
-            <a:r>
-              <a:rPr lang="ko-KR" altLang="en-US" sz="1100" dirty="0" smtClean="0"/>
-              <a:t>검사결과</a:t>
-            </a:r>
-            <a:endParaRPr lang="en-US" altLang="ko-KR" sz="1100" dirty="0" smtClean="0"/>
-          </a:p>
-          <a:p>
-            <a:pPr algn="ctr"/>
-            <a:r>
-              <a:rPr lang="ko-KR" altLang="en-US" sz="1100" dirty="0" smtClean="0"/>
-              <a:t>확인</a:t>
-            </a:r>
-            <a:endParaRPr lang="ko-KR" altLang="en-US" sz="1100" dirty="0"/>
-          </a:p>
-        </p:txBody>
-      </p:sp>
       <p:cxnSp>
         <p:nvCxnSpPr>
           <p:cNvPr id="324" name="구부러진 연결선 323"/>
@@ -7881,398 +7164,728 @@
           </a:fontRef>
         </p:style>
       </p:cxnSp>
-      <p:sp>
-        <p:nvSpPr>
-          <p:cNvPr id="115" name="타원 114"/>
-          <p:cNvSpPr/>
+      <p:grpSp>
+        <p:nvGrpSpPr>
+          <p:cNvPr id="20" name="그룹 19"/>
+          <p:cNvGrpSpPr/>
           <p:nvPr/>
-        </p:nvSpPr>
-        <p:spPr>
+        </p:nvGrpSpPr>
+        <p:grpSpPr>
           <a:xfrm>
-            <a:off x="752754" y="3148151"/>
-            <a:ext cx="1466242" cy="558904"/>
-          </a:xfrm>
-          <a:prstGeom prst="ellipse">
-            <a:avLst/>
-          </a:prstGeom>
-        </p:spPr>
-        <p:style>
-          <a:lnRef idx="2">
-            <a:schemeClr val="dk1"/>
-          </a:lnRef>
-          <a:fillRef idx="1">
-            <a:schemeClr val="lt1"/>
-          </a:fillRef>
-          <a:effectRef idx="0">
-            <a:schemeClr val="dk1"/>
-          </a:effectRef>
-          <a:fontRef idx="minor">
-            <a:schemeClr val="dk1"/>
-          </a:fontRef>
-        </p:style>
-        <p:txBody>
-          <a:bodyPr rtlCol="0" anchor="ctr"/>
-          <a:lstStyle/>
-          <a:p>
-            <a:pPr algn="ctr"/>
-            <a:r>
-              <a:rPr lang="ko-KR" altLang="en-US" sz="1100" dirty="0" smtClean="0"/>
-              <a:t>마음건강검사</a:t>
-            </a:r>
-            <a:endParaRPr lang="en-US" altLang="ko-KR" sz="1100" dirty="0" smtClean="0"/>
-          </a:p>
-          <a:p>
-            <a:pPr algn="ctr"/>
-            <a:r>
-              <a:rPr lang="ko-KR" altLang="en-US" sz="1100" dirty="0" smtClean="0"/>
-              <a:t>실시</a:t>
-            </a:r>
-            <a:endParaRPr lang="ko-KR" altLang="en-US" sz="1100" dirty="0"/>
-          </a:p>
-        </p:txBody>
-      </p:sp>
-      <p:sp>
-        <p:nvSpPr>
-          <p:cNvPr id="110" name="타원 109"/>
-          <p:cNvSpPr/>
+            <a:off x="255073" y="222377"/>
+            <a:ext cx="3738503" cy="1751298"/>
+            <a:chOff x="255073" y="222377"/>
+            <a:chExt cx="3738503" cy="1751298"/>
+          </a:xfrm>
+        </p:grpSpPr>
+        <p:sp>
+          <p:nvSpPr>
+            <p:cNvPr id="34" name="직사각형 33"/>
+            <p:cNvSpPr/>
+            <p:nvPr/>
+          </p:nvSpPr>
+          <p:spPr>
+            <a:xfrm>
+              <a:off x="255073" y="222377"/>
+              <a:ext cx="3738503" cy="1751298"/>
+            </a:xfrm>
+            <a:prstGeom prst="rect">
+              <a:avLst/>
+            </a:prstGeom>
+          </p:spPr>
+          <p:style>
+            <a:lnRef idx="2">
+              <a:schemeClr val="dk1"/>
+            </a:lnRef>
+            <a:fillRef idx="1">
+              <a:schemeClr val="lt1"/>
+            </a:fillRef>
+            <a:effectRef idx="0">
+              <a:schemeClr val="dk1"/>
+            </a:effectRef>
+            <a:fontRef idx="minor">
+              <a:schemeClr val="dk1"/>
+            </a:fontRef>
+          </p:style>
+          <p:txBody>
+            <a:bodyPr rtlCol="0" anchor="t"/>
+            <a:lstStyle/>
+            <a:p>
+              <a:pPr algn="ctr"/>
+              <a:r>
+                <a:rPr lang="ko-KR" altLang="en-US" sz="1200" smtClean="0"/>
+                <a:t>마이페이지</a:t>
+              </a:r>
+              <a:endParaRPr lang="ko-KR" altLang="en-US" sz="1200" dirty="0"/>
+            </a:p>
+          </p:txBody>
+        </p:sp>
+        <p:sp>
+          <p:nvSpPr>
+            <p:cNvPr id="83" name="타원 82"/>
+            <p:cNvSpPr/>
+            <p:nvPr/>
+          </p:nvSpPr>
+          <p:spPr>
+            <a:xfrm>
+              <a:off x="369289" y="385060"/>
+              <a:ext cx="1127782" cy="615167"/>
+            </a:xfrm>
+            <a:prstGeom prst="ellipse">
+              <a:avLst/>
+            </a:prstGeom>
+          </p:spPr>
+          <p:style>
+            <a:lnRef idx="2">
+              <a:schemeClr val="dk1"/>
+            </a:lnRef>
+            <a:fillRef idx="1">
+              <a:schemeClr val="lt1"/>
+            </a:fillRef>
+            <a:effectRef idx="0">
+              <a:schemeClr val="dk1"/>
+            </a:effectRef>
+            <a:fontRef idx="minor">
+              <a:schemeClr val="dk1"/>
+            </a:fontRef>
+          </p:style>
+          <p:txBody>
+            <a:bodyPr rtlCol="0" anchor="ctr"/>
+            <a:lstStyle/>
+            <a:p>
+              <a:pPr algn="ctr"/>
+              <a:r>
+                <a:rPr lang="ko-KR" altLang="en-US" sz="1100" dirty="0" smtClean="0"/>
+                <a:t>비밀번호 </a:t>
+              </a:r>
+              <a:endParaRPr lang="en-US" altLang="ko-KR" sz="1100" dirty="0" smtClean="0"/>
+            </a:p>
+            <a:p>
+              <a:pPr algn="ctr"/>
+              <a:r>
+                <a:rPr lang="ko-KR" altLang="en-US" sz="1100" dirty="0" smtClean="0"/>
+                <a:t>수정</a:t>
+              </a:r>
+              <a:endParaRPr lang="en-US" altLang="ko-KR" sz="1100" dirty="0" smtClean="0"/>
+            </a:p>
+          </p:txBody>
+        </p:sp>
+        <p:sp>
+          <p:nvSpPr>
+            <p:cNvPr id="84" name="타원 83"/>
+            <p:cNvSpPr/>
+            <p:nvPr/>
+          </p:nvSpPr>
+          <p:spPr>
+            <a:xfrm>
+              <a:off x="361831" y="1197549"/>
+              <a:ext cx="1127782" cy="615167"/>
+            </a:xfrm>
+            <a:prstGeom prst="ellipse">
+              <a:avLst/>
+            </a:prstGeom>
+          </p:spPr>
+          <p:style>
+            <a:lnRef idx="2">
+              <a:schemeClr val="dk1"/>
+            </a:lnRef>
+            <a:fillRef idx="1">
+              <a:schemeClr val="lt1"/>
+            </a:fillRef>
+            <a:effectRef idx="0">
+              <a:schemeClr val="dk1"/>
+            </a:effectRef>
+            <a:fontRef idx="minor">
+              <a:schemeClr val="dk1"/>
+            </a:fontRef>
+          </p:style>
+          <p:txBody>
+            <a:bodyPr rtlCol="0" anchor="ctr"/>
+            <a:lstStyle/>
+            <a:p>
+              <a:pPr algn="ctr"/>
+              <a:r>
+                <a:rPr lang="ko-KR" altLang="en-US" sz="1100" dirty="0" smtClean="0"/>
+                <a:t>개인</a:t>
+              </a:r>
+              <a:r>
+                <a:rPr lang="ko-KR" altLang="en-US" sz="1100" dirty="0" smtClean="0"/>
+                <a:t>정보</a:t>
+              </a:r>
+              <a:endParaRPr lang="en-US" altLang="ko-KR" sz="1100" dirty="0" smtClean="0"/>
+            </a:p>
+            <a:p>
+              <a:pPr algn="ctr"/>
+              <a:r>
+                <a:rPr lang="ko-KR" altLang="en-US" sz="1100" dirty="0" smtClean="0"/>
+                <a:t>수정</a:t>
+              </a:r>
+              <a:endParaRPr lang="ko-KR" altLang="en-US" sz="1100" dirty="0"/>
+            </a:p>
+          </p:txBody>
+        </p:sp>
+        <p:sp>
+          <p:nvSpPr>
+            <p:cNvPr id="88" name="타원 87"/>
+            <p:cNvSpPr/>
+            <p:nvPr/>
+          </p:nvSpPr>
+          <p:spPr>
+            <a:xfrm>
+              <a:off x="2739069" y="442634"/>
+              <a:ext cx="1130540" cy="615167"/>
+            </a:xfrm>
+            <a:prstGeom prst="ellipse">
+              <a:avLst/>
+            </a:prstGeom>
+          </p:spPr>
+          <p:style>
+            <a:lnRef idx="2">
+              <a:schemeClr val="dk1"/>
+            </a:lnRef>
+            <a:fillRef idx="1">
+              <a:schemeClr val="lt1"/>
+            </a:fillRef>
+            <a:effectRef idx="0">
+              <a:schemeClr val="dk1"/>
+            </a:effectRef>
+            <a:fontRef idx="minor">
+              <a:schemeClr val="dk1"/>
+            </a:fontRef>
+          </p:style>
+          <p:txBody>
+            <a:bodyPr rtlCol="0" anchor="ctr"/>
+            <a:lstStyle/>
+            <a:p>
+              <a:pPr algn="ctr"/>
+              <a:r>
+                <a:rPr lang="ko-KR" altLang="en-US" sz="1100" dirty="0"/>
+                <a:t>게시판</a:t>
+              </a:r>
+              <a:endParaRPr lang="en-US" altLang="ko-KR" sz="1100" dirty="0"/>
+            </a:p>
+            <a:p>
+              <a:pPr algn="ctr"/>
+              <a:r>
+                <a:rPr lang="ko-KR" altLang="en-US" sz="1100" dirty="0" smtClean="0"/>
+                <a:t>상담 내역</a:t>
+              </a:r>
+              <a:endParaRPr lang="ko-KR" altLang="en-US" sz="1100" dirty="0"/>
+            </a:p>
+          </p:txBody>
+        </p:sp>
+        <p:sp>
+          <p:nvSpPr>
+            <p:cNvPr id="91" name="타원 90"/>
+            <p:cNvSpPr/>
+            <p:nvPr/>
+          </p:nvSpPr>
+          <p:spPr>
+            <a:xfrm>
+              <a:off x="2841065" y="1178855"/>
+              <a:ext cx="1130540" cy="611394"/>
+            </a:xfrm>
+            <a:prstGeom prst="ellipse">
+              <a:avLst/>
+            </a:prstGeom>
+          </p:spPr>
+          <p:style>
+            <a:lnRef idx="2">
+              <a:schemeClr val="dk1"/>
+            </a:lnRef>
+            <a:fillRef idx="1">
+              <a:schemeClr val="lt1"/>
+            </a:fillRef>
+            <a:effectRef idx="0">
+              <a:schemeClr val="dk1"/>
+            </a:effectRef>
+            <a:fontRef idx="minor">
+              <a:schemeClr val="dk1"/>
+            </a:fontRef>
+          </p:style>
+          <p:txBody>
+            <a:bodyPr rtlCol="0" anchor="ctr"/>
+            <a:lstStyle/>
+            <a:p>
+              <a:pPr algn="ctr"/>
+              <a:r>
+                <a:rPr lang="ko-KR" altLang="en-US" sz="1100" dirty="0" smtClean="0"/>
+                <a:t>상담 일정</a:t>
+              </a:r>
+              <a:endParaRPr lang="en-US" altLang="ko-KR" sz="1100" dirty="0" smtClean="0"/>
+            </a:p>
+          </p:txBody>
+        </p:sp>
+        <p:sp>
+          <p:nvSpPr>
+            <p:cNvPr id="169" name="타원 168"/>
+            <p:cNvSpPr/>
+            <p:nvPr/>
+          </p:nvSpPr>
+          <p:spPr>
+            <a:xfrm>
+              <a:off x="1563730" y="528003"/>
+              <a:ext cx="1127782" cy="615167"/>
+            </a:xfrm>
+            <a:prstGeom prst="ellipse">
+              <a:avLst/>
+            </a:prstGeom>
+          </p:spPr>
+          <p:style>
+            <a:lnRef idx="2">
+              <a:schemeClr val="dk1"/>
+            </a:lnRef>
+            <a:fillRef idx="1">
+              <a:schemeClr val="lt1"/>
+            </a:fillRef>
+            <a:effectRef idx="0">
+              <a:schemeClr val="dk1"/>
+            </a:effectRef>
+            <a:fontRef idx="minor">
+              <a:schemeClr val="dk1"/>
+            </a:fontRef>
+          </p:style>
+          <p:txBody>
+            <a:bodyPr rtlCol="0" anchor="ctr"/>
+            <a:lstStyle/>
+            <a:p>
+              <a:pPr algn="ctr"/>
+              <a:r>
+                <a:rPr lang="ko-KR" altLang="en-US" sz="1100" dirty="0" smtClean="0"/>
+                <a:t>회원탈퇴</a:t>
+              </a:r>
+              <a:endParaRPr lang="ko-KR" altLang="en-US" sz="1100" dirty="0"/>
+            </a:p>
+          </p:txBody>
+        </p:sp>
+        <p:sp>
+          <p:nvSpPr>
+            <p:cNvPr id="120" name="타원 119"/>
+            <p:cNvSpPr/>
+            <p:nvPr/>
+          </p:nvSpPr>
+          <p:spPr>
+            <a:xfrm>
+              <a:off x="1587028" y="1210306"/>
+              <a:ext cx="1196356" cy="650249"/>
+            </a:xfrm>
+            <a:prstGeom prst="ellipse">
+              <a:avLst/>
+            </a:prstGeom>
+          </p:spPr>
+          <p:style>
+            <a:lnRef idx="2">
+              <a:schemeClr val="dk1"/>
+            </a:lnRef>
+            <a:fillRef idx="1">
+              <a:schemeClr val="lt1"/>
+            </a:fillRef>
+            <a:effectRef idx="0">
+              <a:schemeClr val="dk1"/>
+            </a:effectRef>
+            <a:fontRef idx="minor">
+              <a:schemeClr val="dk1"/>
+            </a:fontRef>
+          </p:style>
+          <p:txBody>
+            <a:bodyPr rtlCol="0" anchor="ctr"/>
+            <a:lstStyle/>
+            <a:p>
+              <a:pPr algn="ctr"/>
+              <a:r>
+                <a:rPr lang="ko-KR" altLang="en-US" sz="1100" dirty="0" err="1" smtClean="0"/>
+                <a:t>스</a:t>
+              </a:r>
+              <a:r>
+                <a:rPr lang="ko-KR" altLang="en-US" sz="1100" dirty="0" err="1"/>
+                <a:t>윗</a:t>
+              </a:r>
+              <a:r>
+                <a:rPr lang="en-US" altLang="ko-KR" sz="1100" dirty="0" smtClean="0"/>
+                <a:t>(</a:t>
+              </a:r>
+              <a:r>
+                <a:rPr lang="en-US" altLang="ko-KR" sz="1100" dirty="0" err="1" smtClean="0"/>
+                <a:t>SWeeT</a:t>
+              </a:r>
+              <a:r>
+                <a:rPr lang="en-US" altLang="ko-KR" sz="1100" dirty="0" smtClean="0"/>
+                <a:t>)</a:t>
+              </a:r>
+              <a:endParaRPr lang="en-US" altLang="ko-KR" sz="1100" dirty="0" smtClean="0"/>
+            </a:p>
+            <a:p>
+              <a:pPr algn="ctr"/>
+              <a:r>
+                <a:rPr lang="ko-KR" altLang="en-US" sz="1100" dirty="0" smtClean="0"/>
+                <a:t>닉네임</a:t>
+              </a:r>
+              <a:endParaRPr lang="en-US" altLang="ko-KR" sz="1100" dirty="0" smtClean="0"/>
+            </a:p>
+            <a:p>
+              <a:pPr algn="ctr"/>
+              <a:r>
+                <a:rPr lang="ko-KR" altLang="en-US" sz="1100" dirty="0" smtClean="0"/>
+                <a:t>수정</a:t>
+              </a:r>
+              <a:endParaRPr lang="ko-KR" altLang="en-US" sz="1100" dirty="0"/>
+            </a:p>
+          </p:txBody>
+        </p:sp>
+      </p:grpSp>
+      <p:grpSp>
+        <p:nvGrpSpPr>
+          <p:cNvPr id="29" name="그룹 28"/>
+          <p:cNvGrpSpPr/>
           <p:nvPr/>
-        </p:nvSpPr>
-        <p:spPr>
+        </p:nvGrpSpPr>
+        <p:grpSpPr>
           <a:xfrm>
-            <a:off x="8987606" y="3499478"/>
-            <a:ext cx="1428549" cy="587123"/>
-          </a:xfrm>
-          <a:prstGeom prst="ellipse">
-            <a:avLst/>
-          </a:prstGeom>
-        </p:spPr>
-        <p:style>
-          <a:lnRef idx="2">
-            <a:schemeClr val="dk1"/>
-          </a:lnRef>
-          <a:fillRef idx="1">
-            <a:schemeClr val="lt1"/>
-          </a:fillRef>
-          <a:effectRef idx="0">
-            <a:schemeClr val="dk1"/>
-          </a:effectRef>
-          <a:fontRef idx="minor">
-            <a:schemeClr val="dk1"/>
-          </a:fontRef>
-        </p:style>
-        <p:txBody>
-          <a:bodyPr rtlCol="0" anchor="ctr"/>
-          <a:lstStyle/>
-          <a:p>
-            <a:pPr algn="ctr"/>
-            <a:r>
-              <a:rPr lang="ko-KR" altLang="en-US" sz="1100" dirty="0" smtClean="0"/>
-              <a:t>상담 전문성</a:t>
-            </a:r>
-            <a:endParaRPr lang="en-US" altLang="ko-KR" sz="1100" dirty="0" smtClean="0"/>
-          </a:p>
-          <a:p>
-            <a:pPr algn="ctr"/>
-            <a:r>
-              <a:rPr lang="ko-KR" altLang="en-US" sz="1100" dirty="0" smtClean="0"/>
-              <a:t>공유 게시판</a:t>
-            </a:r>
-            <a:endParaRPr lang="ko-KR" altLang="en-US" sz="1100" dirty="0"/>
-          </a:p>
-        </p:txBody>
-      </p:sp>
-      <p:sp>
-        <p:nvSpPr>
-          <p:cNvPr id="111" name="타원 110"/>
-          <p:cNvSpPr/>
-          <p:nvPr/>
-        </p:nvSpPr>
-        <p:spPr>
-          <a:xfrm>
-            <a:off x="9016961" y="4190437"/>
-            <a:ext cx="1428549" cy="587123"/>
-          </a:xfrm>
-          <a:prstGeom prst="ellipse">
-            <a:avLst/>
-          </a:prstGeom>
-        </p:spPr>
-        <p:style>
-          <a:lnRef idx="2">
-            <a:schemeClr val="dk1"/>
-          </a:lnRef>
-          <a:fillRef idx="1">
-            <a:schemeClr val="lt1"/>
-          </a:fillRef>
-          <a:effectRef idx="0">
-            <a:schemeClr val="dk1"/>
-          </a:effectRef>
-          <a:fontRef idx="minor">
-            <a:schemeClr val="dk1"/>
-          </a:fontRef>
-        </p:style>
-        <p:txBody>
-          <a:bodyPr rtlCol="0" anchor="ctr"/>
-          <a:lstStyle/>
-          <a:p>
-            <a:pPr algn="ctr"/>
-            <a:r>
-              <a:rPr lang="ko-KR" altLang="en-US" sz="1100" dirty="0" smtClean="0"/>
-              <a:t>서식</a:t>
-            </a:r>
-            <a:endParaRPr lang="en-US" altLang="ko-KR" sz="1100" dirty="0" smtClean="0"/>
-          </a:p>
-          <a:p>
-            <a:pPr algn="ctr"/>
-            <a:r>
-              <a:rPr lang="ko-KR" altLang="en-US" sz="1100" dirty="0" smtClean="0"/>
-              <a:t>공유 게시판</a:t>
-            </a:r>
-            <a:endParaRPr lang="en-US" altLang="ko-KR" sz="1100" dirty="0" smtClean="0"/>
-          </a:p>
-        </p:txBody>
-      </p:sp>
-      <p:sp>
-        <p:nvSpPr>
-          <p:cNvPr id="114" name="타원 113"/>
-          <p:cNvSpPr/>
-          <p:nvPr/>
-        </p:nvSpPr>
-        <p:spPr>
-          <a:xfrm>
-            <a:off x="9019847" y="4885627"/>
-            <a:ext cx="1428549" cy="587123"/>
-          </a:xfrm>
-          <a:prstGeom prst="ellipse">
-            <a:avLst/>
-          </a:prstGeom>
-        </p:spPr>
-        <p:style>
-          <a:lnRef idx="2">
-            <a:schemeClr val="dk1"/>
-          </a:lnRef>
-          <a:fillRef idx="1">
-            <a:schemeClr val="lt1"/>
-          </a:fillRef>
-          <a:effectRef idx="0">
-            <a:schemeClr val="dk1"/>
-          </a:effectRef>
-          <a:fontRef idx="minor">
-            <a:schemeClr val="dk1"/>
-          </a:fontRef>
-        </p:style>
-        <p:txBody>
-          <a:bodyPr rtlCol="0" anchor="ctr"/>
-          <a:lstStyle/>
-          <a:p>
-            <a:pPr algn="ctr"/>
-            <a:r>
-              <a:rPr lang="ko-KR" altLang="en-US" sz="1100" dirty="0" smtClean="0"/>
-              <a:t>자유 게시판</a:t>
-            </a:r>
-            <a:endParaRPr lang="en-US" altLang="ko-KR" sz="1100" dirty="0" smtClean="0"/>
-          </a:p>
-        </p:txBody>
-      </p:sp>
-      <p:sp>
-        <p:nvSpPr>
-          <p:cNvPr id="119" name="타원 118"/>
-          <p:cNvSpPr/>
-          <p:nvPr/>
-        </p:nvSpPr>
-        <p:spPr>
-          <a:xfrm>
-            <a:off x="10618888" y="2829933"/>
-            <a:ext cx="874394" cy="587123"/>
-          </a:xfrm>
-          <a:prstGeom prst="ellipse">
-            <a:avLst/>
-          </a:prstGeom>
-        </p:spPr>
-        <p:style>
-          <a:lnRef idx="2">
-            <a:schemeClr val="dk1"/>
-          </a:lnRef>
-          <a:fillRef idx="1">
-            <a:schemeClr val="lt1"/>
-          </a:fillRef>
-          <a:effectRef idx="0">
-            <a:schemeClr val="dk1"/>
-          </a:effectRef>
-          <a:fontRef idx="minor">
-            <a:schemeClr val="dk1"/>
-          </a:fontRef>
-        </p:style>
-        <p:txBody>
-          <a:bodyPr rtlCol="0" anchor="ctr"/>
-          <a:lstStyle/>
-          <a:p>
-            <a:pPr algn="ctr"/>
-            <a:r>
-              <a:rPr lang="ko-KR" altLang="en-US" sz="1100" dirty="0" smtClean="0"/>
-              <a:t>닉네임</a:t>
-            </a:r>
-            <a:endParaRPr lang="en-US" altLang="ko-KR" sz="1100" dirty="0" smtClean="0"/>
-          </a:p>
-          <a:p>
-            <a:pPr algn="ctr"/>
-            <a:r>
-              <a:rPr lang="ko-KR" altLang="en-US" sz="1100" dirty="0" smtClean="0"/>
-              <a:t>등록</a:t>
-            </a:r>
-            <a:endParaRPr lang="ko-KR" altLang="en-US" sz="1100" dirty="0"/>
-          </a:p>
-        </p:txBody>
-      </p:sp>
-      <p:sp>
-        <p:nvSpPr>
-          <p:cNvPr id="120" name="타원 119"/>
-          <p:cNvSpPr/>
-          <p:nvPr/>
-        </p:nvSpPr>
-        <p:spPr>
-          <a:xfrm>
-            <a:off x="10618888" y="3507314"/>
-            <a:ext cx="874394" cy="587123"/>
-          </a:xfrm>
-          <a:prstGeom prst="ellipse">
-            <a:avLst/>
-          </a:prstGeom>
-        </p:spPr>
-        <p:style>
-          <a:lnRef idx="2">
-            <a:schemeClr val="dk1"/>
-          </a:lnRef>
-          <a:fillRef idx="1">
-            <a:schemeClr val="lt1"/>
-          </a:fillRef>
-          <a:effectRef idx="0">
-            <a:schemeClr val="dk1"/>
-          </a:effectRef>
-          <a:fontRef idx="minor">
-            <a:schemeClr val="dk1"/>
-          </a:fontRef>
-        </p:style>
-        <p:txBody>
-          <a:bodyPr rtlCol="0" anchor="ctr"/>
-          <a:lstStyle/>
-          <a:p>
-            <a:pPr algn="ctr"/>
-            <a:r>
-              <a:rPr lang="ko-KR" altLang="en-US" sz="1100" dirty="0" smtClean="0"/>
-              <a:t>닉네임</a:t>
-            </a:r>
-            <a:endParaRPr lang="en-US" altLang="ko-KR" sz="1100" dirty="0" smtClean="0"/>
-          </a:p>
-          <a:p>
-            <a:pPr algn="ctr"/>
-            <a:r>
-              <a:rPr lang="ko-KR" altLang="en-US" sz="1100" dirty="0" smtClean="0"/>
-              <a:t>수정</a:t>
-            </a:r>
-            <a:endParaRPr lang="ko-KR" altLang="en-US" sz="1100" dirty="0"/>
-          </a:p>
-        </p:txBody>
-      </p:sp>
-      <p:sp>
-        <p:nvSpPr>
-          <p:cNvPr id="121" name="타원 120"/>
-          <p:cNvSpPr/>
-          <p:nvPr/>
-        </p:nvSpPr>
-        <p:spPr>
-          <a:xfrm>
-            <a:off x="10619994" y="4190437"/>
-            <a:ext cx="874394" cy="587123"/>
-          </a:xfrm>
-          <a:prstGeom prst="ellipse">
-            <a:avLst/>
-          </a:prstGeom>
-        </p:spPr>
-        <p:style>
-          <a:lnRef idx="2">
-            <a:schemeClr val="dk1"/>
-          </a:lnRef>
-          <a:fillRef idx="1">
-            <a:schemeClr val="lt1"/>
-          </a:fillRef>
-          <a:effectRef idx="0">
-            <a:schemeClr val="dk1"/>
-          </a:effectRef>
-          <a:fontRef idx="minor">
-            <a:schemeClr val="dk1"/>
-          </a:fontRef>
-        </p:style>
-        <p:txBody>
-          <a:bodyPr rtlCol="0" anchor="ctr"/>
-          <a:lstStyle/>
-          <a:p>
-            <a:pPr algn="ctr"/>
-            <a:r>
-              <a:rPr lang="ko-KR" altLang="en-US" sz="1100" dirty="0" smtClean="0"/>
-              <a:t>통합</a:t>
-            </a:r>
-            <a:endParaRPr lang="en-US" altLang="ko-KR" sz="1100" dirty="0" smtClean="0"/>
-          </a:p>
-          <a:p>
-            <a:pPr algn="ctr"/>
-            <a:r>
-              <a:rPr lang="ko-KR" altLang="en-US" sz="1100" dirty="0" smtClean="0"/>
-              <a:t>조회</a:t>
-            </a:r>
-            <a:endParaRPr lang="en-US" altLang="ko-KR" sz="1100" dirty="0" smtClean="0"/>
-          </a:p>
-        </p:txBody>
-      </p:sp>
-      <p:sp>
-        <p:nvSpPr>
-          <p:cNvPr id="124" name="타원 123"/>
-          <p:cNvSpPr/>
-          <p:nvPr/>
-        </p:nvSpPr>
-        <p:spPr>
-          <a:xfrm>
-            <a:off x="10507162" y="4885626"/>
-            <a:ext cx="1087543" cy="587123"/>
-          </a:xfrm>
-          <a:prstGeom prst="ellipse">
-            <a:avLst/>
-          </a:prstGeom>
-        </p:spPr>
-        <p:style>
-          <a:lnRef idx="2">
-            <a:schemeClr val="dk1"/>
-          </a:lnRef>
-          <a:fillRef idx="1">
-            <a:schemeClr val="lt1"/>
-          </a:fillRef>
-          <a:effectRef idx="0">
-            <a:schemeClr val="dk1"/>
-          </a:effectRef>
-          <a:fontRef idx="minor">
-            <a:schemeClr val="dk1"/>
-          </a:fontRef>
-        </p:style>
-        <p:txBody>
-          <a:bodyPr rtlCol="0" anchor="ctr"/>
-          <a:lstStyle/>
-          <a:p>
-            <a:pPr algn="ctr"/>
-            <a:r>
-              <a:rPr lang="ko-KR" altLang="en-US" sz="1100" dirty="0" smtClean="0"/>
-              <a:t>이모티콘</a:t>
-            </a:r>
-            <a:endParaRPr lang="en-US" altLang="ko-KR" sz="1100" dirty="0" smtClean="0"/>
-          </a:p>
-          <a:p>
-            <a:pPr algn="ctr"/>
-            <a:r>
-              <a:rPr lang="ko-KR" altLang="en-US" sz="1100" dirty="0" smtClean="0"/>
-              <a:t>등록</a:t>
-            </a:r>
-            <a:endParaRPr lang="en-US" altLang="ko-KR" sz="1100" dirty="0" smtClean="0"/>
-          </a:p>
-        </p:txBody>
-      </p:sp>
+            <a:off x="8836012" y="2638234"/>
+            <a:ext cx="3093213" cy="2420220"/>
+            <a:chOff x="8903863" y="2570042"/>
+            <a:chExt cx="3093213" cy="2420220"/>
+          </a:xfrm>
+        </p:grpSpPr>
+        <p:sp>
+          <p:nvSpPr>
+            <p:cNvPr id="44" name="직사각형 43"/>
+            <p:cNvSpPr/>
+            <p:nvPr/>
+          </p:nvSpPr>
+          <p:spPr>
+            <a:xfrm>
+              <a:off x="8903863" y="2570042"/>
+              <a:ext cx="3093213" cy="2420220"/>
+            </a:xfrm>
+            <a:prstGeom prst="rect">
+              <a:avLst/>
+            </a:prstGeom>
+          </p:spPr>
+          <p:style>
+            <a:lnRef idx="2">
+              <a:schemeClr val="dk1"/>
+            </a:lnRef>
+            <a:fillRef idx="1">
+              <a:schemeClr val="lt1"/>
+            </a:fillRef>
+            <a:effectRef idx="0">
+              <a:schemeClr val="dk1"/>
+            </a:effectRef>
+            <a:fontRef idx="minor">
+              <a:schemeClr val="dk1"/>
+            </a:fontRef>
+          </p:style>
+          <p:txBody>
+            <a:bodyPr rtlCol="0" anchor="t"/>
+            <a:lstStyle/>
+            <a:p>
+              <a:pPr algn="ctr"/>
+              <a:r>
+                <a:rPr lang="ko-KR" altLang="en-US" sz="1200" dirty="0" smtClean="0"/>
+                <a:t>스윗</a:t>
+              </a:r>
+              <a:r>
+                <a:rPr lang="en-US" altLang="ko-KR" sz="1200" dirty="0" smtClean="0"/>
+                <a:t>(SWeeT)</a:t>
+              </a:r>
+              <a:endParaRPr lang="ko-KR" altLang="en-US" sz="1200" dirty="0"/>
+            </a:p>
+          </p:txBody>
+        </p:sp>
+        <p:sp>
+          <p:nvSpPr>
+            <p:cNvPr id="59" name="타원 58"/>
+            <p:cNvSpPr/>
+            <p:nvPr/>
+          </p:nvSpPr>
+          <p:spPr>
+            <a:xfrm>
+              <a:off x="9016962" y="2828097"/>
+              <a:ext cx="1428549" cy="587123"/>
+            </a:xfrm>
+            <a:prstGeom prst="ellipse">
+              <a:avLst/>
+            </a:prstGeom>
+          </p:spPr>
+          <p:style>
+            <a:lnRef idx="2">
+              <a:schemeClr val="dk1"/>
+            </a:lnRef>
+            <a:fillRef idx="1">
+              <a:schemeClr val="lt1"/>
+            </a:fillRef>
+            <a:effectRef idx="0">
+              <a:schemeClr val="dk1"/>
+            </a:effectRef>
+            <a:fontRef idx="minor">
+              <a:schemeClr val="dk1"/>
+            </a:fontRef>
+          </p:style>
+          <p:txBody>
+            <a:bodyPr rtlCol="0" anchor="ctr"/>
+            <a:lstStyle/>
+            <a:p>
+              <a:pPr algn="ctr"/>
+              <a:r>
+                <a:rPr lang="ko-KR" altLang="en-US" sz="1100" dirty="0" smtClean="0"/>
+                <a:t>학교 업무</a:t>
+              </a:r>
+              <a:endParaRPr lang="en-US" altLang="ko-KR" sz="1100" dirty="0"/>
+            </a:p>
+            <a:p>
+              <a:pPr algn="ctr"/>
+              <a:r>
+                <a:rPr lang="ko-KR" altLang="en-US" sz="1100" dirty="0" smtClean="0"/>
+                <a:t>공유 게시판</a:t>
+              </a:r>
+              <a:endParaRPr lang="ko-KR" altLang="en-US" sz="1100" dirty="0"/>
+            </a:p>
+          </p:txBody>
+        </p:sp>
+        <p:sp>
+          <p:nvSpPr>
+            <p:cNvPr id="110" name="타원 109"/>
+            <p:cNvSpPr/>
+            <p:nvPr/>
+          </p:nvSpPr>
+          <p:spPr>
+            <a:xfrm>
+              <a:off x="9045726" y="3500982"/>
+              <a:ext cx="1428549" cy="587123"/>
+            </a:xfrm>
+            <a:prstGeom prst="ellipse">
+              <a:avLst/>
+            </a:prstGeom>
+          </p:spPr>
+          <p:style>
+            <a:lnRef idx="2">
+              <a:schemeClr val="dk1"/>
+            </a:lnRef>
+            <a:fillRef idx="1">
+              <a:schemeClr val="lt1"/>
+            </a:fillRef>
+            <a:effectRef idx="0">
+              <a:schemeClr val="dk1"/>
+            </a:effectRef>
+            <a:fontRef idx="minor">
+              <a:schemeClr val="dk1"/>
+            </a:fontRef>
+          </p:style>
+          <p:txBody>
+            <a:bodyPr rtlCol="0" anchor="ctr"/>
+            <a:lstStyle/>
+            <a:p>
+              <a:pPr algn="ctr"/>
+              <a:r>
+                <a:rPr lang="ko-KR" altLang="en-US" sz="1100" dirty="0" smtClean="0"/>
+                <a:t>상담 전문성</a:t>
+              </a:r>
+              <a:endParaRPr lang="en-US" altLang="ko-KR" sz="1100" dirty="0" smtClean="0"/>
+            </a:p>
+            <a:p>
+              <a:pPr algn="ctr"/>
+              <a:r>
+                <a:rPr lang="ko-KR" altLang="en-US" sz="1100" dirty="0" smtClean="0"/>
+                <a:t>공유 게시판</a:t>
+              </a:r>
+              <a:endParaRPr lang="ko-KR" altLang="en-US" sz="1100" dirty="0"/>
+            </a:p>
+          </p:txBody>
+        </p:sp>
+        <p:sp>
+          <p:nvSpPr>
+            <p:cNvPr id="111" name="타원 110"/>
+            <p:cNvSpPr/>
+            <p:nvPr/>
+          </p:nvSpPr>
+          <p:spPr>
+            <a:xfrm>
+              <a:off x="10509498" y="4206473"/>
+              <a:ext cx="1428549" cy="587123"/>
+            </a:xfrm>
+            <a:prstGeom prst="ellipse">
+              <a:avLst/>
+            </a:prstGeom>
+          </p:spPr>
+          <p:style>
+            <a:lnRef idx="2">
+              <a:schemeClr val="dk1"/>
+            </a:lnRef>
+            <a:fillRef idx="1">
+              <a:schemeClr val="lt1"/>
+            </a:fillRef>
+            <a:effectRef idx="0">
+              <a:schemeClr val="dk1"/>
+            </a:effectRef>
+            <a:fontRef idx="minor">
+              <a:schemeClr val="dk1"/>
+            </a:fontRef>
+          </p:style>
+          <p:txBody>
+            <a:bodyPr rtlCol="0" anchor="ctr"/>
+            <a:lstStyle/>
+            <a:p>
+              <a:pPr algn="ctr"/>
+              <a:r>
+                <a:rPr lang="ko-KR" altLang="en-US" sz="1100" dirty="0" smtClean="0"/>
+                <a:t>서식</a:t>
+              </a:r>
+              <a:endParaRPr lang="en-US" altLang="ko-KR" sz="1100" dirty="0" smtClean="0"/>
+            </a:p>
+            <a:p>
+              <a:pPr algn="ctr"/>
+              <a:r>
+                <a:rPr lang="ko-KR" altLang="en-US" sz="1100" dirty="0" smtClean="0"/>
+                <a:t>공유 게시판</a:t>
+              </a:r>
+              <a:endParaRPr lang="en-US" altLang="ko-KR" sz="1100" dirty="0" smtClean="0"/>
+            </a:p>
+          </p:txBody>
+        </p:sp>
+        <p:sp>
+          <p:nvSpPr>
+            <p:cNvPr id="114" name="타원 113"/>
+            <p:cNvSpPr/>
+            <p:nvPr/>
+          </p:nvSpPr>
+          <p:spPr>
+            <a:xfrm>
+              <a:off x="8981983" y="4203008"/>
+              <a:ext cx="1428549" cy="587123"/>
+            </a:xfrm>
+            <a:prstGeom prst="ellipse">
+              <a:avLst/>
+            </a:prstGeom>
+          </p:spPr>
+          <p:style>
+            <a:lnRef idx="2">
+              <a:schemeClr val="dk1"/>
+            </a:lnRef>
+            <a:fillRef idx="1">
+              <a:schemeClr val="lt1"/>
+            </a:fillRef>
+            <a:effectRef idx="0">
+              <a:schemeClr val="dk1"/>
+            </a:effectRef>
+            <a:fontRef idx="minor">
+              <a:schemeClr val="dk1"/>
+            </a:fontRef>
+          </p:style>
+          <p:txBody>
+            <a:bodyPr rtlCol="0" anchor="ctr"/>
+            <a:lstStyle/>
+            <a:p>
+              <a:pPr algn="ctr"/>
+              <a:r>
+                <a:rPr lang="ko-KR" altLang="en-US" sz="1100" dirty="0" smtClean="0"/>
+                <a:t>자유 게시판</a:t>
+              </a:r>
+              <a:endParaRPr lang="en-US" altLang="ko-KR" sz="1100" dirty="0" smtClean="0"/>
+            </a:p>
+          </p:txBody>
+        </p:sp>
+        <p:sp>
+          <p:nvSpPr>
+            <p:cNvPr id="119" name="타원 118"/>
+            <p:cNvSpPr/>
+            <p:nvPr/>
+          </p:nvSpPr>
+          <p:spPr>
+            <a:xfrm>
+              <a:off x="10706210" y="2842531"/>
+              <a:ext cx="874394" cy="587123"/>
+            </a:xfrm>
+            <a:prstGeom prst="ellipse">
+              <a:avLst/>
+            </a:prstGeom>
+          </p:spPr>
+          <p:style>
+            <a:lnRef idx="2">
+              <a:schemeClr val="dk1"/>
+            </a:lnRef>
+            <a:fillRef idx="1">
+              <a:schemeClr val="lt1"/>
+            </a:fillRef>
+            <a:effectRef idx="0">
+              <a:schemeClr val="dk1"/>
+            </a:effectRef>
+            <a:fontRef idx="minor">
+              <a:schemeClr val="dk1"/>
+            </a:fontRef>
+          </p:style>
+          <p:txBody>
+            <a:bodyPr rtlCol="0" anchor="ctr"/>
+            <a:lstStyle/>
+            <a:p>
+              <a:pPr algn="ctr"/>
+              <a:r>
+                <a:rPr lang="ko-KR" altLang="en-US" sz="1100" dirty="0" smtClean="0"/>
+                <a:t>닉네임</a:t>
+              </a:r>
+              <a:endParaRPr lang="en-US" altLang="ko-KR" sz="1100" dirty="0" smtClean="0"/>
+            </a:p>
+            <a:p>
+              <a:pPr algn="ctr"/>
+              <a:r>
+                <a:rPr lang="ko-KR" altLang="en-US" sz="1100" dirty="0" smtClean="0"/>
+                <a:t>등록</a:t>
+              </a:r>
+              <a:endParaRPr lang="ko-KR" altLang="en-US" sz="1100" dirty="0"/>
+            </a:p>
+          </p:txBody>
+        </p:sp>
+        <p:sp>
+          <p:nvSpPr>
+            <p:cNvPr id="121" name="타원 120"/>
+            <p:cNvSpPr/>
+            <p:nvPr/>
+          </p:nvSpPr>
+          <p:spPr>
+            <a:xfrm>
+              <a:off x="10706210" y="3578150"/>
+              <a:ext cx="874394" cy="577594"/>
+            </a:xfrm>
+            <a:prstGeom prst="ellipse">
+              <a:avLst/>
+            </a:prstGeom>
+          </p:spPr>
+          <p:style>
+            <a:lnRef idx="2">
+              <a:schemeClr val="dk1"/>
+            </a:lnRef>
+            <a:fillRef idx="1">
+              <a:schemeClr val="lt1"/>
+            </a:fillRef>
+            <a:effectRef idx="0">
+              <a:schemeClr val="dk1"/>
+            </a:effectRef>
+            <a:fontRef idx="minor">
+              <a:schemeClr val="dk1"/>
+            </a:fontRef>
+          </p:style>
+          <p:txBody>
+            <a:bodyPr rtlCol="0" anchor="ctr"/>
+            <a:lstStyle/>
+            <a:p>
+              <a:pPr algn="ctr"/>
+              <a:r>
+                <a:rPr lang="ko-KR" altLang="en-US" sz="1100" dirty="0" smtClean="0"/>
+                <a:t>통합</a:t>
+              </a:r>
+              <a:endParaRPr lang="en-US" altLang="ko-KR" sz="1100" dirty="0" smtClean="0"/>
+            </a:p>
+            <a:p>
+              <a:pPr algn="ctr"/>
+              <a:r>
+                <a:rPr lang="ko-KR" altLang="en-US" sz="1100" dirty="0" smtClean="0"/>
+                <a:t>조회</a:t>
+              </a:r>
+              <a:endParaRPr lang="en-US" altLang="ko-KR" sz="1100" dirty="0" smtClean="0"/>
+            </a:p>
+          </p:txBody>
+        </p:sp>
+      </p:grpSp>
       <p:sp>
         <p:nvSpPr>
           <p:cNvPr id="96" name="직사각형 95"/>
@@ -8405,200 +8018,171 @@
           </a:p>
         </p:txBody>
       </p:sp>
-      <p:cxnSp>
-        <p:nvCxnSpPr>
-          <p:cNvPr id="99" name="구부러진 연결선 98"/>
-          <p:cNvCxnSpPr>
-            <a:stCxn id="91" idx="5"/>
-            <a:endCxn id="44" idx="0"/>
-          </p:cNvCxnSpPr>
+      <p:grpSp>
+        <p:nvGrpSpPr>
+          <p:cNvPr id="31" name="그룹 30"/>
+          <p:cNvGrpSpPr/>
           <p:nvPr/>
-        </p:nvCxnSpPr>
-        <p:spPr>
-          <a:xfrm rot="16200000" flipH="1">
-            <a:off x="6559015" y="-1199987"/>
-            <a:ext cx="905637" cy="6574768"/>
-          </a:xfrm>
-          <a:prstGeom prst="curvedConnector3">
-            <a:avLst>
-              <a:gd name="adj1" fmla="val 50000"/>
-            </a:avLst>
-          </a:prstGeom>
-          <a:ln w="12700" cap="flat" cmpd="sng" algn="ctr">
-            <a:solidFill>
-              <a:schemeClr val="dk1"/>
-            </a:solidFill>
-            <a:prstDash val="dash"/>
-            <a:round/>
-            <a:headEnd type="none" w="med" len="med"/>
-            <a:tailEnd type="triangle" w="med" len="med"/>
-          </a:ln>
-        </p:spPr>
-        <p:style>
-          <a:lnRef idx="0">
-            <a:scrgbClr r="0" g="0" b="0"/>
-          </a:lnRef>
-          <a:fillRef idx="0">
-            <a:scrgbClr r="0" g="0" b="0"/>
-          </a:fillRef>
-          <a:effectRef idx="0">
-            <a:scrgbClr r="0" g="0" b="0"/>
-          </a:effectRef>
-          <a:fontRef idx="minor">
-            <a:schemeClr val="tx1"/>
-          </a:fontRef>
-        </p:style>
-      </p:cxnSp>
-      <p:sp>
-        <p:nvSpPr>
-          <p:cNvPr id="125" name="직사각형 124"/>
-          <p:cNvSpPr/>
-          <p:nvPr/>
-        </p:nvSpPr>
-        <p:spPr>
+        </p:nvGrpSpPr>
+        <p:grpSpPr>
           <a:xfrm>
-            <a:off x="6586524" y="4437182"/>
-            <a:ext cx="1562130" cy="1553042"/>
-          </a:xfrm>
-          <a:prstGeom prst="rect">
-            <a:avLst/>
-          </a:prstGeom>
-        </p:spPr>
-        <p:style>
-          <a:lnRef idx="2">
-            <a:schemeClr val="dk1"/>
-          </a:lnRef>
-          <a:fillRef idx="1">
-            <a:schemeClr val="lt1"/>
-          </a:fillRef>
-          <a:effectRef idx="0">
-            <a:schemeClr val="dk1"/>
-          </a:effectRef>
-          <a:fontRef idx="minor">
-            <a:schemeClr val="dk1"/>
-          </a:fontRef>
-        </p:style>
-        <p:txBody>
-          <a:bodyPr rtlCol="0" anchor="t"/>
-          <a:lstStyle/>
-          <a:p>
-            <a:pPr algn="ctr"/>
-            <a:r>
-              <a:rPr lang="ko-KR" altLang="en-US" sz="1200" smtClean="0"/>
-              <a:t>유관기관</a:t>
-            </a:r>
-            <a:endParaRPr lang="ko-KR" altLang="en-US" sz="1200" dirty="0"/>
-          </a:p>
-        </p:txBody>
-      </p:sp>
-      <p:sp>
-        <p:nvSpPr>
-          <p:cNvPr id="126" name="타원 125"/>
-          <p:cNvSpPr/>
-          <p:nvPr/>
-        </p:nvSpPr>
-        <p:spPr>
-          <a:xfrm>
-            <a:off x="6913520" y="4762886"/>
-            <a:ext cx="898174" cy="500703"/>
-          </a:xfrm>
-          <a:prstGeom prst="ellipse">
-            <a:avLst/>
-          </a:prstGeom>
-        </p:spPr>
-        <p:style>
-          <a:lnRef idx="2">
-            <a:schemeClr val="dk1"/>
-          </a:lnRef>
-          <a:fillRef idx="1">
-            <a:schemeClr val="lt1"/>
-          </a:fillRef>
-          <a:effectRef idx="0">
-            <a:schemeClr val="dk1"/>
-          </a:effectRef>
-          <a:fontRef idx="minor">
-            <a:schemeClr val="dk1"/>
-          </a:fontRef>
-        </p:style>
-        <p:txBody>
-          <a:bodyPr rtlCol="0" anchor="ctr"/>
-          <a:lstStyle/>
-          <a:p>
-            <a:pPr algn="ctr"/>
-            <a:r>
-              <a:rPr lang="ko-KR" altLang="en-US" sz="1100" dirty="0" smtClean="0"/>
-              <a:t>기관</a:t>
-            </a:r>
-            <a:endParaRPr lang="en-US" altLang="ko-KR" sz="1100" dirty="0" smtClean="0"/>
-          </a:p>
-          <a:p>
-            <a:pPr algn="ctr"/>
-            <a:r>
-              <a:rPr lang="ko-KR" altLang="en-US" sz="1100" dirty="0" smtClean="0"/>
-              <a:t>페이지</a:t>
-            </a:r>
-            <a:endParaRPr lang="en-US" altLang="ko-KR" sz="1100" dirty="0" smtClean="0"/>
-          </a:p>
-          <a:p>
-            <a:pPr algn="ctr"/>
-            <a:r>
-              <a:rPr lang="ko-KR" altLang="en-US" sz="1100" dirty="0" smtClean="0"/>
-              <a:t>연결</a:t>
-            </a:r>
-            <a:endParaRPr lang="ko-KR" altLang="en-US" sz="1100" dirty="0"/>
-          </a:p>
-        </p:txBody>
-      </p:sp>
-      <p:sp>
-        <p:nvSpPr>
-          <p:cNvPr id="127" name="타원 126"/>
-          <p:cNvSpPr/>
-          <p:nvPr/>
-        </p:nvSpPr>
-        <p:spPr>
-          <a:xfrm>
-            <a:off x="7000208" y="5340564"/>
-            <a:ext cx="732332" cy="502989"/>
-          </a:xfrm>
-          <a:prstGeom prst="ellipse">
-            <a:avLst/>
-          </a:prstGeom>
-        </p:spPr>
-        <p:style>
-          <a:lnRef idx="2">
-            <a:schemeClr val="dk1"/>
-          </a:lnRef>
-          <a:fillRef idx="1">
-            <a:schemeClr val="lt1"/>
-          </a:fillRef>
-          <a:effectRef idx="0">
-            <a:schemeClr val="dk1"/>
-          </a:effectRef>
-          <a:fontRef idx="minor">
-            <a:schemeClr val="dk1"/>
-          </a:fontRef>
-        </p:style>
-        <p:txBody>
-          <a:bodyPr rtlCol="0" anchor="ctr"/>
-          <a:lstStyle/>
-          <a:p>
-            <a:pPr algn="ctr"/>
-            <a:r>
-              <a:rPr lang="ko-KR" altLang="en-US" sz="1100" dirty="0" smtClean="0"/>
-              <a:t>기관 </a:t>
-            </a:r>
-            <a:endParaRPr lang="en-US" altLang="ko-KR" sz="1100" dirty="0" smtClean="0"/>
-          </a:p>
-          <a:p>
-            <a:pPr algn="ctr"/>
-            <a:r>
-              <a:rPr lang="ko-KR" altLang="en-US" sz="1100" dirty="0" smtClean="0"/>
-              <a:t>조회</a:t>
-            </a:r>
-            <a:endParaRPr lang="ko-KR" altLang="en-US" sz="1100" dirty="0"/>
-          </a:p>
-        </p:txBody>
-      </p:sp>
+            <a:off x="6202637" y="4884558"/>
+            <a:ext cx="1370203" cy="1553042"/>
+            <a:chOff x="6287256" y="4816680"/>
+            <a:chExt cx="1370203" cy="1553042"/>
+          </a:xfrm>
+        </p:grpSpPr>
+        <p:sp>
+          <p:nvSpPr>
+            <p:cNvPr id="125" name="직사각형 124"/>
+            <p:cNvSpPr/>
+            <p:nvPr/>
+          </p:nvSpPr>
+          <p:spPr>
+            <a:xfrm>
+              <a:off x="6287256" y="4816680"/>
+              <a:ext cx="1370203" cy="1553042"/>
+            </a:xfrm>
+            <a:prstGeom prst="rect">
+              <a:avLst/>
+            </a:prstGeom>
+          </p:spPr>
+          <p:style>
+            <a:lnRef idx="2">
+              <a:schemeClr val="dk1"/>
+            </a:lnRef>
+            <a:fillRef idx="1">
+              <a:schemeClr val="lt1"/>
+            </a:fillRef>
+            <a:effectRef idx="0">
+              <a:schemeClr val="dk1"/>
+            </a:effectRef>
+            <a:fontRef idx="minor">
+              <a:schemeClr val="dk1"/>
+            </a:fontRef>
+          </p:style>
+          <p:txBody>
+            <a:bodyPr rtlCol="0" anchor="t"/>
+            <a:lstStyle/>
+            <a:p>
+              <a:pPr algn="ctr"/>
+              <a:r>
+                <a:rPr lang="ko-KR" altLang="en-US" sz="1200" smtClean="0"/>
+                <a:t>유관기관</a:t>
+              </a:r>
+              <a:endParaRPr lang="ko-KR" altLang="en-US" sz="1200" dirty="0"/>
+            </a:p>
+          </p:txBody>
+        </p:sp>
+        <p:sp>
+          <p:nvSpPr>
+            <p:cNvPr id="126" name="타원 125"/>
+            <p:cNvSpPr/>
+            <p:nvPr/>
+          </p:nvSpPr>
+          <p:spPr>
+            <a:xfrm>
+              <a:off x="6509581" y="5141657"/>
+              <a:ext cx="898174" cy="500703"/>
+            </a:xfrm>
+            <a:prstGeom prst="ellipse">
+              <a:avLst/>
+            </a:prstGeom>
+          </p:spPr>
+          <p:style>
+            <a:lnRef idx="2">
+              <a:schemeClr val="dk1"/>
+            </a:lnRef>
+            <a:fillRef idx="1">
+              <a:schemeClr val="lt1"/>
+            </a:fillRef>
+            <a:effectRef idx="0">
+              <a:schemeClr val="dk1"/>
+            </a:effectRef>
+            <a:fontRef idx="minor">
+              <a:schemeClr val="dk1"/>
+            </a:fontRef>
+          </p:style>
+          <p:txBody>
+            <a:bodyPr rtlCol="0" anchor="ctr"/>
+            <a:lstStyle/>
+            <a:p>
+              <a:pPr algn="ctr"/>
+              <a:r>
+                <a:rPr lang="ko-KR" altLang="en-US" sz="1100" dirty="0" smtClean="0"/>
+                <a:t>기관</a:t>
+              </a:r>
+              <a:endParaRPr lang="en-US" altLang="ko-KR" sz="1100" dirty="0" smtClean="0"/>
+            </a:p>
+            <a:p>
+              <a:pPr algn="ctr"/>
+              <a:r>
+                <a:rPr lang="ko-KR" altLang="en-US" sz="1100" dirty="0" smtClean="0"/>
+                <a:t>페이지</a:t>
+              </a:r>
+              <a:endParaRPr lang="en-US" altLang="ko-KR" sz="1100" dirty="0" smtClean="0"/>
+            </a:p>
+            <a:p>
+              <a:pPr algn="ctr"/>
+              <a:r>
+                <a:rPr lang="ko-KR" altLang="en-US" sz="1100" dirty="0" smtClean="0"/>
+                <a:t>연결</a:t>
+              </a:r>
+              <a:endParaRPr lang="ko-KR" altLang="en-US" sz="1100" dirty="0"/>
+            </a:p>
+          </p:txBody>
+        </p:sp>
+        <p:sp>
+          <p:nvSpPr>
+            <p:cNvPr id="127" name="타원 126"/>
+            <p:cNvSpPr/>
+            <p:nvPr/>
+          </p:nvSpPr>
+          <p:spPr>
+            <a:xfrm>
+              <a:off x="6592502" y="5749791"/>
+              <a:ext cx="732332" cy="502989"/>
+            </a:xfrm>
+            <a:prstGeom prst="ellipse">
+              <a:avLst/>
+            </a:prstGeom>
+          </p:spPr>
+          <p:style>
+            <a:lnRef idx="2">
+              <a:schemeClr val="dk1"/>
+            </a:lnRef>
+            <a:fillRef idx="1">
+              <a:schemeClr val="lt1"/>
+            </a:fillRef>
+            <a:effectRef idx="0">
+              <a:schemeClr val="dk1"/>
+            </a:effectRef>
+            <a:fontRef idx="minor">
+              <a:schemeClr val="dk1"/>
+            </a:fontRef>
+          </p:style>
+          <p:txBody>
+            <a:bodyPr rtlCol="0" anchor="ctr"/>
+            <a:lstStyle/>
+            <a:p>
+              <a:pPr algn="ctr"/>
+              <a:r>
+                <a:rPr lang="ko-KR" altLang="en-US" sz="1100" dirty="0" smtClean="0"/>
+                <a:t>기관 </a:t>
+              </a:r>
+              <a:endParaRPr lang="en-US" altLang="ko-KR" sz="1100" dirty="0" smtClean="0"/>
+            </a:p>
+            <a:p>
+              <a:pPr algn="ctr"/>
+              <a:r>
+                <a:rPr lang="ko-KR" altLang="en-US" sz="1100" dirty="0" smtClean="0"/>
+                <a:t>조회</a:t>
+              </a:r>
+              <a:endParaRPr lang="ko-KR" altLang="en-US" sz="1100" dirty="0"/>
+            </a:p>
+          </p:txBody>
+        </p:sp>
+      </p:grpSp>
       <p:cxnSp>
         <p:nvCxnSpPr>
           <p:cNvPr id="128" name="구부러진 연결선 127"/>
@@ -8610,8 +8194,8 @@
         </p:nvCxnSpPr>
         <p:spPr>
           <a:xfrm rot="16200000" flipH="1">
-            <a:off x="6661450" y="3731043"/>
-            <a:ext cx="322296" cy="1089981"/>
+            <a:off x="6197837" y="4194656"/>
+            <a:ext cx="769672" cy="610131"/>
           </a:xfrm>
           <a:prstGeom prst="curvedConnector3">
             <a:avLst>
@@ -8630,6 +8214,349 @@
             <a:schemeClr val="dk1"/>
           </a:fillRef>
           <a:effectRef idx="1">
+            <a:schemeClr val="dk1"/>
+          </a:effectRef>
+          <a:fontRef idx="minor">
+            <a:schemeClr val="tx1"/>
+          </a:fontRef>
+        </p:style>
+      </p:cxnSp>
+      <p:grpSp>
+        <p:nvGrpSpPr>
+          <p:cNvPr id="69" name="그룹 68"/>
+          <p:cNvGrpSpPr/>
+          <p:nvPr/>
+        </p:nvGrpSpPr>
+        <p:grpSpPr>
+          <a:xfrm>
+            <a:off x="216991" y="2447658"/>
+            <a:ext cx="2434312" cy="2071507"/>
+            <a:chOff x="152003" y="2588891"/>
+            <a:chExt cx="2434312" cy="2071507"/>
+          </a:xfrm>
+        </p:grpSpPr>
+        <p:sp>
+          <p:nvSpPr>
+            <p:cNvPr id="71" name="직사각형 70"/>
+            <p:cNvSpPr/>
+            <p:nvPr/>
+          </p:nvSpPr>
+          <p:spPr>
+            <a:xfrm>
+              <a:off x="152003" y="2588891"/>
+              <a:ext cx="2434312" cy="2071507"/>
+            </a:xfrm>
+            <a:prstGeom prst="rect">
+              <a:avLst/>
+            </a:prstGeom>
+          </p:spPr>
+          <p:style>
+            <a:lnRef idx="2">
+              <a:schemeClr val="dk1"/>
+            </a:lnRef>
+            <a:fillRef idx="1">
+              <a:schemeClr val="lt1"/>
+            </a:fillRef>
+            <a:effectRef idx="0">
+              <a:schemeClr val="dk1"/>
+            </a:effectRef>
+            <a:fontRef idx="minor">
+              <a:schemeClr val="dk1"/>
+            </a:fontRef>
+          </p:style>
+          <p:txBody>
+            <a:bodyPr rtlCol="0" anchor="t"/>
+            <a:lstStyle/>
+            <a:p>
+              <a:pPr algn="ctr"/>
+              <a:r>
+                <a:rPr lang="ko-KR" altLang="en-US" sz="1200" dirty="0" smtClean="0"/>
+                <a:t>마음건강검사</a:t>
+              </a:r>
+              <a:endParaRPr lang="ko-KR" altLang="en-US" sz="1200" dirty="0"/>
+            </a:p>
+          </p:txBody>
+        </p:sp>
+        <p:sp>
+          <p:nvSpPr>
+            <p:cNvPr id="72" name="타원 71"/>
+            <p:cNvSpPr/>
+            <p:nvPr/>
+          </p:nvSpPr>
+          <p:spPr>
+            <a:xfrm>
+              <a:off x="335392" y="3454504"/>
+              <a:ext cx="886684" cy="558904"/>
+            </a:xfrm>
+            <a:prstGeom prst="ellipse">
+              <a:avLst/>
+            </a:prstGeom>
+          </p:spPr>
+          <p:style>
+            <a:lnRef idx="2">
+              <a:schemeClr val="dk1"/>
+            </a:lnRef>
+            <a:fillRef idx="1">
+              <a:schemeClr val="lt1"/>
+            </a:fillRef>
+            <a:effectRef idx="0">
+              <a:schemeClr val="dk1"/>
+            </a:effectRef>
+            <a:fontRef idx="minor">
+              <a:schemeClr val="dk1"/>
+            </a:fontRef>
+          </p:style>
+          <p:txBody>
+            <a:bodyPr rtlCol="0" anchor="ctr"/>
+            <a:lstStyle/>
+            <a:p>
+              <a:pPr algn="ctr"/>
+              <a:r>
+                <a:rPr lang="ko-KR" altLang="en-US" sz="1100" dirty="0" smtClean="0"/>
+                <a:t>맞춤형</a:t>
+              </a:r>
+              <a:endParaRPr lang="en-US" altLang="ko-KR" sz="1100" dirty="0" smtClean="0"/>
+            </a:p>
+            <a:p>
+              <a:pPr algn="ctr"/>
+              <a:r>
+                <a:rPr lang="ko-KR" altLang="en-US" sz="1100" dirty="0" smtClean="0"/>
+                <a:t>검사</a:t>
+              </a:r>
+              <a:endParaRPr lang="ko-KR" altLang="en-US" sz="1100" dirty="0"/>
+            </a:p>
+          </p:txBody>
+        </p:sp>
+        <p:sp>
+          <p:nvSpPr>
+            <p:cNvPr id="73" name="타원 72"/>
+            <p:cNvSpPr/>
+            <p:nvPr/>
+          </p:nvSpPr>
+          <p:spPr>
+            <a:xfrm>
+              <a:off x="1503228" y="3454504"/>
+              <a:ext cx="864328" cy="565230"/>
+            </a:xfrm>
+            <a:prstGeom prst="ellipse">
+              <a:avLst/>
+            </a:prstGeom>
+          </p:spPr>
+          <p:style>
+            <a:lnRef idx="2">
+              <a:schemeClr val="dk1"/>
+            </a:lnRef>
+            <a:fillRef idx="1">
+              <a:schemeClr val="lt1"/>
+            </a:fillRef>
+            <a:effectRef idx="0">
+              <a:schemeClr val="dk1"/>
+            </a:effectRef>
+            <a:fontRef idx="minor">
+              <a:schemeClr val="dk1"/>
+            </a:fontRef>
+          </p:style>
+          <p:txBody>
+            <a:bodyPr rtlCol="0" anchor="ctr"/>
+            <a:lstStyle/>
+            <a:p>
+              <a:pPr algn="ctr"/>
+              <a:r>
+                <a:rPr lang="ko-KR" altLang="en-US" sz="1100" dirty="0" smtClean="0"/>
+                <a:t>상황별</a:t>
+              </a:r>
+              <a:endParaRPr lang="en-US" altLang="ko-KR" sz="1100" dirty="0" smtClean="0"/>
+            </a:p>
+            <a:p>
+              <a:pPr algn="ctr"/>
+              <a:r>
+                <a:rPr lang="ko-KR" altLang="en-US" sz="1100" dirty="0" smtClean="0"/>
+                <a:t>검사</a:t>
+              </a:r>
+              <a:endParaRPr lang="ko-KR" altLang="en-US" sz="1100" dirty="0"/>
+            </a:p>
+          </p:txBody>
+        </p:sp>
+        <p:sp>
+          <p:nvSpPr>
+            <p:cNvPr id="74" name="타원 73"/>
+            <p:cNvSpPr/>
+            <p:nvPr/>
+          </p:nvSpPr>
+          <p:spPr>
+            <a:xfrm>
+              <a:off x="254376" y="4089367"/>
+              <a:ext cx="1051507" cy="509392"/>
+            </a:xfrm>
+            <a:prstGeom prst="ellipse">
+              <a:avLst/>
+            </a:prstGeom>
+          </p:spPr>
+          <p:style>
+            <a:lnRef idx="2">
+              <a:schemeClr val="dk1"/>
+            </a:lnRef>
+            <a:fillRef idx="1">
+              <a:schemeClr val="lt1"/>
+            </a:fillRef>
+            <a:effectRef idx="0">
+              <a:schemeClr val="dk1"/>
+            </a:effectRef>
+            <a:fontRef idx="minor">
+              <a:schemeClr val="dk1"/>
+            </a:fontRef>
+          </p:style>
+          <p:txBody>
+            <a:bodyPr rtlCol="0" anchor="ctr"/>
+            <a:lstStyle/>
+            <a:p>
+              <a:pPr algn="ctr"/>
+              <a:r>
+                <a:rPr lang="ko-KR" altLang="en-US" sz="1100" dirty="0" smtClean="0"/>
+                <a:t>검사결과</a:t>
+              </a:r>
+              <a:endParaRPr lang="en-US" altLang="ko-KR" sz="1100" dirty="0" smtClean="0"/>
+            </a:p>
+            <a:p>
+              <a:pPr algn="ctr"/>
+              <a:r>
+                <a:rPr lang="ko-KR" altLang="en-US" sz="1100" dirty="0" smtClean="0"/>
+                <a:t>확인</a:t>
+              </a:r>
+              <a:endParaRPr lang="ko-KR" altLang="en-US" sz="1100" dirty="0"/>
+            </a:p>
+          </p:txBody>
+        </p:sp>
+        <p:sp>
+          <p:nvSpPr>
+            <p:cNvPr id="75" name="타원 74"/>
+            <p:cNvSpPr/>
+            <p:nvPr/>
+          </p:nvSpPr>
+          <p:spPr>
+            <a:xfrm>
+              <a:off x="644872" y="2880673"/>
+              <a:ext cx="1466242" cy="558904"/>
+            </a:xfrm>
+            <a:prstGeom prst="ellipse">
+              <a:avLst/>
+            </a:prstGeom>
+          </p:spPr>
+          <p:style>
+            <a:lnRef idx="2">
+              <a:schemeClr val="dk1"/>
+            </a:lnRef>
+            <a:fillRef idx="1">
+              <a:schemeClr val="lt1"/>
+            </a:fillRef>
+            <a:effectRef idx="0">
+              <a:schemeClr val="dk1"/>
+            </a:effectRef>
+            <a:fontRef idx="minor">
+              <a:schemeClr val="dk1"/>
+            </a:fontRef>
+          </p:style>
+          <p:txBody>
+            <a:bodyPr rtlCol="0" anchor="ctr"/>
+            <a:lstStyle/>
+            <a:p>
+              <a:pPr algn="ctr"/>
+              <a:r>
+                <a:rPr lang="ko-KR" altLang="en-US" sz="1100" dirty="0" smtClean="0"/>
+                <a:t>마음건강검사</a:t>
+              </a:r>
+              <a:endParaRPr lang="en-US" altLang="ko-KR" sz="1100" dirty="0" smtClean="0"/>
+            </a:p>
+            <a:p>
+              <a:pPr algn="ctr"/>
+              <a:r>
+                <a:rPr lang="ko-KR" altLang="en-US" sz="1100" dirty="0" smtClean="0"/>
+                <a:t>실시</a:t>
+              </a:r>
+              <a:endParaRPr lang="ko-KR" altLang="en-US" sz="1100" dirty="0"/>
+            </a:p>
+          </p:txBody>
+        </p:sp>
+        <p:sp>
+          <p:nvSpPr>
+            <p:cNvPr id="76" name="타원 75"/>
+            <p:cNvSpPr/>
+            <p:nvPr/>
+          </p:nvSpPr>
+          <p:spPr>
+            <a:xfrm>
+              <a:off x="1403726" y="4112126"/>
+              <a:ext cx="1075417" cy="509392"/>
+            </a:xfrm>
+            <a:prstGeom prst="ellipse">
+              <a:avLst/>
+            </a:prstGeom>
+          </p:spPr>
+          <p:style>
+            <a:lnRef idx="2">
+              <a:schemeClr val="dk1"/>
+            </a:lnRef>
+            <a:fillRef idx="1">
+              <a:schemeClr val="lt1"/>
+            </a:fillRef>
+            <a:effectRef idx="0">
+              <a:schemeClr val="dk1"/>
+            </a:effectRef>
+            <a:fontRef idx="minor">
+              <a:schemeClr val="dk1"/>
+            </a:fontRef>
+          </p:style>
+          <p:txBody>
+            <a:bodyPr rtlCol="0" anchor="ctr"/>
+            <a:lstStyle/>
+            <a:p>
+              <a:pPr algn="ctr"/>
+              <a:r>
+                <a:rPr lang="ko-KR" altLang="en-US" sz="1100" dirty="0" smtClean="0"/>
+                <a:t>검사결과</a:t>
+              </a:r>
+              <a:endParaRPr lang="en-US" altLang="ko-KR" sz="1100" dirty="0" smtClean="0"/>
+            </a:p>
+            <a:p>
+              <a:pPr algn="ctr"/>
+              <a:r>
+                <a:rPr lang="ko-KR" altLang="en-US" sz="1100" dirty="0" smtClean="0"/>
+                <a:t>저장</a:t>
+              </a:r>
+              <a:endParaRPr lang="ko-KR" altLang="en-US" sz="1100" dirty="0"/>
+            </a:p>
+          </p:txBody>
+        </p:sp>
+      </p:grpSp>
+      <p:cxnSp>
+        <p:nvCxnSpPr>
+          <p:cNvPr id="18" name="구부러진 연결선 17"/>
+          <p:cNvCxnSpPr>
+            <a:stCxn id="24" idx="2"/>
+            <a:endCxn id="76" idx="6"/>
+          </p:cNvCxnSpPr>
+          <p:nvPr/>
+        </p:nvCxnSpPr>
+        <p:spPr>
+          <a:xfrm rot="10800000" flipV="1">
+            <a:off x="2544132" y="3160125"/>
+            <a:ext cx="1968727" cy="1065464"/>
+          </a:xfrm>
+          <a:prstGeom prst="curvedConnector3">
+            <a:avLst/>
+          </a:prstGeom>
+          <a:ln>
+            <a:tailEnd type="triangle"/>
+          </a:ln>
+        </p:spPr>
+        <p:style>
+          <a:lnRef idx="3">
+            <a:schemeClr val="dk1"/>
+          </a:lnRef>
+          <a:fillRef idx="0">
+            <a:schemeClr val="dk1"/>
+          </a:fillRef>
+          <a:effectRef idx="2">
             <a:schemeClr val="dk1"/>
           </a:effectRef>
           <a:fontRef idx="minor">
@@ -8779,13 +8706,13 @@
           </a:ln>
         </p:spPr>
         <p:style>
-          <a:lnRef idx="2">
+          <a:lnRef idx="1">
             <a:schemeClr val="dk1"/>
           </a:lnRef>
           <a:fillRef idx="0">
             <a:schemeClr val="dk1"/>
           </a:fillRef>
-          <a:effectRef idx="1">
+          <a:effectRef idx="0">
             <a:schemeClr val="dk1"/>
           </a:effectRef>
           <a:fontRef idx="minor">
@@ -8817,13 +8744,13 @@
           </a:ln>
         </p:spPr>
         <p:style>
-          <a:lnRef idx="2">
+          <a:lnRef idx="3">
             <a:schemeClr val="dk1"/>
           </a:lnRef>
           <a:fillRef idx="0">
             <a:schemeClr val="dk1"/>
           </a:fillRef>
-          <a:effectRef idx="1">
+          <a:effectRef idx="2">
             <a:schemeClr val="dk1"/>
           </a:effectRef>
           <a:fontRef idx="minor">
@@ -8853,13 +8780,13 @@
           </a:ln>
         </p:spPr>
         <p:style>
-          <a:lnRef idx="2">
+          <a:lnRef idx="3">
             <a:schemeClr val="dk1"/>
           </a:lnRef>
           <a:fillRef idx="0">
             <a:schemeClr val="dk1"/>
           </a:fillRef>
-          <a:effectRef idx="1">
+          <a:effectRef idx="2">
             <a:schemeClr val="dk1"/>
           </a:effectRef>
           <a:fontRef idx="minor">
@@ -9185,13 +9112,13 @@
           </a:ln>
         </p:spPr>
         <p:style>
-          <a:lnRef idx="2">
+          <a:lnRef idx="1">
             <a:schemeClr val="dk1"/>
           </a:lnRef>
           <a:fillRef idx="0">
             <a:schemeClr val="dk1"/>
           </a:fillRef>
-          <a:effectRef idx="1">
+          <a:effectRef idx="0">
             <a:schemeClr val="dk1"/>
           </a:effectRef>
           <a:fontRef idx="minor">
@@ -9424,7 +9351,7 @@
           </a:xfrm>
           <a:prstGeom prst="curvedConnector3">
             <a:avLst>
-              <a:gd name="adj1" fmla="val 50000"/>
+              <a:gd name="adj1" fmla="val 51702"/>
             </a:avLst>
           </a:prstGeom>
           <a:ln>
@@ -9432,13 +9359,13 @@
           </a:ln>
         </p:spPr>
         <p:style>
-          <a:lnRef idx="2">
+          <a:lnRef idx="1">
             <a:schemeClr val="dk1"/>
           </a:lnRef>
           <a:fillRef idx="0">
             <a:schemeClr val="dk1"/>
           </a:fillRef>
-          <a:effectRef idx="1">
+          <a:effectRef idx="0">
             <a:schemeClr val="dk1"/>
           </a:effectRef>
           <a:fontRef idx="minor">
@@ -9679,13 +9606,13 @@
           </a:ln>
         </p:spPr>
         <p:style>
-          <a:lnRef idx="2">
+          <a:lnRef idx="1">
             <a:schemeClr val="dk1"/>
           </a:lnRef>
           <a:fillRef idx="0">
             <a:schemeClr val="dk1"/>
           </a:fillRef>
-          <a:effectRef idx="1">
+          <a:effectRef idx="0">
             <a:schemeClr val="dk1"/>
           </a:effectRef>
           <a:fontRef idx="minor">
@@ -9926,13 +9853,13 @@
           </a:ln>
         </p:spPr>
         <p:style>
-          <a:lnRef idx="2">
+          <a:lnRef idx="1">
             <a:schemeClr val="dk1"/>
           </a:lnRef>
           <a:fillRef idx="0">
             <a:schemeClr val="dk1"/>
           </a:fillRef>
-          <a:effectRef idx="1">
+          <a:effectRef idx="0">
             <a:schemeClr val="dk1"/>
           </a:effectRef>
           <a:fontRef idx="minor">
@@ -9944,20 +9871,20 @@
         <p:nvCxnSpPr>
           <p:cNvPr id="127" name="구부러진 연결선 126"/>
           <p:cNvCxnSpPr>
-            <a:stCxn id="28" idx="6"/>
+            <a:stCxn id="126" idx="6"/>
             <a:endCxn id="143" idx="0"/>
           </p:cNvCxnSpPr>
           <p:nvPr/>
         </p:nvCxnSpPr>
         <p:spPr>
           <a:xfrm flipV="1">
-            <a:off x="5651401" y="609235"/>
-            <a:ext cx="5375634" cy="2042715"/>
+            <a:off x="2074682" y="492783"/>
+            <a:ext cx="8698159" cy="2905488"/>
           </a:xfrm>
           <a:prstGeom prst="curvedConnector4">
             <a:avLst>
-              <a:gd name="adj1" fmla="val 74463"/>
-              <a:gd name="adj2" fmla="val 111191"/>
+              <a:gd name="adj1" fmla="val 61929"/>
+              <a:gd name="adj2" fmla="val 107868"/>
             </a:avLst>
           </a:prstGeom>
           <a:ln>
@@ -9965,13 +9892,13 @@
           </a:ln>
         </p:spPr>
         <p:style>
-          <a:lnRef idx="2">
+          <a:lnRef idx="1">
             <a:schemeClr val="dk1"/>
           </a:lnRef>
           <a:fillRef idx="0">
             <a:schemeClr val="dk1"/>
           </a:fillRef>
-          <a:effectRef idx="1">
+          <a:effectRef idx="0">
             <a:schemeClr val="dk1"/>
           </a:effectRef>
           <a:fontRef idx="minor">
@@ -10001,13 +9928,13 @@
           </a:ln>
         </p:spPr>
         <p:style>
-          <a:lnRef idx="2">
+          <a:lnRef idx="3">
             <a:schemeClr val="dk1"/>
           </a:lnRef>
           <a:fillRef idx="0">
             <a:schemeClr val="dk1"/>
           </a:fillRef>
-          <a:effectRef idx="1">
+          <a:effectRef idx="2">
             <a:schemeClr val="dk1"/>
           </a:effectRef>
           <a:fontRef idx="minor">
@@ -10023,10 +9950,10 @@
         </p:nvGrpSpPr>
         <p:grpSpPr>
           <a:xfrm>
-            <a:off x="10199035" y="609235"/>
-            <a:ext cx="1656000" cy="2300400"/>
-            <a:chOff x="8830437" y="3386537"/>
-            <a:chExt cx="1834217" cy="2917581"/>
+            <a:off x="9944841" y="492783"/>
+            <a:ext cx="1656000" cy="1501400"/>
+            <a:chOff x="8830437" y="3386538"/>
+            <a:chExt cx="1834217" cy="1836906"/>
           </a:xfrm>
         </p:grpSpPr>
         <p:sp>
@@ -10037,8 +9964,8 @@
           </p:nvSpPr>
           <p:spPr>
             <a:xfrm>
-              <a:off x="8830437" y="3386537"/>
-              <a:ext cx="1834217" cy="2917581"/>
+              <a:off x="8830437" y="3386538"/>
+              <a:ext cx="1834217" cy="1836906"/>
             </a:xfrm>
             <a:prstGeom prst="rect">
               <a:avLst/>
@@ -10103,15 +10030,7 @@
               <a:pPr algn="ctr"/>
               <a:r>
                 <a:rPr lang="ko-KR" altLang="en-US" sz="1100" dirty="0" smtClean="0"/>
-                <a:t>신청자 별</a:t>
-              </a:r>
-              <a:endParaRPr lang="en-US" altLang="ko-KR" sz="1100" dirty="0" smtClean="0"/>
-            </a:p>
-            <a:p>
-              <a:pPr algn="ctr"/>
-              <a:r>
-                <a:rPr lang="ko-KR" altLang="en-US" sz="1100" dirty="0" smtClean="0"/>
-                <a:t>상담신청</a:t>
+                <a:t>상담 진행</a:t>
               </a:r>
               <a:endParaRPr lang="ko-KR" altLang="en-US" sz="1100" dirty="0"/>
             </a:p>
@@ -10125,8 +10044,8 @@
           </p:nvSpPr>
           <p:spPr>
             <a:xfrm>
-              <a:off x="9270131" y="3455386"/>
-              <a:ext cx="854721" cy="276999"/>
+              <a:off x="9073559" y="3454602"/>
+              <a:ext cx="1347972" cy="338898"/>
             </a:xfrm>
             <a:prstGeom prst="rect">
               <a:avLst/>
@@ -10141,59 +10060,13 @@
             <a:p>
               <a:r>
                 <a:rPr lang="ko-KR" altLang="en-US" sz="1200" dirty="0" smtClean="0"/>
-                <a:t>상담 관리</a:t>
+                <a:t>상담 </a:t>
+              </a:r>
+              <a:r>
+                <a:rPr lang="ko-KR" altLang="en-US" sz="1200" dirty="0" smtClean="0"/>
+                <a:t>내역 관리</a:t>
               </a:r>
               <a:endParaRPr lang="ko-KR" altLang="en-US" sz="1200" dirty="0"/>
-            </a:p>
-          </p:txBody>
-        </p:sp>
-        <p:sp>
-          <p:nvSpPr>
-            <p:cNvPr id="146" name="타원 145"/>
-            <p:cNvSpPr/>
-            <p:nvPr/>
-          </p:nvSpPr>
-          <p:spPr>
-            <a:xfrm>
-              <a:off x="8971629" y="4449037"/>
-              <a:ext cx="1594971" cy="547903"/>
-            </a:xfrm>
-            <a:prstGeom prst="ellipse">
-              <a:avLst/>
-            </a:prstGeom>
-          </p:spPr>
-          <p:style>
-            <a:lnRef idx="2">
-              <a:schemeClr val="dk1"/>
-            </a:lnRef>
-            <a:fillRef idx="1">
-              <a:schemeClr val="lt1"/>
-            </a:fillRef>
-            <a:effectRef idx="0">
-              <a:schemeClr val="dk1"/>
-            </a:effectRef>
-            <a:fontRef idx="minor">
-              <a:schemeClr val="dk1"/>
-            </a:fontRef>
-          </p:style>
-          <p:txBody>
-            <a:bodyPr rtlCol="0" anchor="ctr"/>
-            <a:lstStyle/>
-            <a:p>
-              <a:pPr algn="ctr"/>
-              <a:r>
-                <a:rPr lang="ko-KR" altLang="en-US" sz="1100" dirty="0" smtClean="0"/>
-                <a:t>게시판</a:t>
-              </a:r>
-              <a:endParaRPr lang="en-US" altLang="ko-KR" sz="1100" dirty="0" smtClean="0"/>
-            </a:p>
-            <a:p>
-              <a:pPr algn="ctr"/>
-              <a:r>
-                <a:rPr lang="ko-KR" altLang="en-US" sz="1100" dirty="0" smtClean="0"/>
-                <a:t>상담 통계</a:t>
-              </a:r>
-              <a:endParaRPr lang="ko-KR" altLang="en-US" sz="1100" dirty="0"/>
             </a:p>
           </p:txBody>
         </p:sp>
@@ -10205,7 +10078,7 @@
           </p:nvSpPr>
           <p:spPr>
             <a:xfrm>
-              <a:off x="8971629" y="5041678"/>
+              <a:off x="8971629" y="4530367"/>
               <a:ext cx="1594971" cy="547903"/>
             </a:xfrm>
             <a:prstGeom prst="ellipse">
@@ -10232,62 +10105,16 @@
             <a:p>
               <a:pPr algn="ctr"/>
               <a:r>
+                <a:rPr lang="ko-KR" altLang="en-US" sz="1100" dirty="0" smtClean="0"/>
+                <a:t>상담 내역 </a:t>
+              </a:r>
+              <a:endParaRPr lang="en-US" altLang="ko-KR" sz="1100" dirty="0" smtClean="0"/>
+            </a:p>
+            <a:p>
+              <a:pPr algn="ctr"/>
+              <a:r>
                 <a:rPr lang="ko-KR" altLang="en-US" sz="1100" dirty="0" err="1" smtClean="0"/>
-                <a:t>내담자</a:t>
-              </a:r>
-              <a:r>
-                <a:rPr lang="ko-KR" altLang="en-US" sz="1100" dirty="0" smtClean="0"/>
-                <a:t> 별</a:t>
-              </a:r>
-              <a:endParaRPr lang="en-US" altLang="ko-KR" sz="1100" dirty="0"/>
-            </a:p>
-            <a:p>
-              <a:pPr algn="ctr"/>
-              <a:r>
-                <a:rPr lang="ko-KR" altLang="en-US" sz="1100" dirty="0" smtClean="0"/>
-                <a:t>상담신청</a:t>
-              </a:r>
-              <a:endParaRPr lang="ko-KR" altLang="en-US" sz="1100" dirty="0"/>
-            </a:p>
-          </p:txBody>
-        </p:sp>
-        <p:sp>
-          <p:nvSpPr>
-            <p:cNvPr id="152" name="타원 151"/>
-            <p:cNvSpPr/>
-            <p:nvPr/>
-          </p:nvSpPr>
-          <p:spPr>
-            <a:xfrm>
-              <a:off x="8971629" y="5634321"/>
-              <a:ext cx="1594971" cy="547903"/>
-            </a:xfrm>
-            <a:prstGeom prst="ellipse">
-              <a:avLst/>
-            </a:prstGeom>
-          </p:spPr>
-          <p:style>
-            <a:lnRef idx="2">
-              <a:schemeClr val="dk1"/>
-            </a:lnRef>
-            <a:fillRef idx="1">
-              <a:schemeClr val="lt1"/>
-            </a:fillRef>
-            <a:effectRef idx="0">
-              <a:schemeClr val="dk1"/>
-            </a:effectRef>
-            <a:fontRef idx="minor">
-              <a:schemeClr val="dk1"/>
-            </a:fontRef>
-          </p:style>
-          <p:txBody>
-            <a:bodyPr rtlCol="0" anchor="ctr"/>
-            <a:lstStyle/>
-            <a:p>
-              <a:pPr algn="ctr"/>
-              <a:r>
-                <a:rPr lang="ko-KR" altLang="en-US" sz="1100" dirty="0" smtClean="0"/>
-                <a:t>상담 만족도 조사 결과</a:t>
+                <a:t>줄력</a:t>
               </a:r>
               <a:endParaRPr lang="ko-KR" altLang="en-US" sz="1100" dirty="0"/>
             </a:p>
@@ -10999,42 +10826,6 @@
       </p:grpSp>
       <p:cxnSp>
         <p:nvCxnSpPr>
-          <p:cNvPr id="10" name="구부러진 연결선 9"/>
-          <p:cNvCxnSpPr>
-            <a:stCxn id="41" idx="6"/>
-            <a:endCxn id="90" idx="1"/>
-          </p:cNvCxnSpPr>
-          <p:nvPr/>
-        </p:nvCxnSpPr>
-        <p:spPr>
-          <a:xfrm flipV="1">
-            <a:off x="5789850" y="1136868"/>
-            <a:ext cx="779867" cy="608965"/>
-          </a:xfrm>
-          <a:prstGeom prst="curvedConnector3">
-            <a:avLst/>
-          </a:prstGeom>
-          <a:ln>
-            <a:tailEnd type="triangle"/>
-          </a:ln>
-        </p:spPr>
-        <p:style>
-          <a:lnRef idx="2">
-            <a:schemeClr val="dk1"/>
-          </a:lnRef>
-          <a:fillRef idx="0">
-            <a:schemeClr val="dk1"/>
-          </a:fillRef>
-          <a:effectRef idx="1">
-            <a:schemeClr val="dk1"/>
-          </a:effectRef>
-          <a:fontRef idx="minor">
-            <a:schemeClr val="tx1"/>
-          </a:fontRef>
-        </p:style>
-      </p:cxnSp>
-      <p:cxnSp>
-        <p:nvCxnSpPr>
           <p:cNvPr id="15" name="구부러진 연결선 14"/>
           <p:cNvCxnSpPr>
             <a:stCxn id="60" idx="2"/>
@@ -11044,8 +10835,8 @@
         </p:nvCxnSpPr>
         <p:spPr>
           <a:xfrm rot="10800000">
-            <a:off x="1327156" y="4223261"/>
-            <a:ext cx="2142401" cy="579711"/>
+            <a:off x="1327156" y="3724619"/>
+            <a:ext cx="2142401" cy="1078353"/>
           </a:xfrm>
           <a:prstGeom prst="curvedConnector2">
             <a:avLst/>
@@ -11055,13 +10846,13 @@
           </a:ln>
         </p:spPr>
         <p:style>
-          <a:lnRef idx="2">
+          <a:lnRef idx="1">
             <a:schemeClr val="dk1"/>
           </a:lnRef>
           <a:fillRef idx="0">
             <a:schemeClr val="dk1"/>
           </a:fillRef>
-          <a:effectRef idx="1">
+          <a:effectRef idx="0">
             <a:schemeClr val="dk1"/>
           </a:effectRef>
           <a:fontRef idx="minor">
@@ -11077,10 +10868,10 @@
         </p:nvGrpSpPr>
         <p:grpSpPr>
           <a:xfrm>
-            <a:off x="499155" y="2334396"/>
-            <a:ext cx="1656000" cy="1888864"/>
+            <a:off x="499155" y="2334397"/>
+            <a:ext cx="1656000" cy="1390223"/>
             <a:chOff x="240217" y="2178809"/>
-            <a:chExt cx="1869114" cy="1863509"/>
+            <a:chExt cx="1869114" cy="1371561"/>
           </a:xfrm>
         </p:grpSpPr>
         <p:grpSp>
@@ -11092,9 +10883,9 @@
           <p:grpSpPr>
             <a:xfrm>
               <a:off x="240217" y="2178809"/>
-              <a:ext cx="1869114" cy="1863509"/>
+              <a:ext cx="1869114" cy="1371561"/>
               <a:chOff x="422087" y="2458769"/>
-              <a:chExt cx="1869114" cy="1365952"/>
+              <a:chExt cx="1869114" cy="1005354"/>
             </a:xfrm>
           </p:grpSpPr>
           <p:sp>
@@ -11106,7 +10897,7 @@
             <p:spPr>
               <a:xfrm>
                 <a:off x="422087" y="2458769"/>
-                <a:ext cx="1869114" cy="1365952"/>
+                <a:ext cx="1869114" cy="1005354"/>
               </a:xfrm>
               <a:prstGeom prst="rect">
                 <a:avLst/>
@@ -11201,7 +10992,15 @@
                 <a:pPr algn="ctr"/>
                 <a:r>
                   <a:rPr lang="ko-KR" altLang="en-US" sz="1100" dirty="0" smtClean="0"/>
-                  <a:t> 상담 일정</a:t>
+                  <a:t> </a:t>
+                </a:r>
+                <a:r>
+                  <a:rPr lang="ko-KR" altLang="en-US" sz="1100" dirty="0" smtClean="0"/>
+                  <a:t>상담 </a:t>
+                </a:r>
+                <a:r>
+                  <a:rPr lang="ko-KR" altLang="en-US" sz="1100" dirty="0" smtClean="0"/>
+                  <a:t>일정</a:t>
                 </a:r>
                 <a:endParaRPr lang="en-US" altLang="ko-KR" sz="1100" dirty="0" smtClean="0"/>
               </a:p>
@@ -11209,57 +11008,7 @@
                 <a:pPr algn="ctr"/>
                 <a:r>
                   <a:rPr lang="ko-KR" altLang="en-US" sz="1100" dirty="0" smtClean="0"/>
-                  <a:t>조회</a:t>
-                </a:r>
-                <a:endParaRPr lang="ko-KR" altLang="en-US" sz="1100" dirty="0"/>
-              </a:p>
-            </p:txBody>
-          </p:sp>
-          <p:sp>
-            <p:nvSpPr>
-              <p:cNvPr id="125" name="타원 124"/>
-              <p:cNvSpPr/>
-              <p:nvPr/>
-            </p:nvSpPr>
-            <p:spPr>
-              <a:xfrm>
-                <a:off x="534422" y="3048625"/>
-                <a:ext cx="1665949" cy="312405"/>
-              </a:xfrm>
-              <a:prstGeom prst="ellipse">
-                <a:avLst/>
-              </a:prstGeom>
-            </p:spPr>
-            <p:style>
-              <a:lnRef idx="2">
-                <a:schemeClr val="dk1"/>
-              </a:lnRef>
-              <a:fillRef idx="1">
-                <a:schemeClr val="lt1"/>
-              </a:fillRef>
-              <a:effectRef idx="0">
-                <a:schemeClr val="dk1"/>
-              </a:effectRef>
-              <a:fontRef idx="minor">
-                <a:schemeClr val="dk1"/>
-              </a:fontRef>
-            </p:style>
-            <p:txBody>
-              <a:bodyPr rtlCol="0" anchor="ctr"/>
-              <a:lstStyle/>
-              <a:p>
-                <a:pPr algn="ctr"/>
-                <a:r>
-                  <a:rPr lang="ko-KR" altLang="en-US" sz="1100" dirty="0" smtClean="0"/>
-                  <a:t>상담신청</a:t>
-                </a:r>
-                <a:endParaRPr lang="en-US" altLang="ko-KR" sz="1100" dirty="0" smtClean="0"/>
-              </a:p>
-              <a:p>
-                <a:pPr algn="ctr"/>
-                <a:r>
-                  <a:rPr lang="ko-KR" altLang="en-US" sz="1100" dirty="0" smtClean="0"/>
-                  <a:t>수락 및 거절</a:t>
+                  <a:t>관리</a:t>
                 </a:r>
                 <a:endParaRPr lang="ko-KR" altLang="en-US" sz="1100" dirty="0"/>
               </a:p>
@@ -11274,7 +11023,7 @@
           </p:nvSpPr>
           <p:spPr>
             <a:xfrm>
-              <a:off x="352552" y="3485496"/>
+              <a:off x="352552" y="3015301"/>
               <a:ext cx="1665949" cy="426201"/>
             </a:xfrm>
             <a:prstGeom prst="ellipse">
@@ -11302,17 +11051,13 @@
               <a:pPr algn="ctr"/>
               <a:r>
                 <a:rPr lang="ko-KR" altLang="en-US" sz="1100" dirty="0" smtClean="0"/>
-                <a:t> 상담 현황</a:t>
+                <a:t>상담 </a:t>
+              </a:r>
+              <a:r>
+                <a:rPr lang="ko-KR" altLang="en-US" sz="1100" dirty="0" smtClean="0"/>
+                <a:t>내역</a:t>
               </a:r>
               <a:endParaRPr lang="en-US" altLang="ko-KR" sz="1100" dirty="0"/>
-            </a:p>
-            <a:p>
-              <a:pPr algn="ctr"/>
-              <a:r>
-                <a:rPr lang="ko-KR" altLang="en-US" sz="1100" dirty="0" smtClean="0"/>
-                <a:t>제공</a:t>
-              </a:r>
-              <a:endParaRPr lang="ko-KR" altLang="en-US" sz="1100" dirty="0"/>
             </a:p>
           </p:txBody>
         </p:sp>
@@ -11391,7 +11136,7 @@
             </p:nvSpPr>
             <p:spPr>
               <a:xfrm>
-                <a:off x="2794165" y="1123757"/>
+                <a:off x="2769071" y="755763"/>
                 <a:ext cx="1095414" cy="299687"/>
               </a:xfrm>
               <a:prstGeom prst="ellipse">
@@ -11547,7 +11292,7 @@
             </p:nvSpPr>
             <p:spPr>
               <a:xfrm>
-                <a:off x="4112336" y="1133463"/>
+                <a:off x="3427822" y="1131966"/>
                 <a:ext cx="1095414" cy="299687"/>
               </a:xfrm>
               <a:prstGeom prst="ellipse">
@@ -11581,48 +11326,6 @@
               </a:p>
             </p:txBody>
           </p:sp>
-          <p:sp>
-            <p:nvSpPr>
-              <p:cNvPr id="42" name="타원 41"/>
-              <p:cNvSpPr/>
-              <p:nvPr/>
-            </p:nvSpPr>
-            <p:spPr>
-              <a:xfrm>
-                <a:off x="2794165" y="761890"/>
-                <a:ext cx="1095414" cy="299687"/>
-              </a:xfrm>
-              <a:prstGeom prst="ellipse">
-                <a:avLst/>
-              </a:prstGeom>
-            </p:spPr>
-            <p:style>
-              <a:lnRef idx="2">
-                <a:schemeClr val="dk1"/>
-              </a:lnRef>
-              <a:fillRef idx="1">
-                <a:schemeClr val="lt1"/>
-              </a:fillRef>
-              <a:effectRef idx="0">
-                <a:schemeClr val="dk1"/>
-              </a:effectRef>
-              <a:fontRef idx="minor">
-                <a:schemeClr val="dk1"/>
-              </a:fontRef>
-            </p:style>
-            <p:txBody>
-              <a:bodyPr rtlCol="0" anchor="ctr"/>
-              <a:lstStyle/>
-              <a:p>
-                <a:pPr algn="ctr"/>
-                <a:r>
-                  <a:rPr lang="ko-KR" altLang="en-US" sz="1100" dirty="0" smtClean="0"/>
-                  <a:t>신고내역확인</a:t>
-                </a:r>
-                <a:endParaRPr lang="ko-KR" altLang="en-US" sz="1100" dirty="0"/>
-              </a:p>
-            </p:txBody>
-          </p:sp>
         </p:grpSp>
         <p:sp>
           <p:nvSpPr>
@@ -11687,7 +11390,7 @@
         </p:nvGrpSpPr>
         <p:grpSpPr>
           <a:xfrm>
-            <a:off x="8477717" y="2470878"/>
+            <a:off x="9630807" y="2372148"/>
             <a:ext cx="1562130" cy="1553042"/>
             <a:chOff x="8477717" y="2470878"/>
             <a:chExt cx="1562130" cy="1553042"/>
@@ -11854,8 +11557,8 @@
         </p:nvCxnSpPr>
         <p:spPr>
           <a:xfrm flipV="1">
-            <a:off x="6241633" y="3247399"/>
-            <a:ext cx="2236084" cy="333912"/>
+            <a:off x="6573202" y="3148669"/>
+            <a:ext cx="3057605" cy="472438"/>
           </a:xfrm>
           <a:prstGeom prst="curvedConnector3">
             <a:avLst/>
@@ -11865,13 +11568,50 @@
           </a:ln>
         </p:spPr>
         <p:style>
-          <a:lnRef idx="2">
+          <a:lnRef idx="1">
             <a:schemeClr val="dk1"/>
           </a:lnRef>
           <a:fillRef idx="0">
             <a:schemeClr val="dk1"/>
           </a:fillRef>
-          <a:effectRef idx="1">
+          <a:effectRef idx="0">
+            <a:schemeClr val="dk1"/>
+          </a:effectRef>
+          <a:fontRef idx="minor">
+            <a:schemeClr val="tx1"/>
+          </a:fontRef>
+        </p:style>
+      </p:cxnSp>
+      <p:cxnSp>
+        <p:nvCxnSpPr>
+          <p:cNvPr id="9" name="구부러진 연결선 8"/>
+          <p:cNvCxnSpPr>
+            <a:endCxn id="90" idx="1"/>
+          </p:cNvCxnSpPr>
+          <p:nvPr/>
+        </p:nvCxnSpPr>
+        <p:spPr>
+          <a:xfrm flipV="1">
+            <a:off x="5024984" y="1136868"/>
+            <a:ext cx="1544733" cy="611922"/>
+          </a:xfrm>
+          <a:prstGeom prst="curvedConnector3">
+            <a:avLst>
+              <a:gd name="adj1" fmla="val 69238"/>
+            </a:avLst>
+          </a:prstGeom>
+          <a:ln>
+            <a:tailEnd type="triangle"/>
+          </a:ln>
+        </p:spPr>
+        <p:style>
+          <a:lnRef idx="1">
+            <a:schemeClr val="dk1"/>
+          </a:lnRef>
+          <a:fillRef idx="0">
+            <a:schemeClr val="dk1"/>
+          </a:fillRef>
+          <a:effectRef idx="0">
             <a:schemeClr val="dk1"/>
           </a:effectRef>
           <a:fontRef idx="minor">

--- a/문서 관리/07. 유스케이스(수정본).pptx
+++ b/문서 관리/07. 유스케이스(수정본).pptx
@@ -7126,15 +7126,15 @@
         <p:nvCxnSpPr>
           <p:cNvPr id="324" name="구부러진 연결선 323"/>
           <p:cNvCxnSpPr>
-            <a:stCxn id="320" idx="4"/>
+            <a:stCxn id="74" idx="4"/>
             <a:endCxn id="40" idx="1"/>
           </p:cNvCxnSpPr>
           <p:nvPr/>
         </p:nvCxnSpPr>
         <p:spPr>
           <a:xfrm rot="16200000" flipH="1">
-            <a:off x="2038258" y="4317573"/>
-            <a:ext cx="573167" cy="1617900"/>
+            <a:off x="1511664" y="3790979"/>
+            <a:ext cx="955581" cy="2288673"/>
           </a:xfrm>
           <a:prstGeom prst="curvedConnector2">
             <a:avLst/>
@@ -7306,11 +7306,7 @@
               <a:pPr algn="ctr"/>
               <a:r>
                 <a:rPr lang="ko-KR" altLang="en-US" sz="1100" dirty="0" smtClean="0"/>
-                <a:t>개인</a:t>
-              </a:r>
-              <a:r>
-                <a:rPr lang="ko-KR" altLang="en-US" sz="1100" dirty="0" smtClean="0"/>
-                <a:t>정보</a:t>
+                <a:t>개인정보</a:t>
               </a:r>
               <a:endParaRPr lang="en-US" altLang="ko-KR" sz="1100" dirty="0" smtClean="0"/>
             </a:p>
@@ -7512,7 +7508,6 @@
                 <a:rPr lang="en-US" altLang="ko-KR" sz="1100" dirty="0" smtClean="0"/>
                 <a:t>)</a:t>
               </a:r>
-              <a:endParaRPr lang="en-US" altLang="ko-KR" sz="1100" dirty="0" smtClean="0"/>
             </a:p>
             <a:p>
               <a:pPr algn="ctr"/>
@@ -10060,11 +10055,7 @@
             <a:p>
               <a:r>
                 <a:rPr lang="ko-KR" altLang="en-US" sz="1200" dirty="0" smtClean="0"/>
-                <a:t>상담 </a:t>
-              </a:r>
-              <a:r>
-                <a:rPr lang="ko-KR" altLang="en-US" sz="1200" dirty="0" smtClean="0"/>
-                <a:t>내역 관리</a:t>
+                <a:t>상담 내역 관리</a:t>
               </a:r>
               <a:endParaRPr lang="ko-KR" altLang="en-US" sz="1200" dirty="0"/>
             </a:p>
@@ -10992,15 +10983,7 @@
                 <a:pPr algn="ctr"/>
                 <a:r>
                   <a:rPr lang="ko-KR" altLang="en-US" sz="1100" dirty="0" smtClean="0"/>
-                  <a:t> </a:t>
-                </a:r>
-                <a:r>
-                  <a:rPr lang="ko-KR" altLang="en-US" sz="1100" dirty="0" smtClean="0"/>
-                  <a:t>상담 </a:t>
-                </a:r>
-                <a:r>
-                  <a:rPr lang="ko-KR" altLang="en-US" sz="1100" dirty="0" smtClean="0"/>
-                  <a:t>일정</a:t>
+                  <a:t> 상담 일정</a:t>
                 </a:r>
                 <a:endParaRPr lang="en-US" altLang="ko-KR" sz="1100" dirty="0" smtClean="0"/>
               </a:p>
@@ -11051,11 +11034,7 @@
               <a:pPr algn="ctr"/>
               <a:r>
                 <a:rPr lang="ko-KR" altLang="en-US" sz="1100" dirty="0" smtClean="0"/>
-                <a:t>상담 </a:t>
-              </a:r>
-              <a:r>
-                <a:rPr lang="ko-KR" altLang="en-US" sz="1100" dirty="0" smtClean="0"/>
-                <a:t>내역</a:t>
+                <a:t>상담 내역</a:t>
               </a:r>
               <a:endParaRPr lang="en-US" altLang="ko-KR" sz="1100" dirty="0"/>
             </a:p>
